--- a/TDDExamples/Persentation/TestDrivenDevelopment.pptx
+++ b/TDDExamples/Persentation/TestDrivenDevelopment.pptx
@@ -5,54 +5,57 @@
     <p:sldMasterId id="2147483669" r:id="rId35"/>
   </p:sldMasterIdLst>
   <p:notesMasterIdLst>
-    <p:notesMasterId r:id="rId72"/>
+    <p:notesMasterId r:id="rId75"/>
   </p:notesMasterIdLst>
   <p:handoutMasterIdLst>
-    <p:handoutMasterId r:id="rId73"/>
+    <p:handoutMasterId r:id="rId76"/>
   </p:handoutMasterIdLst>
   <p:sldIdLst>
     <p:sldId id="1011" r:id="rId36"/>
     <p:sldId id="1012" r:id="rId37"/>
     <p:sldId id="1013" r:id="rId38"/>
-    <p:sldId id="1014" r:id="rId39"/>
-    <p:sldId id="1015" r:id="rId40"/>
-    <p:sldId id="1016" r:id="rId41"/>
-    <p:sldId id="1017" r:id="rId42"/>
-    <p:sldId id="1018" r:id="rId43"/>
-    <p:sldId id="1019" r:id="rId44"/>
-    <p:sldId id="1020" r:id="rId45"/>
-    <p:sldId id="1021" r:id="rId46"/>
-    <p:sldId id="1022" r:id="rId47"/>
-    <p:sldId id="1023" r:id="rId48"/>
-    <p:sldId id="1024" r:id="rId49"/>
-    <p:sldId id="1025" r:id="rId50"/>
-    <p:sldId id="1026" r:id="rId51"/>
-    <p:sldId id="1027" r:id="rId52"/>
-    <p:sldId id="1028" r:id="rId53"/>
-    <p:sldId id="1029" r:id="rId54"/>
-    <p:sldId id="1030" r:id="rId55"/>
-    <p:sldId id="1031" r:id="rId56"/>
-    <p:sldId id="1032" r:id="rId57"/>
-    <p:sldId id="1033" r:id="rId58"/>
-    <p:sldId id="1034" r:id="rId59"/>
-    <p:sldId id="1035" r:id="rId60"/>
-    <p:sldId id="1036" r:id="rId61"/>
-    <p:sldId id="1037" r:id="rId62"/>
-    <p:sldId id="1038" r:id="rId63"/>
-    <p:sldId id="1039" r:id="rId64"/>
-    <p:sldId id="1040" r:id="rId65"/>
-    <p:sldId id="1041" r:id="rId66"/>
-    <p:sldId id="1042" r:id="rId67"/>
-    <p:sldId id="1043" r:id="rId68"/>
-    <p:sldId id="1044" r:id="rId69"/>
-    <p:sldId id="1045" r:id="rId70"/>
-    <p:sldId id="1046" r:id="rId71"/>
+    <p:sldId id="1047" r:id="rId39"/>
+    <p:sldId id="1014" r:id="rId40"/>
+    <p:sldId id="1015" r:id="rId41"/>
+    <p:sldId id="1016" r:id="rId42"/>
+    <p:sldId id="1048" r:id="rId43"/>
+    <p:sldId id="1017" r:id="rId44"/>
+    <p:sldId id="1018" r:id="rId45"/>
+    <p:sldId id="1019" r:id="rId46"/>
+    <p:sldId id="1020" r:id="rId47"/>
+    <p:sldId id="1049" r:id="rId48"/>
+    <p:sldId id="1021" r:id="rId49"/>
+    <p:sldId id="1022" r:id="rId50"/>
+    <p:sldId id="1023" r:id="rId51"/>
+    <p:sldId id="1024" r:id="rId52"/>
+    <p:sldId id="1025" r:id="rId53"/>
+    <p:sldId id="1026" r:id="rId54"/>
+    <p:sldId id="1027" r:id="rId55"/>
+    <p:sldId id="1028" r:id="rId56"/>
+    <p:sldId id="1029" r:id="rId57"/>
+    <p:sldId id="1030" r:id="rId58"/>
+    <p:sldId id="1031" r:id="rId59"/>
+    <p:sldId id="1032" r:id="rId60"/>
+    <p:sldId id="1033" r:id="rId61"/>
+    <p:sldId id="1034" r:id="rId62"/>
+    <p:sldId id="1035" r:id="rId63"/>
+    <p:sldId id="1036" r:id="rId64"/>
+    <p:sldId id="1037" r:id="rId65"/>
+    <p:sldId id="1038" r:id="rId66"/>
+    <p:sldId id="1039" r:id="rId67"/>
+    <p:sldId id="1040" r:id="rId68"/>
+    <p:sldId id="1041" r:id="rId69"/>
+    <p:sldId id="1042" r:id="rId70"/>
+    <p:sldId id="1043" r:id="rId71"/>
+    <p:sldId id="1044" r:id="rId72"/>
+    <p:sldId id="1045" r:id="rId73"/>
+    <p:sldId id="1046" r:id="rId74"/>
   </p:sldIdLst>
   <p:sldSz cx="12198350" cy="6858000"/>
   <p:notesSz cx="6669088" cy="9926638"/>
   <p:custDataLst>
-    <p:custData r:id="rId32"/>
-    <p:tags r:id="rId74"/>
+    <p:custData r:id="rId11"/>
+    <p:tags r:id="rId77"/>
   </p:custDataLst>
   <p:defaultTextStyle>
     <a:defPPr>
@@ -1309,8 +1312,8 @@
     <dgm:cxn modelId="{3C9E3021-BB8D-4386-890C-C0A0C6ECAFF0}" type="presOf" srcId="{94F2F97A-35BA-4800-AB92-339B6D1FF90E}" destId="{9A307E20-5D0B-4BED-A55A-AE2103EE87AD}" srcOrd="1" destOrd="0" presId="urn:microsoft.com/office/officeart/2005/8/layout/cycle8"/>
     <dgm:cxn modelId="{F73B773E-624A-47DF-8F55-ECA3B88FC853}" type="presOf" srcId="{94F2F97A-35BA-4800-AB92-339B6D1FF90E}" destId="{5B50B858-5013-4D50-B4AF-133E7F0F35C5}" srcOrd="0" destOrd="0" presId="urn:microsoft.com/office/officeart/2005/8/layout/cycle8"/>
     <dgm:cxn modelId="{F6452DFE-CA1E-4CD8-91E0-18C05F03D24F}" type="presOf" srcId="{6D591120-6F18-4547-9E83-522E48FA38D6}" destId="{D4F671A0-009C-4A65-AC3A-14063918E045}" srcOrd="0" destOrd="0" presId="urn:microsoft.com/office/officeart/2005/8/layout/cycle8"/>
+    <dgm:cxn modelId="{18587635-B019-47E8-B1C2-234CF80FD8F6}" srcId="{D0F08D3C-FDE7-4E87-8F5C-FC04AD5954B6}" destId="{94F2F97A-35BA-4800-AB92-339B6D1FF90E}" srcOrd="1" destOrd="0" parTransId="{A761049A-7808-4815-8DF4-1F0EA9EC9D0B}" sibTransId="{EDF90A15-B975-4524-BD64-099A09136283}"/>
     <dgm:cxn modelId="{A1C2F44A-E75A-47BA-B973-882DD347BCA4}" type="presOf" srcId="{D0F08D3C-FDE7-4E87-8F5C-FC04AD5954B6}" destId="{29F94BDD-9531-468C-B1ED-E0798F781CA5}" srcOrd="0" destOrd="0" presId="urn:microsoft.com/office/officeart/2005/8/layout/cycle8"/>
-    <dgm:cxn modelId="{18587635-B019-47E8-B1C2-234CF80FD8F6}" srcId="{D0F08D3C-FDE7-4E87-8F5C-FC04AD5954B6}" destId="{94F2F97A-35BA-4800-AB92-339B6D1FF90E}" srcOrd="1" destOrd="0" parTransId="{A761049A-7808-4815-8DF4-1F0EA9EC9D0B}" sibTransId="{EDF90A15-B975-4524-BD64-099A09136283}"/>
     <dgm:cxn modelId="{276B82D9-534E-4955-97A0-26774F03C69C}" srcId="{D0F08D3C-FDE7-4E87-8F5C-FC04AD5954B6}" destId="{B52C7574-AD6A-410D-B728-528EB5F33108}" srcOrd="2" destOrd="0" parTransId="{0F6D6A2A-4B1E-476D-B8ED-95935D50706A}" sibTransId="{4DEDE435-F9CE-404D-B42E-5F183854F130}"/>
     <dgm:cxn modelId="{9D6E4628-628C-4111-A716-4DBB3E826A3F}" type="presOf" srcId="{B52C7574-AD6A-410D-B728-528EB5F33108}" destId="{9A00417A-43DB-4824-A5BB-BD0857F5E61C}" srcOrd="1" destOrd="0" presId="urn:microsoft.com/office/officeart/2005/8/layout/cycle8"/>
     <dgm:cxn modelId="{BDBC1A48-8E0F-46D4-88AB-5ABF7D846BAD}" type="presOf" srcId="{6D591120-6F18-4547-9E83-522E48FA38D6}" destId="{C3ADAE37-3C7F-49C9-BD26-F175FDB45DB0}" srcOrd="1" destOrd="0" presId="urn:microsoft.com/office/officeart/2005/8/layout/cycle8"/>
@@ -5524,25 +5527,20 @@
         </p:nvSpPr>
         <p:spPr/>
         <p:txBody>
-          <a:bodyPr>
-            <a:normAutofit/>
-          </a:bodyPr>
+          <a:bodyPr/>
           <a:lstStyle/>
           <a:p>
             <a:r>
               <a:rPr lang="en-US" dirty="0" smtClean="0"/>
-              <a:t>If test is not readable , it’s difficult to understand for new developer . We write test so that it fail in the future when something goes wrong so readability is very important  so that we can fix it easily</a:t>
-            </a:r>
-          </a:p>
-          <a:p>
-            <a:endParaRPr lang="en-US" dirty="0" smtClean="0"/>
+              <a:t>but with differences in style since the two types of code serve different purposes. Test code should describe what the production code does. </a:t>
+            </a:r>
           </a:p>
           <a:p>
             <a:r>
               <a:rPr lang="en-US" dirty="0" smtClean="0"/>
-              <a:t>Follow “Arrange , Act , Assert”</a:t>
-            </a:r>
-            <a:endParaRPr lang="en-GB" dirty="0"/>
+              <a:t>That means that it tends to be concrete about the values it uses as examples of what results to expect, but abstract about how the code works</a:t>
+            </a:r>
+            <a:endParaRPr lang="en-US" dirty="0"/>
           </a:p>
         </p:txBody>
       </p:sp>
@@ -5564,7 +5562,7 @@
             <a:fld id="{5783D7AA-6A74-42C9-8D9C-C1060C84B8E4}" type="slidenum">
               <a:rPr lang="en-US" smtClean="0"/>
               <a:pPr/>
-              <a:t>19</a:t>
+              <a:t>16</a:t>
             </a:fld>
             <a:endParaRPr lang="en-US"/>
           </a:p>
@@ -5573,7 +5571,7 @@
     </p:spTree>
     <p:extLst>
       <p:ext uri="{BB962C8B-B14F-4D97-AF65-F5344CB8AC3E}">
-        <p14:creationId xmlns:p14="http://schemas.microsoft.com/office/powerpoint/2010/main" val="663885807"/>
+        <p14:creationId xmlns:p14="http://schemas.microsoft.com/office/powerpoint/2010/main" val="3325138787"/>
       </p:ext>
     </p:extLst>
   </p:cSld>
@@ -5624,380 +5622,8 @@
         </p:nvSpPr>
         <p:spPr/>
         <p:txBody>
-          <a:bodyPr>
-            <a:normAutofit fontScale="92500" lnSpcReduction="20000"/>
-          </a:bodyPr>
+          <a:bodyPr/>
           <a:lstStyle/>
-          <a:p>
-            <a:pPr fontAlgn="base"/>
-            <a:r>
-              <a:rPr lang="en-US" sz="1200" b="0" i="0" kern="1200" dirty="0" smtClean="0">
-                <a:solidFill>
-                  <a:schemeClr val="tx1"/>
-                </a:solidFill>
-                <a:effectLst/>
-                <a:latin typeface="+mn-lt"/>
-                <a:ea typeface="+mn-ea"/>
-                <a:cs typeface="+mn-cs"/>
-              </a:rPr>
-              <a:t>For much of my career test automation meant tests that drove an application through its user-interface. Such tools would often provide the facility to record an interaction with the application and then allow you to play back that interaction, checking that the application returned the same results. Such an approach works well initially. It's easy to record tests, and the tests can be recorded by people with no knowledge of programming.</a:t>
-            </a:r>
-          </a:p>
-          <a:p>
-            <a:pPr fontAlgn="base"/>
-            <a:r>
-              <a:rPr lang="en-US" sz="1200" b="0" i="0" kern="1200" dirty="0" smtClean="0">
-                <a:solidFill>
-                  <a:schemeClr val="tx1"/>
-                </a:solidFill>
-                <a:effectLst/>
-                <a:latin typeface="+mn-lt"/>
-                <a:ea typeface="+mn-ea"/>
-                <a:cs typeface="+mn-cs"/>
-              </a:rPr>
-              <a:t>But this kind of approach quickly runs into trouble, becoming an </a:t>
-            </a:r>
-            <a:r>
-              <a:rPr lang="en-US" sz="1200" b="0" i="0" u="none" strike="noStrike" kern="1200" dirty="0" smtClean="0">
-                <a:solidFill>
-                  <a:schemeClr val="tx1"/>
-                </a:solidFill>
-                <a:effectLst/>
-                <a:latin typeface="+mn-lt"/>
-                <a:ea typeface="+mn-ea"/>
-                <a:cs typeface="+mn-cs"/>
-                <a:hlinkClick r:id="rId3"/>
-              </a:rPr>
-              <a:t>ice-cream cone</a:t>
-            </a:r>
-            <a:r>
-              <a:rPr lang="en-US" sz="1200" b="0" i="0" kern="1200" dirty="0" smtClean="0">
-                <a:solidFill>
-                  <a:schemeClr val="tx1"/>
-                </a:solidFill>
-                <a:effectLst/>
-                <a:latin typeface="+mn-lt"/>
-                <a:ea typeface="+mn-ea"/>
-                <a:cs typeface="+mn-cs"/>
-              </a:rPr>
-              <a:t>. Testing through the UI like this is slow, increasing build times. Often it requires installed </a:t>
-            </a:r>
-            <a:r>
-              <a:rPr lang="en-US" sz="1200" b="0" i="0" kern="1200" dirty="0" err="1" smtClean="0">
-                <a:solidFill>
-                  <a:schemeClr val="tx1"/>
-                </a:solidFill>
-                <a:effectLst/>
-                <a:latin typeface="+mn-lt"/>
-                <a:ea typeface="+mn-ea"/>
-                <a:cs typeface="+mn-cs"/>
-              </a:rPr>
-              <a:t>licences</a:t>
-            </a:r>
-            <a:r>
-              <a:rPr lang="en-US" sz="1200" b="0" i="0" kern="1200" dirty="0" smtClean="0">
-                <a:solidFill>
-                  <a:schemeClr val="tx1"/>
-                </a:solidFill>
-                <a:effectLst/>
-                <a:latin typeface="+mn-lt"/>
-                <a:ea typeface="+mn-ea"/>
-                <a:cs typeface="+mn-cs"/>
-              </a:rPr>
-              <a:t> for the test automation software, which means it can only be done on particular machines. Usually these cannot easily be run in a "headless" mode, monitored by scripts to put in a proper deployment pipeline.</a:t>
-            </a:r>
-          </a:p>
-          <a:p>
-            <a:pPr fontAlgn="base"/>
-            <a:r>
-              <a:rPr lang="en-US" sz="1200" b="0" i="0" kern="1200" dirty="0" smtClean="0">
-                <a:solidFill>
-                  <a:schemeClr val="tx1"/>
-                </a:solidFill>
-                <a:effectLst/>
-                <a:latin typeface="+mn-lt"/>
-                <a:ea typeface="+mn-ea"/>
-                <a:cs typeface="+mn-cs"/>
-              </a:rPr>
-              <a:t>Most importantly such tests are very brittle. An enhancement to the system can easily end up breaking lots of such tests, which then have to be re-recorded. You can reduce this problem by abandoning record-playback tools, but that makes the tests harder to write. </a:t>
-            </a:r>
-            <a:r>
-              <a:rPr lang="en-US" sz="1200" b="0" i="0" u="none" strike="noStrike" kern="1200" dirty="0" smtClean="0">
-                <a:solidFill>
-                  <a:schemeClr val="tx1"/>
-                </a:solidFill>
-                <a:effectLst/>
-                <a:latin typeface="+mn-lt"/>
-                <a:ea typeface="+mn-ea"/>
-                <a:cs typeface="+mn-cs"/>
-                <a:hlinkClick r:id="rId4"/>
-              </a:rPr>
-              <a:t>[1]</a:t>
-            </a:r>
-            <a:r>
-              <a:rPr lang="en-US" sz="1200" b="0" i="0" kern="1200" dirty="0" smtClean="0">
-                <a:solidFill>
-                  <a:schemeClr val="tx1"/>
-                </a:solidFill>
-                <a:effectLst/>
-                <a:latin typeface="+mn-lt"/>
-                <a:ea typeface="+mn-ea"/>
-                <a:cs typeface="+mn-cs"/>
-              </a:rPr>
-              <a:t> Even with good practices on writing them, end-to-end tests are more prone to </a:t>
-            </a:r>
-            <a:r>
-              <a:rPr lang="en-US" sz="1200" b="0" i="0" u="none" strike="noStrike" kern="1200" dirty="0" smtClean="0">
-                <a:solidFill>
-                  <a:schemeClr val="tx1"/>
-                </a:solidFill>
-                <a:effectLst/>
-                <a:latin typeface="+mn-lt"/>
-                <a:ea typeface="+mn-ea"/>
-                <a:cs typeface="+mn-cs"/>
-                <a:hlinkClick r:id="rId5"/>
-              </a:rPr>
-              <a:t>non-determinism problems</a:t>
-            </a:r>
-            <a:r>
-              <a:rPr lang="en-US" sz="1200" b="0" i="0" kern="1200" dirty="0" smtClean="0">
-                <a:solidFill>
-                  <a:schemeClr val="tx1"/>
-                </a:solidFill>
-                <a:effectLst/>
-                <a:latin typeface="+mn-lt"/>
-                <a:ea typeface="+mn-ea"/>
-                <a:cs typeface="+mn-cs"/>
-              </a:rPr>
-              <a:t>, which can undermine trust in them. In short, tests that run end-to-end through the UI are: brittle, expensive to write, and time consuming to run. So the pyramid argues that you should do much more automated testing through unit tests than you should through traditional GUI based testing. </a:t>
-            </a:r>
-            <a:r>
-              <a:rPr lang="en-US" sz="1200" b="0" i="0" u="none" strike="noStrike" kern="1200" dirty="0" smtClean="0">
-                <a:solidFill>
-                  <a:schemeClr val="tx1"/>
-                </a:solidFill>
-                <a:effectLst/>
-                <a:latin typeface="+mn-lt"/>
-                <a:ea typeface="+mn-ea"/>
-                <a:cs typeface="+mn-cs"/>
-                <a:hlinkClick r:id="rId6"/>
-              </a:rPr>
-              <a:t>[2]</a:t>
-            </a:r>
-            <a:endParaRPr lang="en-US" sz="1200" b="0" i="0" kern="1200" dirty="0" smtClean="0">
-              <a:solidFill>
-                <a:schemeClr val="tx1"/>
-              </a:solidFill>
-              <a:effectLst/>
-              <a:latin typeface="+mn-lt"/>
-              <a:ea typeface="+mn-ea"/>
-              <a:cs typeface="+mn-cs"/>
-            </a:endParaRPr>
-          </a:p>
-          <a:p>
-            <a:pPr fontAlgn="base"/>
-            <a:r>
-              <a:rPr lang="en-US" sz="1200" b="0" i="0" kern="1200" dirty="0" smtClean="0">
-                <a:solidFill>
-                  <a:schemeClr val="tx1"/>
-                </a:solidFill>
-                <a:effectLst/>
-                <a:latin typeface="+mn-lt"/>
-                <a:ea typeface="+mn-ea"/>
-                <a:cs typeface="+mn-cs"/>
-              </a:rPr>
-              <a:t>The pyramid also argues for an intermediate layer of tests that act through a service layer of an application, what I refer to </a:t>
-            </a:r>
-            <a:r>
-              <a:rPr lang="en-US" sz="1200" b="0" i="0" kern="1200" dirty="0" err="1" smtClean="0">
-                <a:solidFill>
-                  <a:schemeClr val="tx1"/>
-                </a:solidFill>
-                <a:effectLst/>
-                <a:latin typeface="+mn-lt"/>
-                <a:ea typeface="+mn-ea"/>
-                <a:cs typeface="+mn-cs"/>
-              </a:rPr>
-              <a:t>as</a:t>
-            </a:r>
-            <a:r>
-              <a:rPr lang="en-US" sz="1200" b="0" i="0" u="none" strike="noStrike" kern="1200" dirty="0" err="1" smtClean="0">
-                <a:solidFill>
-                  <a:schemeClr val="tx1"/>
-                </a:solidFill>
-                <a:effectLst/>
-                <a:latin typeface="+mn-lt"/>
-                <a:ea typeface="+mn-ea"/>
-                <a:cs typeface="+mn-cs"/>
-                <a:hlinkClick r:id="rId7"/>
-              </a:rPr>
-              <a:t>SubcutaneousTests</a:t>
-            </a:r>
-            <a:r>
-              <a:rPr lang="en-US" sz="1200" b="0" i="0" kern="1200" dirty="0" smtClean="0">
-                <a:solidFill>
-                  <a:schemeClr val="tx1"/>
-                </a:solidFill>
-                <a:effectLst/>
-                <a:latin typeface="+mn-lt"/>
-                <a:ea typeface="+mn-ea"/>
-                <a:cs typeface="+mn-cs"/>
-              </a:rPr>
-              <a:t>. These can provide many of the advantages of end-to-end tests but avoid many of the complexities of dealing with UI frameworks. In web applications this would correspond to testing through an API layer while the top UI part of the pyramid would correspond to tests using something like </a:t>
-            </a:r>
-            <a:r>
-              <a:rPr lang="en-US" sz="1200" b="0" i="0" u="none" strike="noStrike" kern="1200" dirty="0" smtClean="0">
-                <a:solidFill>
-                  <a:schemeClr val="tx1"/>
-                </a:solidFill>
-                <a:effectLst/>
-                <a:latin typeface="+mn-lt"/>
-                <a:ea typeface="+mn-ea"/>
-                <a:cs typeface="+mn-cs"/>
-                <a:hlinkClick r:id="rId8"/>
-              </a:rPr>
-              <a:t>Selenium</a:t>
-            </a:r>
-            <a:r>
-              <a:rPr lang="en-US" sz="1200" b="0" i="0" kern="1200" dirty="0" smtClean="0">
-                <a:solidFill>
-                  <a:schemeClr val="tx1"/>
-                </a:solidFill>
-                <a:effectLst/>
-                <a:latin typeface="+mn-lt"/>
-                <a:ea typeface="+mn-ea"/>
-                <a:cs typeface="+mn-cs"/>
-              </a:rPr>
-              <a:t> or </a:t>
-            </a:r>
-            <a:r>
-              <a:rPr lang="en-US" sz="1200" b="0" i="0" kern="1200" dirty="0" err="1" smtClean="0">
-                <a:solidFill>
-                  <a:schemeClr val="tx1"/>
-                </a:solidFill>
-                <a:effectLst/>
-                <a:latin typeface="+mn-lt"/>
-                <a:ea typeface="+mn-ea"/>
-                <a:cs typeface="+mn-cs"/>
-              </a:rPr>
-              <a:t>Sahi</a:t>
-            </a:r>
-            <a:r>
-              <a:rPr lang="en-US" sz="1200" b="0" i="0" kern="1200" dirty="0" smtClean="0">
-                <a:solidFill>
-                  <a:schemeClr val="tx1"/>
-                </a:solidFill>
-                <a:effectLst/>
-                <a:latin typeface="+mn-lt"/>
-                <a:ea typeface="+mn-ea"/>
-                <a:cs typeface="+mn-cs"/>
-              </a:rPr>
-              <a:t>.</a:t>
-            </a:r>
-          </a:p>
-          <a:p>
-            <a:pPr fontAlgn="base"/>
-            <a:r>
-              <a:rPr lang="en-US" sz="1200" b="0" i="0" kern="1200" dirty="0" smtClean="0">
-                <a:solidFill>
-                  <a:schemeClr val="tx1"/>
-                </a:solidFill>
-                <a:effectLst/>
-                <a:latin typeface="+mn-lt"/>
-                <a:ea typeface="+mn-ea"/>
-                <a:cs typeface="+mn-cs"/>
-              </a:rPr>
-              <a:t>The test pyramid comes up a lot in Agile testing circles and while its core message is sound, there is much more to say about building a well-balanced test portfolio. A common problem is that teams conflate the concepts of end-to-end tests, UI tests, and customer facing tests. These are all orthogonal characteristics. For example a rich </a:t>
-            </a:r>
-            <a:r>
-              <a:rPr lang="en-US" sz="1200" b="0" i="0" kern="1200" dirty="0" err="1" smtClean="0">
-                <a:solidFill>
-                  <a:schemeClr val="tx1"/>
-                </a:solidFill>
-                <a:effectLst/>
-                <a:latin typeface="+mn-lt"/>
-                <a:ea typeface="+mn-ea"/>
-                <a:cs typeface="+mn-cs"/>
-              </a:rPr>
-              <a:t>javascript</a:t>
-            </a:r>
-            <a:r>
-              <a:rPr lang="en-US" sz="1200" b="0" i="0" kern="1200" dirty="0" smtClean="0">
-                <a:solidFill>
-                  <a:schemeClr val="tx1"/>
-                </a:solidFill>
-                <a:effectLst/>
-                <a:latin typeface="+mn-lt"/>
-                <a:ea typeface="+mn-ea"/>
-                <a:cs typeface="+mn-cs"/>
-              </a:rPr>
-              <a:t> UI should have most of its UI behavior tested with </a:t>
-            </a:r>
-            <a:r>
-              <a:rPr lang="en-US" sz="1200" b="0" i="0" kern="1200" dirty="0" err="1" smtClean="0">
-                <a:solidFill>
-                  <a:schemeClr val="tx1"/>
-                </a:solidFill>
-                <a:effectLst/>
-                <a:latin typeface="+mn-lt"/>
-                <a:ea typeface="+mn-ea"/>
-                <a:cs typeface="+mn-cs"/>
-              </a:rPr>
-              <a:t>javascript</a:t>
-            </a:r>
-            <a:r>
-              <a:rPr lang="en-US" sz="1200" b="0" i="0" kern="1200" dirty="0" smtClean="0">
-                <a:solidFill>
-                  <a:schemeClr val="tx1"/>
-                </a:solidFill>
-                <a:effectLst/>
-                <a:latin typeface="+mn-lt"/>
-                <a:ea typeface="+mn-ea"/>
-                <a:cs typeface="+mn-cs"/>
-              </a:rPr>
-              <a:t> unit tests using something like </a:t>
-            </a:r>
-            <a:r>
-              <a:rPr lang="en-US" sz="1200" b="0" i="0" u="none" strike="noStrike" kern="1200" dirty="0" smtClean="0">
-                <a:solidFill>
-                  <a:schemeClr val="tx1"/>
-                </a:solidFill>
-                <a:effectLst/>
-                <a:latin typeface="+mn-lt"/>
-                <a:ea typeface="+mn-ea"/>
-                <a:cs typeface="+mn-cs"/>
-                <a:hlinkClick r:id="rId9"/>
-              </a:rPr>
-              <a:t>Jasmine</a:t>
-            </a:r>
-            <a:r>
-              <a:rPr lang="en-US" sz="1200" b="0" i="0" kern="1200" dirty="0" smtClean="0">
-                <a:solidFill>
-                  <a:schemeClr val="tx1"/>
-                </a:solidFill>
-                <a:effectLst/>
-                <a:latin typeface="+mn-lt"/>
-                <a:ea typeface="+mn-ea"/>
-                <a:cs typeface="+mn-cs"/>
-              </a:rPr>
-              <a:t>. A complex set of business rules could have tests captured in a customer-facing form, but run just on the relevant module much as unit tests are.</a:t>
-            </a:r>
-          </a:p>
-          <a:p>
-            <a:pPr fontAlgn="base"/>
-            <a:r>
-              <a:rPr lang="en-US" sz="1200" b="0" i="0" kern="1200" dirty="0" smtClean="0">
-                <a:solidFill>
-                  <a:schemeClr val="tx1"/>
-                </a:solidFill>
-                <a:effectLst/>
-                <a:latin typeface="+mn-lt"/>
-                <a:ea typeface="+mn-ea"/>
-                <a:cs typeface="+mn-cs"/>
-              </a:rPr>
-              <a:t>I always argue that high-level tests are there as a second line of test defense. If you get a failure in a high level test, not just do you have a bug in your functional code, you also have a missing or incorrect unit test. Thus I advise that before fixing a bug exposed by a high level test, you should replicate the bug with a unit test. Then the unit test ensures the bug stays dead</a:t>
-            </a:r>
-          </a:p>
           <a:p>
             <a:endParaRPr lang="en-US" dirty="0"/>
           </a:p>
@@ -6018,10 +5644,650 @@
           <a:bodyPr/>
           <a:lstStyle/>
           <a:p>
+            <a:fld id="{3F54E12A-92D0-47AC-AF21-2897E92B62D5}" type="slidenum">
+              <a:rPr lang="en-US" smtClean="0"/>
+              <a:t>17</a:t>
+            </a:fld>
+            <a:endParaRPr lang="en-US"/>
+          </a:p>
+        </p:txBody>
+      </p:sp>
+    </p:spTree>
+    <p:extLst>
+      <p:ext uri="{BB962C8B-B14F-4D97-AF65-F5344CB8AC3E}">
+        <p14:creationId xmlns:p14="http://schemas.microsoft.com/office/powerpoint/2010/main" val="215176802"/>
+      </p:ext>
+    </p:extLst>
+  </p:cSld>
+  <p:clrMapOvr>
+    <a:masterClrMapping/>
+  </p:clrMapOvr>
+</p:notes>
+</file>
+
+<file path=ppt/notesSlides/notesSlide12.xml><?xml version="1.0" encoding="utf-8"?>
+<p:notes xmlns:a="http://schemas.openxmlformats.org/drawingml/2006/main" xmlns:r="http://schemas.openxmlformats.org/officeDocument/2006/relationships" xmlns:p="http://schemas.openxmlformats.org/presentationml/2006/main">
+  <p:cSld>
+    <p:spTree>
+      <p:nvGrpSpPr>
+        <p:cNvPr id="1" name=""/>
+        <p:cNvGrpSpPr/>
+        <p:nvPr/>
+      </p:nvGrpSpPr>
+      <p:grpSpPr>
+        <a:xfrm>
+          <a:off x="0" y="0"/>
+          <a:ext cx="0" cy="0"/>
+          <a:chOff x="0" y="0"/>
+          <a:chExt cx="0" cy="0"/>
+        </a:xfrm>
+      </p:grpSpPr>
+      <p:sp>
+        <p:nvSpPr>
+          <p:cNvPr id="2" name="Slide Image Placeholder 1"/>
+          <p:cNvSpPr>
+            <a:spLocks noGrp="1" noRot="1" noChangeAspect="1"/>
+          </p:cNvSpPr>
+          <p:nvPr>
+            <p:ph type="sldImg"/>
+          </p:nvPr>
+        </p:nvSpPr>
+        <p:spPr/>
+      </p:sp>
+      <p:sp>
+        <p:nvSpPr>
+          <p:cNvPr id="3" name="Notes Placeholder 2"/>
+          <p:cNvSpPr>
+            <a:spLocks noGrp="1"/>
+          </p:cNvSpPr>
+          <p:nvPr>
+            <p:ph type="body" idx="1"/>
+          </p:nvPr>
+        </p:nvSpPr>
+        <p:spPr/>
+        <p:txBody>
+          <a:bodyPr/>
+          <a:lstStyle/>
+          <a:p>
+            <a:endParaRPr lang="en-US" dirty="0"/>
+          </a:p>
+        </p:txBody>
+      </p:sp>
+      <p:sp>
+        <p:nvSpPr>
+          <p:cNvPr id="4" name="Slide Number Placeholder 3"/>
+          <p:cNvSpPr>
+            <a:spLocks noGrp="1"/>
+          </p:cNvSpPr>
+          <p:nvPr>
+            <p:ph type="sldNum" sz="quarter" idx="10"/>
+          </p:nvPr>
+        </p:nvSpPr>
+        <p:spPr/>
+        <p:txBody>
+          <a:bodyPr/>
+          <a:lstStyle/>
+          <a:p>
+            <a:fld id="{3F54E12A-92D0-47AC-AF21-2897E92B62D5}" type="slidenum">
+              <a:rPr lang="en-US" smtClean="0"/>
+              <a:t>19</a:t>
+            </a:fld>
+            <a:endParaRPr lang="en-US"/>
+          </a:p>
+        </p:txBody>
+      </p:sp>
+    </p:spTree>
+    <p:extLst>
+      <p:ext uri="{BB962C8B-B14F-4D97-AF65-F5344CB8AC3E}">
+        <p14:creationId xmlns:p14="http://schemas.microsoft.com/office/powerpoint/2010/main" val="1661438567"/>
+      </p:ext>
+    </p:extLst>
+  </p:cSld>
+  <p:clrMapOvr>
+    <a:masterClrMapping/>
+  </p:clrMapOvr>
+</p:notes>
+</file>
+
+<file path=ppt/notesSlides/notesSlide13.xml><?xml version="1.0" encoding="utf-8"?>
+<p:notes xmlns:a="http://schemas.openxmlformats.org/drawingml/2006/main" xmlns:r="http://schemas.openxmlformats.org/officeDocument/2006/relationships" xmlns:p="http://schemas.openxmlformats.org/presentationml/2006/main">
+  <p:cSld>
+    <p:spTree>
+      <p:nvGrpSpPr>
+        <p:cNvPr id="1" name=""/>
+        <p:cNvGrpSpPr/>
+        <p:nvPr/>
+      </p:nvGrpSpPr>
+      <p:grpSpPr>
+        <a:xfrm>
+          <a:off x="0" y="0"/>
+          <a:ext cx="0" cy="0"/>
+          <a:chOff x="0" y="0"/>
+          <a:chExt cx="0" cy="0"/>
+        </a:xfrm>
+      </p:grpSpPr>
+      <p:sp>
+        <p:nvSpPr>
+          <p:cNvPr id="2" name="Slide Image Placeholder 1"/>
+          <p:cNvSpPr>
+            <a:spLocks noGrp="1" noRot="1" noChangeAspect="1"/>
+          </p:cNvSpPr>
+          <p:nvPr>
+            <p:ph type="sldImg"/>
+          </p:nvPr>
+        </p:nvSpPr>
+        <p:spPr/>
+      </p:sp>
+      <p:sp>
+        <p:nvSpPr>
+          <p:cNvPr id="3" name="Notes Placeholder 2"/>
+          <p:cNvSpPr>
+            <a:spLocks noGrp="1"/>
+          </p:cNvSpPr>
+          <p:nvPr>
+            <p:ph type="body" idx="1"/>
+          </p:nvPr>
+        </p:nvSpPr>
+        <p:spPr/>
+        <p:txBody>
+          <a:bodyPr>
+            <a:normAutofit/>
+          </a:bodyPr>
+          <a:lstStyle/>
+          <a:p>
+            <a:r>
+              <a:rPr lang="en-US" dirty="0" smtClean="0"/>
+              <a:t>If test is not readable , it’s difficult to understand for new developer . We write test so that it fail in the future when something goes wrong so readability is very important  so that we can fix it easily</a:t>
+            </a:r>
+          </a:p>
+          <a:p>
+            <a:endParaRPr lang="en-US" dirty="0" smtClean="0"/>
+          </a:p>
+          <a:p>
+            <a:r>
+              <a:rPr lang="en-US" dirty="0" smtClean="0"/>
+              <a:t>Follow “Arrange , Act , Assert”</a:t>
+            </a:r>
+            <a:endParaRPr lang="en-GB" dirty="0"/>
+          </a:p>
+        </p:txBody>
+      </p:sp>
+      <p:sp>
+        <p:nvSpPr>
+          <p:cNvPr id="4" name="Slide Number Placeholder 3"/>
+          <p:cNvSpPr>
+            <a:spLocks noGrp="1"/>
+          </p:cNvSpPr>
+          <p:nvPr>
+            <p:ph type="sldNum" sz="quarter" idx="10"/>
+          </p:nvPr>
+        </p:nvSpPr>
+        <p:spPr/>
+        <p:txBody>
+          <a:bodyPr/>
+          <a:lstStyle/>
+          <a:p>
             <a:fld id="{5783D7AA-6A74-42C9-8D9C-C1060C84B8E4}" type="slidenum">
               <a:rPr lang="en-US" smtClean="0"/>
               <a:pPr/>
-              <a:t>21</a:t>
+              <a:t>22</a:t>
+            </a:fld>
+            <a:endParaRPr lang="en-US"/>
+          </a:p>
+        </p:txBody>
+      </p:sp>
+    </p:spTree>
+    <p:extLst>
+      <p:ext uri="{BB962C8B-B14F-4D97-AF65-F5344CB8AC3E}">
+        <p14:creationId xmlns:p14="http://schemas.microsoft.com/office/powerpoint/2010/main" val="663885807"/>
+      </p:ext>
+    </p:extLst>
+  </p:cSld>
+  <p:clrMapOvr>
+    <a:masterClrMapping/>
+  </p:clrMapOvr>
+</p:notes>
+</file>
+
+<file path=ppt/notesSlides/notesSlide14.xml><?xml version="1.0" encoding="utf-8"?>
+<p:notes xmlns:a="http://schemas.openxmlformats.org/drawingml/2006/main" xmlns:r="http://schemas.openxmlformats.org/officeDocument/2006/relationships" xmlns:p="http://schemas.openxmlformats.org/presentationml/2006/main">
+  <p:cSld>
+    <p:spTree>
+      <p:nvGrpSpPr>
+        <p:cNvPr id="1" name=""/>
+        <p:cNvGrpSpPr/>
+        <p:nvPr/>
+      </p:nvGrpSpPr>
+      <p:grpSpPr>
+        <a:xfrm>
+          <a:off x="0" y="0"/>
+          <a:ext cx="0" cy="0"/>
+          <a:chOff x="0" y="0"/>
+          <a:chExt cx="0" cy="0"/>
+        </a:xfrm>
+      </p:grpSpPr>
+      <p:sp>
+        <p:nvSpPr>
+          <p:cNvPr id="2" name="Slide Image Placeholder 1"/>
+          <p:cNvSpPr>
+            <a:spLocks noGrp="1" noRot="1" noChangeAspect="1"/>
+          </p:cNvSpPr>
+          <p:nvPr>
+            <p:ph type="sldImg"/>
+          </p:nvPr>
+        </p:nvSpPr>
+        <p:spPr/>
+      </p:sp>
+      <p:sp>
+        <p:nvSpPr>
+          <p:cNvPr id="3" name="Notes Placeholder 2"/>
+          <p:cNvSpPr>
+            <a:spLocks noGrp="1"/>
+          </p:cNvSpPr>
+          <p:nvPr>
+            <p:ph type="body" idx="1"/>
+          </p:nvPr>
+        </p:nvSpPr>
+        <p:spPr/>
+        <p:txBody>
+          <a:bodyPr>
+            <a:normAutofit fontScale="92500" lnSpcReduction="20000"/>
+          </a:bodyPr>
+          <a:lstStyle/>
+          <a:p>
+            <a:pPr fontAlgn="base"/>
+            <a:r>
+              <a:rPr lang="en-US" sz="1200" b="0" i="0" kern="1200" dirty="0" smtClean="0">
+                <a:solidFill>
+                  <a:schemeClr val="tx1"/>
+                </a:solidFill>
+                <a:effectLst/>
+                <a:latin typeface="+mn-lt"/>
+                <a:ea typeface="+mn-ea"/>
+                <a:cs typeface="+mn-cs"/>
+              </a:rPr>
+              <a:t>For much of my career test automation meant tests that drove an application through its user-interface. Such tools would often provide the facility to record an interaction with the application and then allow you to play back that interaction, checking that the application returned the same results. Such an approach works well initially. It's easy to record tests, and the tests can be recorded by people with no knowledge of programming.</a:t>
+            </a:r>
+          </a:p>
+          <a:p>
+            <a:pPr fontAlgn="base"/>
+            <a:r>
+              <a:rPr lang="en-US" sz="1200" b="0" i="0" kern="1200" dirty="0" smtClean="0">
+                <a:solidFill>
+                  <a:schemeClr val="tx1"/>
+                </a:solidFill>
+                <a:effectLst/>
+                <a:latin typeface="+mn-lt"/>
+                <a:ea typeface="+mn-ea"/>
+                <a:cs typeface="+mn-cs"/>
+              </a:rPr>
+              <a:t>But this kind of approach quickly runs into trouble, becoming an </a:t>
+            </a:r>
+            <a:r>
+              <a:rPr lang="en-US" sz="1200" b="0" i="0" u="none" strike="noStrike" kern="1200" dirty="0" smtClean="0">
+                <a:solidFill>
+                  <a:schemeClr val="tx1"/>
+                </a:solidFill>
+                <a:effectLst/>
+                <a:latin typeface="+mn-lt"/>
+                <a:ea typeface="+mn-ea"/>
+                <a:cs typeface="+mn-cs"/>
+                <a:hlinkClick r:id="rId3"/>
+              </a:rPr>
+              <a:t>ice-cream cone</a:t>
+            </a:r>
+            <a:r>
+              <a:rPr lang="en-US" sz="1200" b="0" i="0" kern="1200" dirty="0" smtClean="0">
+                <a:solidFill>
+                  <a:schemeClr val="tx1"/>
+                </a:solidFill>
+                <a:effectLst/>
+                <a:latin typeface="+mn-lt"/>
+                <a:ea typeface="+mn-ea"/>
+                <a:cs typeface="+mn-cs"/>
+              </a:rPr>
+              <a:t>. Testing through the UI like this is slow, increasing build times. Often it requires installed </a:t>
+            </a:r>
+            <a:r>
+              <a:rPr lang="en-US" sz="1200" b="0" i="0" kern="1200" dirty="0" err="1" smtClean="0">
+                <a:solidFill>
+                  <a:schemeClr val="tx1"/>
+                </a:solidFill>
+                <a:effectLst/>
+                <a:latin typeface="+mn-lt"/>
+                <a:ea typeface="+mn-ea"/>
+                <a:cs typeface="+mn-cs"/>
+              </a:rPr>
+              <a:t>licences</a:t>
+            </a:r>
+            <a:r>
+              <a:rPr lang="en-US" sz="1200" b="0" i="0" kern="1200" dirty="0" smtClean="0">
+                <a:solidFill>
+                  <a:schemeClr val="tx1"/>
+                </a:solidFill>
+                <a:effectLst/>
+                <a:latin typeface="+mn-lt"/>
+                <a:ea typeface="+mn-ea"/>
+                <a:cs typeface="+mn-cs"/>
+              </a:rPr>
+              <a:t> for the test automation software, which means it can only be done on particular machines. Usually these cannot easily be run in a "headless" mode, monitored by scripts to put in a proper deployment pipeline.</a:t>
+            </a:r>
+          </a:p>
+          <a:p>
+            <a:pPr fontAlgn="base"/>
+            <a:r>
+              <a:rPr lang="en-US" sz="1200" b="0" i="0" kern="1200" dirty="0" smtClean="0">
+                <a:solidFill>
+                  <a:schemeClr val="tx1"/>
+                </a:solidFill>
+                <a:effectLst/>
+                <a:latin typeface="+mn-lt"/>
+                <a:ea typeface="+mn-ea"/>
+                <a:cs typeface="+mn-cs"/>
+              </a:rPr>
+              <a:t>Most importantly such tests are very brittle. An enhancement to the system can easily end up breaking lots of such tests, which then have to be re-recorded. You can reduce this problem by abandoning record-playback tools, but that makes the tests harder to write. </a:t>
+            </a:r>
+            <a:r>
+              <a:rPr lang="en-US" sz="1200" b="0" i="0" u="none" strike="noStrike" kern="1200" dirty="0" smtClean="0">
+                <a:solidFill>
+                  <a:schemeClr val="tx1"/>
+                </a:solidFill>
+                <a:effectLst/>
+                <a:latin typeface="+mn-lt"/>
+                <a:ea typeface="+mn-ea"/>
+                <a:cs typeface="+mn-cs"/>
+                <a:hlinkClick r:id="rId4"/>
+              </a:rPr>
+              <a:t>[1]</a:t>
+            </a:r>
+            <a:r>
+              <a:rPr lang="en-US" sz="1200" b="0" i="0" kern="1200" dirty="0" smtClean="0">
+                <a:solidFill>
+                  <a:schemeClr val="tx1"/>
+                </a:solidFill>
+                <a:effectLst/>
+                <a:latin typeface="+mn-lt"/>
+                <a:ea typeface="+mn-ea"/>
+                <a:cs typeface="+mn-cs"/>
+              </a:rPr>
+              <a:t> Even with good practices on writing them, end-to-end tests are more prone to </a:t>
+            </a:r>
+            <a:r>
+              <a:rPr lang="en-US" sz="1200" b="0" i="0" u="none" strike="noStrike" kern="1200" dirty="0" smtClean="0">
+                <a:solidFill>
+                  <a:schemeClr val="tx1"/>
+                </a:solidFill>
+                <a:effectLst/>
+                <a:latin typeface="+mn-lt"/>
+                <a:ea typeface="+mn-ea"/>
+                <a:cs typeface="+mn-cs"/>
+                <a:hlinkClick r:id="rId5"/>
+              </a:rPr>
+              <a:t>non-determinism problems</a:t>
+            </a:r>
+            <a:r>
+              <a:rPr lang="en-US" sz="1200" b="0" i="0" kern="1200" dirty="0" smtClean="0">
+                <a:solidFill>
+                  <a:schemeClr val="tx1"/>
+                </a:solidFill>
+                <a:effectLst/>
+                <a:latin typeface="+mn-lt"/>
+                <a:ea typeface="+mn-ea"/>
+                <a:cs typeface="+mn-cs"/>
+              </a:rPr>
+              <a:t>, which can undermine trust in them. In short, tests that run end-to-end through the UI are: brittle, expensive to write, and time consuming to run. So the pyramid argues that you should do much more automated testing through unit tests than you should through traditional GUI based testing. </a:t>
+            </a:r>
+            <a:r>
+              <a:rPr lang="en-US" sz="1200" b="0" i="0" u="none" strike="noStrike" kern="1200" dirty="0" smtClean="0">
+                <a:solidFill>
+                  <a:schemeClr val="tx1"/>
+                </a:solidFill>
+                <a:effectLst/>
+                <a:latin typeface="+mn-lt"/>
+                <a:ea typeface="+mn-ea"/>
+                <a:cs typeface="+mn-cs"/>
+                <a:hlinkClick r:id="rId6"/>
+              </a:rPr>
+              <a:t>[2]</a:t>
+            </a:r>
+            <a:endParaRPr lang="en-US" sz="1200" b="0" i="0" kern="1200" dirty="0" smtClean="0">
+              <a:solidFill>
+                <a:schemeClr val="tx1"/>
+              </a:solidFill>
+              <a:effectLst/>
+              <a:latin typeface="+mn-lt"/>
+              <a:ea typeface="+mn-ea"/>
+              <a:cs typeface="+mn-cs"/>
+            </a:endParaRPr>
+          </a:p>
+          <a:p>
+            <a:pPr fontAlgn="base"/>
+            <a:r>
+              <a:rPr lang="en-US" sz="1200" b="0" i="0" kern="1200" dirty="0" smtClean="0">
+                <a:solidFill>
+                  <a:schemeClr val="tx1"/>
+                </a:solidFill>
+                <a:effectLst/>
+                <a:latin typeface="+mn-lt"/>
+                <a:ea typeface="+mn-ea"/>
+                <a:cs typeface="+mn-cs"/>
+              </a:rPr>
+              <a:t>The pyramid also argues for an intermediate layer of tests that act through a service layer of an application, what I refer to </a:t>
+            </a:r>
+            <a:r>
+              <a:rPr lang="en-US" sz="1200" b="0" i="0" kern="1200" dirty="0" err="1" smtClean="0">
+                <a:solidFill>
+                  <a:schemeClr val="tx1"/>
+                </a:solidFill>
+                <a:effectLst/>
+                <a:latin typeface="+mn-lt"/>
+                <a:ea typeface="+mn-ea"/>
+                <a:cs typeface="+mn-cs"/>
+              </a:rPr>
+              <a:t>as</a:t>
+            </a:r>
+            <a:r>
+              <a:rPr lang="en-US" sz="1200" b="0" i="0" u="none" strike="noStrike" kern="1200" dirty="0" err="1" smtClean="0">
+                <a:solidFill>
+                  <a:schemeClr val="tx1"/>
+                </a:solidFill>
+                <a:effectLst/>
+                <a:latin typeface="+mn-lt"/>
+                <a:ea typeface="+mn-ea"/>
+                <a:cs typeface="+mn-cs"/>
+                <a:hlinkClick r:id="rId7"/>
+              </a:rPr>
+              <a:t>SubcutaneousTests</a:t>
+            </a:r>
+            <a:r>
+              <a:rPr lang="en-US" sz="1200" b="0" i="0" kern="1200" dirty="0" smtClean="0">
+                <a:solidFill>
+                  <a:schemeClr val="tx1"/>
+                </a:solidFill>
+                <a:effectLst/>
+                <a:latin typeface="+mn-lt"/>
+                <a:ea typeface="+mn-ea"/>
+                <a:cs typeface="+mn-cs"/>
+              </a:rPr>
+              <a:t>. These can provide many of the advantages of end-to-end tests but avoid many of the complexities of dealing with UI frameworks. In web applications this would correspond to testing through an API layer while the top UI part of the pyramid would correspond to tests using something like </a:t>
+            </a:r>
+            <a:r>
+              <a:rPr lang="en-US" sz="1200" b="0" i="0" u="none" strike="noStrike" kern="1200" dirty="0" smtClean="0">
+                <a:solidFill>
+                  <a:schemeClr val="tx1"/>
+                </a:solidFill>
+                <a:effectLst/>
+                <a:latin typeface="+mn-lt"/>
+                <a:ea typeface="+mn-ea"/>
+                <a:cs typeface="+mn-cs"/>
+                <a:hlinkClick r:id="rId8"/>
+              </a:rPr>
+              <a:t>Selenium</a:t>
+            </a:r>
+            <a:r>
+              <a:rPr lang="en-US" sz="1200" b="0" i="0" kern="1200" dirty="0" smtClean="0">
+                <a:solidFill>
+                  <a:schemeClr val="tx1"/>
+                </a:solidFill>
+                <a:effectLst/>
+                <a:latin typeface="+mn-lt"/>
+                <a:ea typeface="+mn-ea"/>
+                <a:cs typeface="+mn-cs"/>
+              </a:rPr>
+              <a:t> or </a:t>
+            </a:r>
+            <a:r>
+              <a:rPr lang="en-US" sz="1200" b="0" i="0" kern="1200" dirty="0" err="1" smtClean="0">
+                <a:solidFill>
+                  <a:schemeClr val="tx1"/>
+                </a:solidFill>
+                <a:effectLst/>
+                <a:latin typeface="+mn-lt"/>
+                <a:ea typeface="+mn-ea"/>
+                <a:cs typeface="+mn-cs"/>
+              </a:rPr>
+              <a:t>Sahi</a:t>
+            </a:r>
+            <a:r>
+              <a:rPr lang="en-US" sz="1200" b="0" i="0" kern="1200" dirty="0" smtClean="0">
+                <a:solidFill>
+                  <a:schemeClr val="tx1"/>
+                </a:solidFill>
+                <a:effectLst/>
+                <a:latin typeface="+mn-lt"/>
+                <a:ea typeface="+mn-ea"/>
+                <a:cs typeface="+mn-cs"/>
+              </a:rPr>
+              <a:t>.</a:t>
+            </a:r>
+          </a:p>
+          <a:p>
+            <a:pPr fontAlgn="base"/>
+            <a:r>
+              <a:rPr lang="en-US" sz="1200" b="0" i="0" kern="1200" dirty="0" smtClean="0">
+                <a:solidFill>
+                  <a:schemeClr val="tx1"/>
+                </a:solidFill>
+                <a:effectLst/>
+                <a:latin typeface="+mn-lt"/>
+                <a:ea typeface="+mn-ea"/>
+                <a:cs typeface="+mn-cs"/>
+              </a:rPr>
+              <a:t>The test pyramid comes up a lot in Agile testing circles and while its core message is sound, there is much more to say about building a well-balanced test portfolio. A common problem is that teams conflate the concepts of end-to-end tests, UI tests, and customer facing tests. These are all orthogonal characteristics. For example a rich </a:t>
+            </a:r>
+            <a:r>
+              <a:rPr lang="en-US" sz="1200" b="0" i="0" kern="1200" dirty="0" err="1" smtClean="0">
+                <a:solidFill>
+                  <a:schemeClr val="tx1"/>
+                </a:solidFill>
+                <a:effectLst/>
+                <a:latin typeface="+mn-lt"/>
+                <a:ea typeface="+mn-ea"/>
+                <a:cs typeface="+mn-cs"/>
+              </a:rPr>
+              <a:t>javascript</a:t>
+            </a:r>
+            <a:r>
+              <a:rPr lang="en-US" sz="1200" b="0" i="0" kern="1200" dirty="0" smtClean="0">
+                <a:solidFill>
+                  <a:schemeClr val="tx1"/>
+                </a:solidFill>
+                <a:effectLst/>
+                <a:latin typeface="+mn-lt"/>
+                <a:ea typeface="+mn-ea"/>
+                <a:cs typeface="+mn-cs"/>
+              </a:rPr>
+              <a:t> UI should have most of its UI behavior tested with </a:t>
+            </a:r>
+            <a:r>
+              <a:rPr lang="en-US" sz="1200" b="0" i="0" kern="1200" dirty="0" err="1" smtClean="0">
+                <a:solidFill>
+                  <a:schemeClr val="tx1"/>
+                </a:solidFill>
+                <a:effectLst/>
+                <a:latin typeface="+mn-lt"/>
+                <a:ea typeface="+mn-ea"/>
+                <a:cs typeface="+mn-cs"/>
+              </a:rPr>
+              <a:t>javascript</a:t>
+            </a:r>
+            <a:r>
+              <a:rPr lang="en-US" sz="1200" b="0" i="0" kern="1200" dirty="0" smtClean="0">
+                <a:solidFill>
+                  <a:schemeClr val="tx1"/>
+                </a:solidFill>
+                <a:effectLst/>
+                <a:latin typeface="+mn-lt"/>
+                <a:ea typeface="+mn-ea"/>
+                <a:cs typeface="+mn-cs"/>
+              </a:rPr>
+              <a:t> unit tests using something like </a:t>
+            </a:r>
+            <a:r>
+              <a:rPr lang="en-US" sz="1200" b="0" i="0" u="none" strike="noStrike" kern="1200" dirty="0" smtClean="0">
+                <a:solidFill>
+                  <a:schemeClr val="tx1"/>
+                </a:solidFill>
+                <a:effectLst/>
+                <a:latin typeface="+mn-lt"/>
+                <a:ea typeface="+mn-ea"/>
+                <a:cs typeface="+mn-cs"/>
+                <a:hlinkClick r:id="rId9"/>
+              </a:rPr>
+              <a:t>Jasmine</a:t>
+            </a:r>
+            <a:r>
+              <a:rPr lang="en-US" sz="1200" b="0" i="0" kern="1200" dirty="0" smtClean="0">
+                <a:solidFill>
+                  <a:schemeClr val="tx1"/>
+                </a:solidFill>
+                <a:effectLst/>
+                <a:latin typeface="+mn-lt"/>
+                <a:ea typeface="+mn-ea"/>
+                <a:cs typeface="+mn-cs"/>
+              </a:rPr>
+              <a:t>. A complex set of business rules could have tests captured in a customer-facing form, but run just on the relevant module much as unit tests are.</a:t>
+            </a:r>
+          </a:p>
+          <a:p>
+            <a:pPr fontAlgn="base"/>
+            <a:r>
+              <a:rPr lang="en-US" sz="1200" b="0" i="0" kern="1200" dirty="0" smtClean="0">
+                <a:solidFill>
+                  <a:schemeClr val="tx1"/>
+                </a:solidFill>
+                <a:effectLst/>
+                <a:latin typeface="+mn-lt"/>
+                <a:ea typeface="+mn-ea"/>
+                <a:cs typeface="+mn-cs"/>
+              </a:rPr>
+              <a:t>I always argue that high-level tests are there as a second line of test defense. If you get a failure in a high level test, not just do you have a bug in your functional code, you also have a missing or incorrect unit test. Thus I advise that before fixing a bug exposed by a high level test, you should replicate the bug with a unit test. Then the unit test ensures the bug stays dead</a:t>
+            </a:r>
+          </a:p>
+          <a:p>
+            <a:endParaRPr lang="en-US" dirty="0"/>
+          </a:p>
+        </p:txBody>
+      </p:sp>
+      <p:sp>
+        <p:nvSpPr>
+          <p:cNvPr id="4" name="Slide Number Placeholder 3"/>
+          <p:cNvSpPr>
+            <a:spLocks noGrp="1"/>
+          </p:cNvSpPr>
+          <p:nvPr>
+            <p:ph type="sldNum" sz="quarter" idx="10"/>
+          </p:nvPr>
+        </p:nvSpPr>
+        <p:spPr/>
+        <p:txBody>
+          <a:bodyPr/>
+          <a:lstStyle/>
+          <a:p>
+            <a:fld id="{5783D7AA-6A74-42C9-8D9C-C1060C84B8E4}" type="slidenum">
+              <a:rPr lang="en-US" smtClean="0"/>
+              <a:pPr/>
+              <a:t>24</a:t>
             </a:fld>
             <a:endParaRPr lang="en-US"/>
           </a:p>
@@ -6040,7 +6306,7 @@
 </p:notes>
 </file>
 
-<file path=ppt/notesSlides/notesSlide12.xml><?xml version="1.0" encoding="utf-8"?>
+<file path=ppt/notesSlides/notesSlide15.xml><?xml version="1.0" encoding="utf-8"?>
 <p:notes xmlns:a="http://schemas.openxmlformats.org/drawingml/2006/main" xmlns:r="http://schemas.openxmlformats.org/officeDocument/2006/relationships" xmlns:p="http://schemas.openxmlformats.org/presentationml/2006/main">
   <p:cSld>
     <p:spTree>
@@ -6105,7 +6371,7 @@
           <a:p>
             <a:fld id="{6047A338-E989-4FB8-9E79-C7D1C907295C}" type="slidenum">
               <a:rPr lang="de-DE" smtClean="0"/>
-              <a:t>22</a:t>
+              <a:t>25</a:t>
             </a:fld>
             <a:endParaRPr lang="de-DE"/>
           </a:p>
@@ -6124,7 +6390,7 @@
 </p:notes>
 </file>
 
-<file path=ppt/notesSlides/notesSlide13.xml><?xml version="1.0" encoding="utf-8"?>
+<file path=ppt/notesSlides/notesSlide16.xml><?xml version="1.0" encoding="utf-8"?>
 <p:notes xmlns:a="http://schemas.openxmlformats.org/drawingml/2006/main" xmlns:r="http://schemas.openxmlformats.org/officeDocument/2006/relationships" xmlns:p="http://schemas.openxmlformats.org/presentationml/2006/main">
   <p:cSld>
     <p:spTree>
@@ -6198,7 +6464,7 @@
           <a:p>
             <a:fld id="{6047A338-E989-4FB8-9E79-C7D1C907295C}" type="slidenum">
               <a:rPr lang="de-DE" smtClean="0"/>
-              <a:t>26</a:t>
+              <a:t>29</a:t>
             </a:fld>
             <a:endParaRPr lang="de-DE"/>
           </a:p>
@@ -6217,7 +6483,7 @@
 </p:notes>
 </file>
 
-<file path=ppt/notesSlides/notesSlide14.xml><?xml version="1.0" encoding="utf-8"?>
+<file path=ppt/notesSlides/notesSlide17.xml><?xml version="1.0" encoding="utf-8"?>
 <p:notes xmlns:a="http://schemas.openxmlformats.org/drawingml/2006/main" xmlns:r="http://schemas.openxmlformats.org/officeDocument/2006/relationships" xmlns:p="http://schemas.openxmlformats.org/presentationml/2006/main">
   <p:cSld>
     <p:spTree>
@@ -6282,7 +6548,7 @@
           <a:p>
             <a:fld id="{6047A338-E989-4FB8-9E79-C7D1C907295C}" type="slidenum">
               <a:rPr lang="de-DE" smtClean="0"/>
-              <a:t>27</a:t>
+              <a:t>30</a:t>
             </a:fld>
             <a:endParaRPr lang="de-DE"/>
           </a:p>
@@ -6292,335 +6558,6 @@
     <p:extLst>
       <p:ext uri="{BB962C8B-B14F-4D97-AF65-F5344CB8AC3E}">
         <p14:creationId xmlns:p14="http://schemas.microsoft.com/office/powerpoint/2010/main" val="4188226792"/>
-      </p:ext>
-    </p:extLst>
-  </p:cSld>
-  <p:clrMapOvr>
-    <a:masterClrMapping/>
-  </p:clrMapOvr>
-</p:notes>
-</file>
-
-<file path=ppt/notesSlides/notesSlide15.xml><?xml version="1.0" encoding="utf-8"?>
-<p:notes xmlns:a="http://schemas.openxmlformats.org/drawingml/2006/main" xmlns:r="http://schemas.openxmlformats.org/officeDocument/2006/relationships" xmlns:p="http://schemas.openxmlformats.org/presentationml/2006/main">
-  <p:cSld>
-    <p:spTree>
-      <p:nvGrpSpPr>
-        <p:cNvPr id="1" name=""/>
-        <p:cNvGrpSpPr/>
-        <p:nvPr/>
-      </p:nvGrpSpPr>
-      <p:grpSpPr>
-        <a:xfrm>
-          <a:off x="0" y="0"/>
-          <a:ext cx="0" cy="0"/>
-          <a:chOff x="0" y="0"/>
-          <a:chExt cx="0" cy="0"/>
-        </a:xfrm>
-      </p:grpSpPr>
-      <p:sp>
-        <p:nvSpPr>
-          <p:cNvPr id="2" name="Slide Image Placeholder 1"/>
-          <p:cNvSpPr>
-            <a:spLocks noGrp="1" noRot="1" noChangeAspect="1"/>
-          </p:cNvSpPr>
-          <p:nvPr>
-            <p:ph type="sldImg"/>
-          </p:nvPr>
-        </p:nvSpPr>
-        <p:spPr/>
-      </p:sp>
-      <p:sp>
-        <p:nvSpPr>
-          <p:cNvPr id="3" name="Notes Placeholder 2"/>
-          <p:cNvSpPr>
-            <a:spLocks noGrp="1"/>
-          </p:cNvSpPr>
-          <p:nvPr>
-            <p:ph type="body" idx="1"/>
-          </p:nvPr>
-        </p:nvSpPr>
-        <p:spPr/>
-        <p:txBody>
-          <a:bodyPr/>
-          <a:lstStyle/>
-          <a:p>
-            <a:endParaRPr lang="en-US" dirty="0"/>
-          </a:p>
-        </p:txBody>
-      </p:sp>
-      <p:sp>
-        <p:nvSpPr>
-          <p:cNvPr id="4" name="Slide Number Placeholder 3"/>
-          <p:cNvSpPr>
-            <a:spLocks noGrp="1"/>
-          </p:cNvSpPr>
-          <p:nvPr>
-            <p:ph type="sldNum" sz="quarter" idx="10"/>
-          </p:nvPr>
-        </p:nvSpPr>
-        <p:spPr/>
-        <p:txBody>
-          <a:bodyPr/>
-          <a:lstStyle/>
-          <a:p>
-            <a:fld id="{6047A338-E989-4FB8-9E79-C7D1C907295C}" type="slidenum">
-              <a:rPr lang="de-DE" smtClean="0"/>
-              <a:t>28</a:t>
-            </a:fld>
-            <a:endParaRPr lang="de-DE"/>
-          </a:p>
-        </p:txBody>
-      </p:sp>
-    </p:spTree>
-    <p:extLst>
-      <p:ext uri="{BB962C8B-B14F-4D97-AF65-F5344CB8AC3E}">
-        <p14:creationId xmlns:p14="http://schemas.microsoft.com/office/powerpoint/2010/main" val="43992466"/>
-      </p:ext>
-    </p:extLst>
-  </p:cSld>
-  <p:clrMapOvr>
-    <a:masterClrMapping/>
-  </p:clrMapOvr>
-</p:notes>
-</file>
-
-<file path=ppt/notesSlides/notesSlide16.xml><?xml version="1.0" encoding="utf-8"?>
-<p:notes xmlns:a="http://schemas.openxmlformats.org/drawingml/2006/main" xmlns:r="http://schemas.openxmlformats.org/officeDocument/2006/relationships" xmlns:p="http://schemas.openxmlformats.org/presentationml/2006/main">
-  <p:cSld>
-    <p:spTree>
-      <p:nvGrpSpPr>
-        <p:cNvPr id="1" name=""/>
-        <p:cNvGrpSpPr/>
-        <p:nvPr/>
-      </p:nvGrpSpPr>
-      <p:grpSpPr>
-        <a:xfrm>
-          <a:off x="0" y="0"/>
-          <a:ext cx="0" cy="0"/>
-          <a:chOff x="0" y="0"/>
-          <a:chExt cx="0" cy="0"/>
-        </a:xfrm>
-      </p:grpSpPr>
-      <p:sp>
-        <p:nvSpPr>
-          <p:cNvPr id="2" name="Slide Image Placeholder 1"/>
-          <p:cNvSpPr>
-            <a:spLocks noGrp="1" noRot="1" noChangeAspect="1"/>
-          </p:cNvSpPr>
-          <p:nvPr>
-            <p:ph type="sldImg"/>
-          </p:nvPr>
-        </p:nvSpPr>
-        <p:spPr/>
-      </p:sp>
-      <p:sp>
-        <p:nvSpPr>
-          <p:cNvPr id="3" name="Notes Placeholder 2"/>
-          <p:cNvSpPr>
-            <a:spLocks noGrp="1"/>
-          </p:cNvSpPr>
-          <p:nvPr>
-            <p:ph type="body" idx="1"/>
-          </p:nvPr>
-        </p:nvSpPr>
-        <p:spPr/>
-        <p:txBody>
-          <a:bodyPr/>
-          <a:lstStyle/>
-          <a:p>
-            <a:r>
-              <a:rPr lang="en-US" dirty="0" smtClean="0"/>
-              <a:t>Feedback</a:t>
-            </a:r>
-            <a:r>
-              <a:rPr lang="en-US" baseline="0" dirty="0" smtClean="0"/>
-              <a:t> about architecture</a:t>
-            </a:r>
-          </a:p>
-          <a:p>
-            <a:r>
-              <a:rPr lang="en-US" baseline="0" dirty="0" smtClean="0"/>
-              <a:t>Unit test takes too long to execute which indicates that tests Is not unit test </a:t>
-            </a:r>
-          </a:p>
-          <a:p>
-            <a:endParaRPr lang="en-US" baseline="0" dirty="0" smtClean="0"/>
-          </a:p>
-          <a:p>
-            <a:r>
-              <a:rPr lang="en-US" sz="1200" b="0" i="0" kern="1200" dirty="0" smtClean="0">
-                <a:solidFill>
-                  <a:schemeClr val="tx1"/>
-                </a:solidFill>
-                <a:effectLst/>
-                <a:latin typeface="+mn-lt"/>
-                <a:ea typeface="+mn-ea"/>
-                <a:cs typeface="+mn-cs"/>
-              </a:rPr>
-              <a:t>TDD is about feedback; if a test is painful to write, make the SUT easier to use.</a:t>
-            </a:r>
-            <a:r>
-              <a:rPr lang="en-US" dirty="0" smtClean="0"/>
-              <a:t/>
-            </a:r>
-            <a:br>
-              <a:rPr lang="en-US" dirty="0" smtClean="0"/>
-            </a:br>
-            <a:r>
-              <a:rPr lang="en-US" dirty="0" smtClean="0"/>
-              <a:t/>
-            </a:r>
-            <a:br>
-              <a:rPr lang="en-US" dirty="0" smtClean="0"/>
-            </a:br>
-            <a:r>
-              <a:rPr lang="en-US" sz="1200" b="0" i="0" kern="1200" dirty="0" smtClean="0">
-                <a:solidFill>
-                  <a:schemeClr val="tx1"/>
-                </a:solidFill>
-                <a:effectLst/>
-                <a:latin typeface="+mn-lt"/>
-                <a:ea typeface="+mn-ea"/>
-                <a:cs typeface="+mn-cs"/>
-              </a:rPr>
-              <a:t>Unfortunately, some people tolerate pain too well.</a:t>
-            </a:r>
-          </a:p>
-          <a:p>
-            <a:endParaRPr lang="en-US" sz="1200" b="0" i="0" kern="1200" baseline="0" dirty="0" smtClean="0">
-              <a:solidFill>
-                <a:schemeClr val="tx1"/>
-              </a:solidFill>
-              <a:effectLst/>
-              <a:latin typeface="+mn-lt"/>
-              <a:ea typeface="+mn-ea"/>
-              <a:cs typeface="+mn-cs"/>
-            </a:endParaRPr>
-          </a:p>
-          <a:p>
-            <a:r>
-              <a:rPr lang="en-US" dirty="0" smtClean="0"/>
-              <a:t>Writing a unit test first makes developers anticipate concerns. A simple unit test, as the one presented in Listing 1, makes developers think about the expected behavior from the class. Developers decide about its public interface, name, return types, or even exceptions thrown, before writing the actual class.</a:t>
-            </a:r>
-            <a:endParaRPr lang="en-US" baseline="0" dirty="0" smtClean="0"/>
-          </a:p>
-          <a:p>
-            <a:endParaRPr lang="en-US" dirty="0"/>
-          </a:p>
-        </p:txBody>
-      </p:sp>
-      <p:sp>
-        <p:nvSpPr>
-          <p:cNvPr id="4" name="Slide Number Placeholder 3"/>
-          <p:cNvSpPr>
-            <a:spLocks noGrp="1"/>
-          </p:cNvSpPr>
-          <p:nvPr>
-            <p:ph type="sldNum" sz="quarter" idx="10"/>
-          </p:nvPr>
-        </p:nvSpPr>
-        <p:spPr/>
-        <p:txBody>
-          <a:bodyPr/>
-          <a:lstStyle/>
-          <a:p>
-            <a:fld id="{3F54E12A-92D0-47AC-AF21-2897E92B62D5}" type="slidenum">
-              <a:rPr lang="en-US" smtClean="0"/>
-              <a:t>29</a:t>
-            </a:fld>
-            <a:endParaRPr lang="en-US"/>
-          </a:p>
-        </p:txBody>
-      </p:sp>
-    </p:spTree>
-    <p:extLst>
-      <p:ext uri="{BB962C8B-B14F-4D97-AF65-F5344CB8AC3E}">
-        <p14:creationId xmlns:p14="http://schemas.microsoft.com/office/powerpoint/2010/main" val="1831671981"/>
-      </p:ext>
-    </p:extLst>
-  </p:cSld>
-  <p:clrMapOvr>
-    <a:masterClrMapping/>
-  </p:clrMapOvr>
-</p:notes>
-</file>
-
-<file path=ppt/notesSlides/notesSlide17.xml><?xml version="1.0" encoding="utf-8"?>
-<p:notes xmlns:a="http://schemas.openxmlformats.org/drawingml/2006/main" xmlns:r="http://schemas.openxmlformats.org/officeDocument/2006/relationships" xmlns:p="http://schemas.openxmlformats.org/presentationml/2006/main">
-  <p:cSld>
-    <p:spTree>
-      <p:nvGrpSpPr>
-        <p:cNvPr id="1" name=""/>
-        <p:cNvGrpSpPr/>
-        <p:nvPr/>
-      </p:nvGrpSpPr>
-      <p:grpSpPr>
-        <a:xfrm>
-          <a:off x="0" y="0"/>
-          <a:ext cx="0" cy="0"/>
-          <a:chOff x="0" y="0"/>
-          <a:chExt cx="0" cy="0"/>
-        </a:xfrm>
-      </p:grpSpPr>
-      <p:sp>
-        <p:nvSpPr>
-          <p:cNvPr id="2" name="Slide Image Placeholder 1"/>
-          <p:cNvSpPr>
-            <a:spLocks noGrp="1" noRot="1" noChangeAspect="1"/>
-          </p:cNvSpPr>
-          <p:nvPr>
-            <p:ph type="sldImg"/>
-          </p:nvPr>
-        </p:nvSpPr>
-        <p:spPr/>
-      </p:sp>
-      <p:sp>
-        <p:nvSpPr>
-          <p:cNvPr id="3" name="Notes Placeholder 2"/>
-          <p:cNvSpPr>
-            <a:spLocks noGrp="1"/>
-          </p:cNvSpPr>
-          <p:nvPr>
-            <p:ph type="body" idx="1"/>
-          </p:nvPr>
-        </p:nvSpPr>
-        <p:spPr/>
-        <p:txBody>
-          <a:bodyPr/>
-          <a:lstStyle/>
-          <a:p>
-            <a:endParaRPr lang="en-US" dirty="0"/>
-          </a:p>
-        </p:txBody>
-      </p:sp>
-      <p:sp>
-        <p:nvSpPr>
-          <p:cNvPr id="4" name="Slide Number Placeholder 3"/>
-          <p:cNvSpPr>
-            <a:spLocks noGrp="1"/>
-          </p:cNvSpPr>
-          <p:nvPr>
-            <p:ph type="sldNum" sz="quarter" idx="10"/>
-          </p:nvPr>
-        </p:nvSpPr>
-        <p:spPr/>
-        <p:txBody>
-          <a:bodyPr/>
-          <a:lstStyle/>
-          <a:p>
-            <a:fld id="{3F54E12A-92D0-47AC-AF21-2897E92B62D5}" type="slidenum">
-              <a:rPr lang="en-US" smtClean="0"/>
-              <a:t>30</a:t>
-            </a:fld>
-            <a:endParaRPr lang="en-US"/>
-          </a:p>
-        </p:txBody>
-      </p:sp>
-    </p:spTree>
-    <p:extLst>
-      <p:ext uri="{BB962C8B-B14F-4D97-AF65-F5344CB8AC3E}">
-        <p14:creationId xmlns:p14="http://schemas.microsoft.com/office/powerpoint/2010/main" val="1689897388"/>
       </p:ext>
     </p:extLst>
   </p:cSld>
@@ -6674,29 +6611,6 @@
           <a:bodyPr/>
           <a:lstStyle/>
           <a:p>
-            <a:pPr marL="0" marR="0" lvl="0" indent="0" algn="l" defTabSz="914400" rtl="0" eaLnBrk="1" fontAlgn="auto" latinLnBrk="0" hangingPunct="1">
-              <a:lnSpc>
-                <a:spcPct val="100000"/>
-              </a:lnSpc>
-              <a:spcBef>
-                <a:spcPts val="0"/>
-              </a:spcBef>
-              <a:spcAft>
-                <a:spcPts val="0"/>
-              </a:spcAft>
-              <a:buClrTx/>
-              <a:buSzTx/>
-              <a:buFontTx/>
-              <a:buNone/>
-              <a:tabLst/>
-              <a:defRPr/>
-            </a:pPr>
-            <a:r>
-              <a:rPr lang="en-US" b="1" dirty="0" smtClean="0"/>
-              <a:t>Hard-to-Test Code</a:t>
-            </a:r>
-          </a:p>
-          <a:p>
             <a:endParaRPr lang="en-US" dirty="0"/>
           </a:p>
         </p:txBody>
@@ -6716,18 +6630,18 @@
           <a:bodyPr/>
           <a:lstStyle/>
           <a:p>
-            <a:fld id="{3F54E12A-92D0-47AC-AF21-2897E92B62D5}" type="slidenum">
-              <a:rPr lang="en-US" smtClean="0"/>
+            <a:fld id="{6047A338-E989-4FB8-9E79-C7D1C907295C}" type="slidenum">
+              <a:rPr lang="de-DE" smtClean="0"/>
               <a:t>31</a:t>
             </a:fld>
-            <a:endParaRPr lang="en-US"/>
+            <a:endParaRPr lang="de-DE"/>
           </a:p>
         </p:txBody>
       </p:sp>
     </p:spTree>
     <p:extLst>
       <p:ext uri="{BB962C8B-B14F-4D97-AF65-F5344CB8AC3E}">
-        <p14:creationId xmlns:p14="http://schemas.microsoft.com/office/powerpoint/2010/main" val="2020752149"/>
+        <p14:creationId xmlns:p14="http://schemas.microsoft.com/office/powerpoint/2010/main" val="43992466"/>
       </p:ext>
     </p:extLst>
   </p:cSld>
@@ -6781,6 +6695,83 @@
           <a:bodyPr/>
           <a:lstStyle/>
           <a:p>
+            <a:r>
+              <a:rPr lang="en-US" dirty="0" smtClean="0"/>
+              <a:t>Feedback</a:t>
+            </a:r>
+            <a:r>
+              <a:rPr lang="en-US" baseline="0" dirty="0" smtClean="0"/>
+              <a:t> about architecture</a:t>
+            </a:r>
+          </a:p>
+          <a:p>
+            <a:r>
+              <a:rPr lang="en-US" baseline="0" dirty="0" smtClean="0"/>
+              <a:t>Unit test takes too long to execute which indicates that tests Is not unit test </a:t>
+            </a:r>
+          </a:p>
+          <a:p>
+            <a:endParaRPr lang="en-US" baseline="0" dirty="0" smtClean="0"/>
+          </a:p>
+          <a:p>
+            <a:r>
+              <a:rPr lang="en-US" sz="1200" b="0" i="0" kern="1200" dirty="0" smtClean="0">
+                <a:solidFill>
+                  <a:schemeClr val="tx1"/>
+                </a:solidFill>
+                <a:effectLst/>
+                <a:latin typeface="+mn-lt"/>
+                <a:ea typeface="+mn-ea"/>
+                <a:cs typeface="+mn-cs"/>
+              </a:rPr>
+              <a:t>TDD is about feedback; if a test is painful to write, make the SUT easier to use.</a:t>
+            </a:r>
+            <a:r>
+              <a:rPr lang="en-US" dirty="0" smtClean="0"/>
+              <a:t/>
+            </a:r>
+            <a:br>
+              <a:rPr lang="en-US" dirty="0" smtClean="0"/>
+            </a:br>
+            <a:r>
+              <a:rPr lang="en-US" dirty="0" smtClean="0"/>
+              <a:t/>
+            </a:r>
+            <a:br>
+              <a:rPr lang="en-US" dirty="0" smtClean="0"/>
+            </a:br>
+            <a:r>
+              <a:rPr lang="en-US" sz="1200" b="0" i="0" kern="1200" dirty="0" smtClean="0">
+                <a:solidFill>
+                  <a:schemeClr val="tx1"/>
+                </a:solidFill>
+                <a:effectLst/>
+                <a:latin typeface="+mn-lt"/>
+                <a:ea typeface="+mn-ea"/>
+                <a:cs typeface="+mn-cs"/>
+              </a:rPr>
+              <a:t>Unfortunately, some people tolerate pain too well.</a:t>
+            </a:r>
+          </a:p>
+          <a:p>
+            <a:endParaRPr lang="en-US" sz="1200" b="0" i="0" kern="1200" baseline="0" dirty="0" smtClean="0">
+              <a:solidFill>
+                <a:schemeClr val="tx1"/>
+              </a:solidFill>
+              <a:effectLst/>
+              <a:latin typeface="+mn-lt"/>
+              <a:ea typeface="+mn-ea"/>
+              <a:cs typeface="+mn-cs"/>
+            </a:endParaRPr>
+          </a:p>
+          <a:p>
+            <a:r>
+              <a:rPr lang="en-US" dirty="0" smtClean="0"/>
+              <a:t>Writing a unit test first makes developers anticipate concerns. A simple unit test, as the one presented in Listing 1, makes developers think about the expected behavior from the class. Developers decide about its public interface, name, return types, or even exceptions thrown, before writing the actual class.</a:t>
+            </a:r>
+            <a:endParaRPr lang="en-US" baseline="0" dirty="0" smtClean="0"/>
+          </a:p>
+          <a:p>
             <a:endParaRPr lang="en-US" dirty="0"/>
           </a:p>
         </p:txBody>
@@ -6811,7 +6802,7 @@
     </p:spTree>
     <p:extLst>
       <p:ext uri="{BB962C8B-B14F-4D97-AF65-F5344CB8AC3E}">
-        <p14:creationId xmlns:p14="http://schemas.microsoft.com/office/powerpoint/2010/main" val="718619904"/>
+        <p14:creationId xmlns:p14="http://schemas.microsoft.com/office/powerpoint/2010/main" val="1831671981"/>
       </p:ext>
     </p:extLst>
   </p:cSld>
@@ -6968,7 +6959,7 @@
     </p:spTree>
     <p:extLst>
       <p:ext uri="{BB962C8B-B14F-4D97-AF65-F5344CB8AC3E}">
-        <p14:creationId xmlns:p14="http://schemas.microsoft.com/office/powerpoint/2010/main" val="1144432532"/>
+        <p14:creationId xmlns:p14="http://schemas.microsoft.com/office/powerpoint/2010/main" val="2564534887"/>
       </p:ext>
     </p:extLst>
   </p:cSld>
@@ -7022,94 +7013,89 @@
           <a:bodyPr/>
           <a:lstStyle/>
           <a:p>
-            <a:r>
-              <a:rPr lang="en-US" sz="1200" b="0" i="0" kern="1200" dirty="0" smtClean="0">
-                <a:solidFill>
-                  <a:schemeClr val="tx1"/>
-                </a:solidFill>
-                <a:effectLst/>
-                <a:latin typeface="+mn-lt"/>
-                <a:ea typeface="+mn-ea"/>
-                <a:cs typeface="+mn-cs"/>
-              </a:rPr>
-              <a:t>If you make a certain level of coverage a target, people will try to attain it. The trouble is that high coverage numbers are too easy to reach with low quality testing. At the most absurd level you have </a:t>
-            </a:r>
-            <a:r>
-              <a:rPr lang="en-US" sz="1200" b="0" i="0" u="none" strike="noStrike" kern="1200" dirty="0" err="1" smtClean="0">
-                <a:solidFill>
-                  <a:schemeClr val="tx1"/>
-                </a:solidFill>
-                <a:effectLst/>
-                <a:latin typeface="+mn-lt"/>
-                <a:ea typeface="+mn-ea"/>
-                <a:cs typeface="+mn-cs"/>
-                <a:hlinkClick r:id="rId3"/>
-              </a:rPr>
-              <a:t>AssertionFreeTesting</a:t>
-            </a:r>
-            <a:r>
-              <a:rPr lang="en-US" sz="1200" b="0" i="0" kern="1200" dirty="0" smtClean="0">
-                <a:solidFill>
-                  <a:schemeClr val="tx1"/>
-                </a:solidFill>
-                <a:effectLst/>
-                <a:latin typeface="+mn-lt"/>
-                <a:ea typeface="+mn-ea"/>
-                <a:cs typeface="+mn-cs"/>
-              </a:rPr>
-              <a:t>. But even without that you get lots of tests looking for things that rarely go wrong distracting you from testing the things that really matter.</a:t>
-            </a:r>
-          </a:p>
-          <a:p>
-            <a:r>
-              <a:rPr lang="en-US" sz="1200" b="0" i="0" kern="1200" dirty="0" smtClean="0">
-                <a:solidFill>
-                  <a:schemeClr val="tx1"/>
-                </a:solidFill>
-                <a:effectLst/>
-                <a:latin typeface="+mn-lt"/>
-                <a:ea typeface="+mn-ea"/>
-                <a:cs typeface="+mn-cs"/>
-              </a:rPr>
-              <a:t>TDD is a very useful, but certainly not sufficient, tool to help you get good tests</a:t>
-            </a:r>
-          </a:p>
-          <a:p>
-            <a:endParaRPr lang="en-US" sz="1200" b="0" i="0" kern="1200" dirty="0" smtClean="0">
-              <a:solidFill>
-                <a:schemeClr val="tx1"/>
-              </a:solidFill>
-              <a:effectLst/>
-              <a:latin typeface="+mn-lt"/>
-              <a:ea typeface="+mn-ea"/>
-              <a:cs typeface="+mn-cs"/>
-            </a:endParaRPr>
-          </a:p>
-          <a:p>
-            <a:r>
-              <a:rPr lang="en-US" sz="1200" b="0" i="0" kern="1200" dirty="0" smtClean="0">
-                <a:solidFill>
-                  <a:schemeClr val="tx1"/>
-                </a:solidFill>
-                <a:effectLst/>
-                <a:latin typeface="+mn-lt"/>
-                <a:ea typeface="+mn-ea"/>
-                <a:cs typeface="+mn-cs"/>
-              </a:rPr>
-              <a:t>I would say you are doing enough testing if the following is true:</a:t>
-            </a:r>
-          </a:p>
-          <a:p>
-            <a:endParaRPr lang="en-US" sz="1200" b="0" i="0" kern="1200" dirty="0" smtClean="0">
-              <a:solidFill>
-                <a:schemeClr val="tx1"/>
-              </a:solidFill>
-              <a:effectLst/>
-              <a:latin typeface="+mn-lt"/>
-              <a:ea typeface="+mn-ea"/>
-              <a:cs typeface="+mn-cs"/>
-            </a:endParaRPr>
-          </a:p>
+            <a:endParaRPr lang="en-US" dirty="0"/>
+          </a:p>
+        </p:txBody>
+      </p:sp>
+      <p:sp>
+        <p:nvSpPr>
+          <p:cNvPr id="4" name="Slide Number Placeholder 3"/>
+          <p:cNvSpPr>
+            <a:spLocks noGrp="1"/>
+          </p:cNvSpPr>
+          <p:nvPr>
+            <p:ph type="sldNum" sz="quarter" idx="10"/>
+          </p:nvPr>
+        </p:nvSpPr>
+        <p:spPr/>
+        <p:txBody>
+          <a:bodyPr/>
+          <a:lstStyle/>
+          <a:p>
+            <a:fld id="{3F54E12A-92D0-47AC-AF21-2897E92B62D5}" type="slidenum">
+              <a:rPr lang="en-US" smtClean="0"/>
+              <a:t>33</a:t>
+            </a:fld>
+            <a:endParaRPr lang="en-US"/>
+          </a:p>
+        </p:txBody>
+      </p:sp>
+    </p:spTree>
+    <p:extLst>
+      <p:ext uri="{BB962C8B-B14F-4D97-AF65-F5344CB8AC3E}">
+        <p14:creationId xmlns:p14="http://schemas.microsoft.com/office/powerpoint/2010/main" val="1689897388"/>
+      </p:ext>
+    </p:extLst>
+  </p:cSld>
+  <p:clrMapOvr>
+    <a:masterClrMapping/>
+  </p:clrMapOvr>
+</p:notes>
+</file>
+
+<file path=ppt/notesSlides/notesSlide21.xml><?xml version="1.0" encoding="utf-8"?>
+<p:notes xmlns:a="http://schemas.openxmlformats.org/drawingml/2006/main" xmlns:r="http://schemas.openxmlformats.org/officeDocument/2006/relationships" xmlns:p="http://schemas.openxmlformats.org/presentationml/2006/main">
+  <p:cSld>
+    <p:spTree>
+      <p:nvGrpSpPr>
+        <p:cNvPr id="1" name=""/>
+        <p:cNvGrpSpPr/>
+        <p:nvPr/>
+      </p:nvGrpSpPr>
+      <p:grpSpPr>
+        <a:xfrm>
+          <a:off x="0" y="0"/>
+          <a:ext cx="0" cy="0"/>
+          <a:chOff x="0" y="0"/>
+          <a:chExt cx="0" cy="0"/>
+        </a:xfrm>
+      </p:grpSpPr>
+      <p:sp>
+        <p:nvSpPr>
+          <p:cNvPr id="2" name="Slide Image Placeholder 1"/>
+          <p:cNvSpPr>
+            <a:spLocks noGrp="1" noRot="1" noChangeAspect="1"/>
+          </p:cNvSpPr>
+          <p:nvPr>
+            <p:ph type="sldImg"/>
+          </p:nvPr>
+        </p:nvSpPr>
+        <p:spPr/>
+      </p:sp>
+      <p:sp>
+        <p:nvSpPr>
+          <p:cNvPr id="3" name="Notes Placeholder 2"/>
+          <p:cNvSpPr>
+            <a:spLocks noGrp="1"/>
+          </p:cNvSpPr>
+          <p:nvPr>
+            <p:ph type="body" idx="1"/>
+          </p:nvPr>
+        </p:nvSpPr>
+        <p:spPr/>
+        <p:txBody>
+          <a:bodyPr/>
+          <a:lstStyle/>
           <a:p>
             <a:pPr marL="0" marR="0" lvl="0" indent="0" algn="l" defTabSz="914400" rtl="0" eaLnBrk="1" fontAlgn="auto" latinLnBrk="0" hangingPunct="1">
               <a:lnSpc>
@@ -7129,6 +7115,180 @@
               <a:defRPr/>
             </a:pPr>
             <a:r>
+              <a:rPr lang="en-US" b="1" dirty="0" smtClean="0"/>
+              <a:t>Hard-to-Test Code</a:t>
+            </a:r>
+          </a:p>
+          <a:p>
+            <a:endParaRPr lang="en-US" dirty="0"/>
+          </a:p>
+        </p:txBody>
+      </p:sp>
+      <p:sp>
+        <p:nvSpPr>
+          <p:cNvPr id="4" name="Slide Number Placeholder 3"/>
+          <p:cNvSpPr>
+            <a:spLocks noGrp="1"/>
+          </p:cNvSpPr>
+          <p:nvPr>
+            <p:ph type="sldNum" sz="quarter" idx="10"/>
+          </p:nvPr>
+        </p:nvSpPr>
+        <p:spPr/>
+        <p:txBody>
+          <a:bodyPr/>
+          <a:lstStyle/>
+          <a:p>
+            <a:fld id="{3F54E12A-92D0-47AC-AF21-2897E92B62D5}" type="slidenum">
+              <a:rPr lang="en-US" smtClean="0"/>
+              <a:t>34</a:t>
+            </a:fld>
+            <a:endParaRPr lang="en-US"/>
+          </a:p>
+        </p:txBody>
+      </p:sp>
+    </p:spTree>
+    <p:extLst>
+      <p:ext uri="{BB962C8B-B14F-4D97-AF65-F5344CB8AC3E}">
+        <p14:creationId xmlns:p14="http://schemas.microsoft.com/office/powerpoint/2010/main" val="2020752149"/>
+      </p:ext>
+    </p:extLst>
+  </p:cSld>
+  <p:clrMapOvr>
+    <a:masterClrMapping/>
+  </p:clrMapOvr>
+</p:notes>
+</file>
+
+<file path=ppt/notesSlides/notesSlide22.xml><?xml version="1.0" encoding="utf-8"?>
+<p:notes xmlns:a="http://schemas.openxmlformats.org/drawingml/2006/main" xmlns:r="http://schemas.openxmlformats.org/officeDocument/2006/relationships" xmlns:p="http://schemas.openxmlformats.org/presentationml/2006/main">
+  <p:cSld>
+    <p:spTree>
+      <p:nvGrpSpPr>
+        <p:cNvPr id="1" name=""/>
+        <p:cNvGrpSpPr/>
+        <p:nvPr/>
+      </p:nvGrpSpPr>
+      <p:grpSpPr>
+        <a:xfrm>
+          <a:off x="0" y="0"/>
+          <a:ext cx="0" cy="0"/>
+          <a:chOff x="0" y="0"/>
+          <a:chExt cx="0" cy="0"/>
+        </a:xfrm>
+      </p:grpSpPr>
+      <p:sp>
+        <p:nvSpPr>
+          <p:cNvPr id="2" name="Slide Image Placeholder 1"/>
+          <p:cNvSpPr>
+            <a:spLocks noGrp="1" noRot="1" noChangeAspect="1"/>
+          </p:cNvSpPr>
+          <p:nvPr>
+            <p:ph type="sldImg"/>
+          </p:nvPr>
+        </p:nvSpPr>
+        <p:spPr/>
+      </p:sp>
+      <p:sp>
+        <p:nvSpPr>
+          <p:cNvPr id="3" name="Notes Placeholder 2"/>
+          <p:cNvSpPr>
+            <a:spLocks noGrp="1"/>
+          </p:cNvSpPr>
+          <p:nvPr>
+            <p:ph type="body" idx="1"/>
+          </p:nvPr>
+        </p:nvSpPr>
+        <p:spPr/>
+        <p:txBody>
+          <a:bodyPr/>
+          <a:lstStyle/>
+          <a:p>
+            <a:endParaRPr lang="en-US" dirty="0"/>
+          </a:p>
+        </p:txBody>
+      </p:sp>
+      <p:sp>
+        <p:nvSpPr>
+          <p:cNvPr id="4" name="Slide Number Placeholder 3"/>
+          <p:cNvSpPr>
+            <a:spLocks noGrp="1"/>
+          </p:cNvSpPr>
+          <p:nvPr>
+            <p:ph type="sldNum" sz="quarter" idx="10"/>
+          </p:nvPr>
+        </p:nvSpPr>
+        <p:spPr/>
+        <p:txBody>
+          <a:bodyPr/>
+          <a:lstStyle/>
+          <a:p>
+            <a:fld id="{3F54E12A-92D0-47AC-AF21-2897E92B62D5}" type="slidenum">
+              <a:rPr lang="en-US" smtClean="0"/>
+              <a:t>35</a:t>
+            </a:fld>
+            <a:endParaRPr lang="en-US"/>
+          </a:p>
+        </p:txBody>
+      </p:sp>
+    </p:spTree>
+    <p:extLst>
+      <p:ext uri="{BB962C8B-B14F-4D97-AF65-F5344CB8AC3E}">
+        <p14:creationId xmlns:p14="http://schemas.microsoft.com/office/powerpoint/2010/main" val="718619904"/>
+      </p:ext>
+    </p:extLst>
+  </p:cSld>
+  <p:clrMapOvr>
+    <a:masterClrMapping/>
+  </p:clrMapOvr>
+</p:notes>
+</file>
+
+<file path=ppt/notesSlides/notesSlide23.xml><?xml version="1.0" encoding="utf-8"?>
+<p:notes xmlns:a="http://schemas.openxmlformats.org/drawingml/2006/main" xmlns:r="http://schemas.openxmlformats.org/officeDocument/2006/relationships" xmlns:p="http://schemas.openxmlformats.org/presentationml/2006/main">
+  <p:cSld>
+    <p:spTree>
+      <p:nvGrpSpPr>
+        <p:cNvPr id="1" name=""/>
+        <p:cNvGrpSpPr/>
+        <p:nvPr/>
+      </p:nvGrpSpPr>
+      <p:grpSpPr>
+        <a:xfrm>
+          <a:off x="0" y="0"/>
+          <a:ext cx="0" cy="0"/>
+          <a:chOff x="0" y="0"/>
+          <a:chExt cx="0" cy="0"/>
+        </a:xfrm>
+      </p:grpSpPr>
+      <p:sp>
+        <p:nvSpPr>
+          <p:cNvPr id="2" name="Slide Image Placeholder 1"/>
+          <p:cNvSpPr>
+            <a:spLocks noGrp="1" noRot="1" noChangeAspect="1"/>
+          </p:cNvSpPr>
+          <p:nvPr>
+            <p:ph type="sldImg"/>
+          </p:nvPr>
+        </p:nvSpPr>
+        <p:spPr/>
+      </p:sp>
+      <p:sp>
+        <p:nvSpPr>
+          <p:cNvPr id="3" name="Notes Placeholder 2"/>
+          <p:cNvSpPr>
+            <a:spLocks noGrp="1"/>
+          </p:cNvSpPr>
+          <p:nvPr>
+            <p:ph type="body" idx="1"/>
+          </p:nvPr>
+        </p:nvSpPr>
+        <p:spPr/>
+        <p:txBody>
+          <a:bodyPr/>
+          <a:lstStyle/>
+          <a:p>
+            <a:r>
               <a:rPr lang="en-US" sz="1200" b="0" i="0" kern="1200" dirty="0" smtClean="0">
                 <a:solidFill>
                   <a:schemeClr val="tx1"/>
@@ -7138,10 +7298,23 @@
                 <a:ea typeface="+mn-ea"/>
                 <a:cs typeface="+mn-cs"/>
               </a:rPr>
-              <a:t>You rarely get bugs that escape into production, </a:t>
-            </a:r>
-            <a:r>
-              <a:rPr lang="en-US" sz="1200" b="1" i="0" kern="1200" dirty="0" smtClean="0">
+              <a:t>If you make a certain level of coverage a target, people will try to attain it. The trouble is that high coverage numbers are too easy to reach with low quality testing. At the most absurd level you have </a:t>
+            </a:r>
+            <a:r>
+              <a:rPr lang="en-US" sz="1200" b="0" i="0" u="none" strike="noStrike" kern="1200" dirty="0" err="1" smtClean="0">
+                <a:solidFill>
+                  <a:schemeClr val="tx1"/>
+                </a:solidFill>
+                <a:effectLst/>
+                <a:latin typeface="+mn-lt"/>
+                <a:ea typeface="+mn-ea"/>
+                <a:cs typeface="+mn-cs"/>
+                <a:hlinkClick r:id="rId3"/>
+              </a:rPr>
+              <a:t>AssertionFreeTesting</a:t>
+            </a:r>
+            <a:r>
+              <a:rPr lang="en-US" sz="1200" b="0" i="0" kern="1200" dirty="0" smtClean="0">
                 <a:solidFill>
                   <a:schemeClr val="tx1"/>
                 </a:solidFill>
@@ -7150,8 +7323,49 @@
                 <a:ea typeface="+mn-ea"/>
                 <a:cs typeface="+mn-cs"/>
               </a:rPr>
-              <a:t>and</a:t>
-            </a:r>
+              <a:t>. But even without that you get lots of tests looking for things that rarely go wrong distracting you from testing the things that really matter.</a:t>
+            </a:r>
+          </a:p>
+          <a:p>
+            <a:r>
+              <a:rPr lang="en-US" sz="1200" b="0" i="0" kern="1200" dirty="0" smtClean="0">
+                <a:solidFill>
+                  <a:schemeClr val="tx1"/>
+                </a:solidFill>
+                <a:effectLst/>
+                <a:latin typeface="+mn-lt"/>
+                <a:ea typeface="+mn-ea"/>
+                <a:cs typeface="+mn-cs"/>
+              </a:rPr>
+              <a:t>TDD is a very useful, but certainly not sufficient, tool to help you get good tests</a:t>
+            </a:r>
+          </a:p>
+          <a:p>
+            <a:endParaRPr lang="en-US" sz="1200" b="0" i="0" kern="1200" dirty="0" smtClean="0">
+              <a:solidFill>
+                <a:schemeClr val="tx1"/>
+              </a:solidFill>
+              <a:effectLst/>
+              <a:latin typeface="+mn-lt"/>
+              <a:ea typeface="+mn-ea"/>
+              <a:cs typeface="+mn-cs"/>
+            </a:endParaRPr>
+          </a:p>
+          <a:p>
+            <a:r>
+              <a:rPr lang="en-US" sz="1200" b="0" i="0" kern="1200" dirty="0" smtClean="0">
+                <a:solidFill>
+                  <a:schemeClr val="tx1"/>
+                </a:solidFill>
+                <a:effectLst/>
+                <a:latin typeface="+mn-lt"/>
+                <a:ea typeface="+mn-ea"/>
+                <a:cs typeface="+mn-cs"/>
+              </a:rPr>
+              <a:t>I would say you are doing enough testing if the following is true:</a:t>
+            </a:r>
+          </a:p>
+          <a:p>
             <a:endParaRPr lang="en-US" sz="1200" b="0" i="0" kern="1200" dirty="0" smtClean="0">
               <a:solidFill>
                 <a:schemeClr val="tx1"/>
@@ -7190,6 +7404,58 @@
                 <a:ea typeface="+mn-ea"/>
                 <a:cs typeface="+mn-cs"/>
               </a:rPr>
+              <a:t>You rarely get bugs that escape into production, </a:t>
+            </a:r>
+            <a:r>
+              <a:rPr lang="en-US" sz="1200" b="1" i="0" kern="1200" dirty="0" smtClean="0">
+                <a:solidFill>
+                  <a:schemeClr val="tx1"/>
+                </a:solidFill>
+                <a:effectLst/>
+                <a:latin typeface="+mn-lt"/>
+                <a:ea typeface="+mn-ea"/>
+                <a:cs typeface="+mn-cs"/>
+              </a:rPr>
+              <a:t>and</a:t>
+            </a:r>
+            <a:endParaRPr lang="en-US" sz="1200" b="0" i="0" kern="1200" dirty="0" smtClean="0">
+              <a:solidFill>
+                <a:schemeClr val="tx1"/>
+              </a:solidFill>
+              <a:effectLst/>
+              <a:latin typeface="+mn-lt"/>
+              <a:ea typeface="+mn-ea"/>
+              <a:cs typeface="+mn-cs"/>
+            </a:endParaRPr>
+          </a:p>
+          <a:p>
+            <a:pPr marL="0" marR="0" lvl="0" indent="0" algn="l" defTabSz="914400" rtl="0" eaLnBrk="1" fontAlgn="auto" latinLnBrk="0" hangingPunct="1">
+              <a:lnSpc>
+                <a:spcPct val="100000"/>
+              </a:lnSpc>
+              <a:spcBef>
+                <a:spcPts val="0"/>
+              </a:spcBef>
+              <a:spcAft>
+                <a:spcPts val="0"/>
+              </a:spcAft>
+              <a:buClrTx/>
+              <a:buSzTx/>
+              <a:buFontTx/>
+              <a:buNone/>
+              <a:tabLst/>
+              <a:defRPr/>
+            </a:pPr>
+            <a:r>
+              <a:rPr lang="en-US" sz="1200" b="0" i="0" kern="1200" dirty="0" smtClean="0">
+                <a:solidFill>
+                  <a:schemeClr val="tx1"/>
+                </a:solidFill>
+                <a:effectLst/>
+                <a:latin typeface="+mn-lt"/>
+                <a:ea typeface="+mn-ea"/>
+                <a:cs typeface="+mn-cs"/>
+              </a:rPr>
               <a:t>You are rarely hesitant to change some code for fear it will cause production bugs.</a:t>
             </a:r>
           </a:p>
@@ -7737,7 +8003,7 @@
           <a:p>
             <a:fld id="{3F54E12A-92D0-47AC-AF21-2897E92B62D5}" type="slidenum">
               <a:rPr lang="en-US" smtClean="0"/>
-              <a:t>35</a:t>
+              <a:t>38</a:t>
             </a:fld>
             <a:endParaRPr lang="en-US"/>
           </a:p>
@@ -7801,6 +8067,49 @@
           <a:lstStyle/>
           <a:p>
             <a:r>
+              <a:rPr lang="en-US" dirty="0" smtClean="0"/>
+              <a:t>Explain</a:t>
+            </a:r>
+            <a:r>
+              <a:rPr lang="en-US" baseline="0" dirty="0" smtClean="0"/>
+              <a:t> feedback loops created by tests</a:t>
+            </a:r>
+          </a:p>
+          <a:p>
+            <a:endParaRPr lang="en-US" baseline="0" dirty="0" smtClean="0"/>
+          </a:p>
+          <a:p>
+            <a:pPr marL="0" indent="0">
+              <a:buNone/>
+            </a:pPr>
+            <a:r>
+              <a:rPr lang="en-US" dirty="0" smtClean="0"/>
+              <a:t>The ideal feedback loop has several properties:</a:t>
+            </a:r>
+          </a:p>
+          <a:p>
+            <a:pPr marL="0" indent="0">
+              <a:buNone/>
+            </a:pPr>
+            <a:endParaRPr lang="en-US" dirty="0" smtClean="0"/>
+          </a:p>
+          <a:p>
+            <a:pPr marL="0" indent="0">
+              <a:buNone/>
+            </a:pPr>
+            <a:r>
+              <a:rPr lang="en-US" dirty="0" smtClean="0"/>
+              <a:t>Talk about Agile development</a:t>
+            </a:r>
+          </a:p>
+          <a:p>
+            <a:pPr marL="0" indent="0">
+              <a:buNone/>
+            </a:pPr>
+            <a:endParaRPr lang="en-US" u="sng" dirty="0" smtClean="0"/>
+          </a:p>
+          <a:p>
+            <a:r>
               <a:rPr lang="en-US" u="sng" dirty="0" smtClean="0"/>
               <a:t>It's fast</a:t>
             </a:r>
@@ -7860,6 +8169,120 @@
     </p:spTree>
     <p:extLst>
       <p:ext uri="{BB962C8B-B14F-4D97-AF65-F5344CB8AC3E}">
+        <p14:creationId xmlns:p14="http://schemas.microsoft.com/office/powerpoint/2010/main" val="1144432532"/>
+      </p:ext>
+    </p:extLst>
+  </p:cSld>
+  <p:clrMapOvr>
+    <a:masterClrMapping/>
+  </p:clrMapOvr>
+</p:notes>
+</file>
+
+<file path=ppt/notesSlides/notesSlide4.xml><?xml version="1.0" encoding="utf-8"?>
+<p:notes xmlns:a="http://schemas.openxmlformats.org/drawingml/2006/main" xmlns:r="http://schemas.openxmlformats.org/officeDocument/2006/relationships" xmlns:p="http://schemas.openxmlformats.org/presentationml/2006/main">
+  <p:cSld>
+    <p:spTree>
+      <p:nvGrpSpPr>
+        <p:cNvPr id="1" name=""/>
+        <p:cNvGrpSpPr/>
+        <p:nvPr/>
+      </p:nvGrpSpPr>
+      <p:grpSpPr>
+        <a:xfrm>
+          <a:off x="0" y="0"/>
+          <a:ext cx="0" cy="0"/>
+          <a:chOff x="0" y="0"/>
+          <a:chExt cx="0" cy="0"/>
+        </a:xfrm>
+      </p:grpSpPr>
+      <p:sp>
+        <p:nvSpPr>
+          <p:cNvPr id="2" name="Slide Image Placeholder 1"/>
+          <p:cNvSpPr>
+            <a:spLocks noGrp="1" noRot="1" noChangeAspect="1"/>
+          </p:cNvSpPr>
+          <p:nvPr>
+            <p:ph type="sldImg"/>
+          </p:nvPr>
+        </p:nvSpPr>
+        <p:spPr/>
+      </p:sp>
+      <p:sp>
+        <p:nvSpPr>
+          <p:cNvPr id="3" name="Notes Placeholder 2"/>
+          <p:cNvSpPr>
+            <a:spLocks noGrp="1"/>
+          </p:cNvSpPr>
+          <p:nvPr>
+            <p:ph type="body" idx="1"/>
+          </p:nvPr>
+        </p:nvSpPr>
+        <p:spPr/>
+        <p:txBody>
+          <a:bodyPr/>
+          <a:lstStyle/>
+          <a:p>
+            <a:r>
+              <a:rPr lang="en-US" u="sng" dirty="0" smtClean="0"/>
+              <a:t>It's fast</a:t>
+            </a:r>
+            <a:r>
+              <a:rPr lang="en-US" dirty="0" smtClean="0"/>
+              <a:t>. No developer wants to wait hours or days to find out if their change works. Sometimes the change does not work - nobody is perfect - and the feedback loop needs to run multiple times. A faster feedback loop leads to faster fixes. If the loop is fast enough, developers may even run tests before checking in a change. </a:t>
+            </a:r>
+          </a:p>
+          <a:p>
+            <a:r>
+              <a:rPr lang="en-US" u="sng" dirty="0" smtClean="0"/>
+              <a:t>It's reliable</a:t>
+            </a:r>
+            <a:r>
+              <a:rPr lang="en-US" dirty="0" smtClean="0"/>
+              <a:t>. No developer wants to spend hours debugging a test, only to find out it was a flaky test. Flaky tests reduce the developer's trust in the test, and as a result flaky tests are often ignored, even when they find real product issues. </a:t>
+            </a:r>
+          </a:p>
+          <a:p>
+            <a:r>
+              <a:rPr lang="en-US" u="sng" dirty="0" smtClean="0"/>
+              <a:t>It isolates failures</a:t>
+            </a:r>
+            <a:r>
+              <a:rPr lang="en-US" dirty="0" smtClean="0"/>
+              <a:t>. To fix a bug, developers need to find the specific lines of code causing the bug. When a product contains millions of lines of codes, and the bug could be anywhere, it's like trying to find a needle in a haystack. </a:t>
+            </a:r>
+          </a:p>
+          <a:p>
+            <a:endParaRPr lang="en-US" dirty="0"/>
+          </a:p>
+        </p:txBody>
+      </p:sp>
+      <p:sp>
+        <p:nvSpPr>
+          <p:cNvPr id="4" name="Slide Number Placeholder 3"/>
+          <p:cNvSpPr>
+            <a:spLocks noGrp="1"/>
+          </p:cNvSpPr>
+          <p:nvPr>
+            <p:ph type="sldNum" sz="quarter" idx="10"/>
+          </p:nvPr>
+        </p:nvSpPr>
+        <p:spPr/>
+        <p:txBody>
+          <a:bodyPr/>
+          <a:lstStyle/>
+          <a:p>
+            <a:fld id="{3F54E12A-92D0-47AC-AF21-2897E92B62D5}" type="slidenum">
+              <a:rPr lang="en-US" smtClean="0"/>
+              <a:t>6</a:t>
+            </a:fld>
+            <a:endParaRPr lang="en-US"/>
+          </a:p>
+        </p:txBody>
+      </p:sp>
+    </p:spTree>
+    <p:extLst>
+      <p:ext uri="{BB962C8B-B14F-4D97-AF65-F5344CB8AC3E}">
         <p14:creationId xmlns:p14="http://schemas.microsoft.com/office/powerpoint/2010/main" val="2353479223"/>
       </p:ext>
     </p:extLst>
@@ -7870,7 +8293,7 @@
 </p:notes>
 </file>
 
-<file path=ppt/notesSlides/notesSlide4.xml><?xml version="1.0" encoding="utf-8"?>
+<file path=ppt/notesSlides/notesSlide5.xml><?xml version="1.0" encoding="utf-8"?>
 <p:notes xmlns:a="http://schemas.openxmlformats.org/drawingml/2006/main" xmlns:r="http://schemas.openxmlformats.org/officeDocument/2006/relationships" xmlns:p="http://schemas.openxmlformats.org/presentationml/2006/main">
   <p:cSld>
     <p:spTree>
@@ -7972,7 +8395,7 @@
           <a:p>
             <a:fld id="{6047A338-E989-4FB8-9E79-C7D1C907295C}" type="slidenum">
               <a:rPr lang="de-DE" smtClean="0"/>
-              <a:t>6</a:t>
+              <a:t>7</a:t>
             </a:fld>
             <a:endParaRPr lang="de-DE"/>
           </a:p>
@@ -7982,243 +8405,6 @@
     <p:extLst>
       <p:ext uri="{BB962C8B-B14F-4D97-AF65-F5344CB8AC3E}">
         <p14:creationId xmlns:p14="http://schemas.microsoft.com/office/powerpoint/2010/main" val="3092943492"/>
-      </p:ext>
-    </p:extLst>
-  </p:cSld>
-  <p:clrMapOvr>
-    <a:masterClrMapping/>
-  </p:clrMapOvr>
-</p:notes>
-</file>
-
-<file path=ppt/notesSlides/notesSlide5.xml><?xml version="1.0" encoding="utf-8"?>
-<p:notes xmlns:a="http://schemas.openxmlformats.org/drawingml/2006/main" xmlns:r="http://schemas.openxmlformats.org/officeDocument/2006/relationships" xmlns:p="http://schemas.openxmlformats.org/presentationml/2006/main">
-  <p:cSld>
-    <p:spTree>
-      <p:nvGrpSpPr>
-        <p:cNvPr id="1" name=""/>
-        <p:cNvGrpSpPr/>
-        <p:nvPr/>
-      </p:nvGrpSpPr>
-      <p:grpSpPr>
-        <a:xfrm>
-          <a:off x="0" y="0"/>
-          <a:ext cx="0" cy="0"/>
-          <a:chOff x="0" y="0"/>
-          <a:chExt cx="0" cy="0"/>
-        </a:xfrm>
-      </p:grpSpPr>
-      <p:sp>
-        <p:nvSpPr>
-          <p:cNvPr id="2" name="Slide Image Placeholder 1"/>
-          <p:cNvSpPr>
-            <a:spLocks noGrp="1" noRot="1" noChangeAspect="1"/>
-          </p:cNvSpPr>
-          <p:nvPr>
-            <p:ph type="sldImg"/>
-          </p:nvPr>
-        </p:nvSpPr>
-        <p:spPr/>
-      </p:sp>
-      <p:sp>
-        <p:nvSpPr>
-          <p:cNvPr id="3" name="Notes Placeholder 2"/>
-          <p:cNvSpPr>
-            <a:spLocks noGrp="1"/>
-          </p:cNvSpPr>
-          <p:nvPr>
-            <p:ph type="body" idx="1"/>
-          </p:nvPr>
-        </p:nvSpPr>
-        <p:spPr/>
-        <p:txBody>
-          <a:bodyPr/>
-          <a:lstStyle/>
-          <a:p>
-            <a:r>
-              <a:rPr lang="en-GB" sz="1200" b="0" i="0" kern="1200" dirty="0" smtClean="0">
-                <a:solidFill>
-                  <a:schemeClr val="tx1"/>
-                </a:solidFill>
-                <a:latin typeface="+mn-lt"/>
-                <a:ea typeface="+mn-ea"/>
-                <a:cs typeface="+mn-cs"/>
-              </a:rPr>
-              <a:t>Why don’t you fix bad code when you see it? Your first reaction upon seeing a messy function is “This is a mess, it needs to be cleaned.” Your second reaction is “I’m not touching it!” Why? Because you know that if you touch it you risk breaking it; and if you break it, it becomes yours.</a:t>
-            </a:r>
-          </a:p>
-          <a:p>
-            <a:r>
-              <a:rPr lang="en-GB" sz="1200" b="0" i="0" kern="1200" dirty="0" smtClean="0">
-                <a:solidFill>
-                  <a:schemeClr val="tx1"/>
-                </a:solidFill>
-                <a:latin typeface="+mn-lt"/>
-                <a:ea typeface="+mn-ea"/>
-                <a:cs typeface="+mn-cs"/>
-              </a:rPr>
-              <a:t>But what if you could be </a:t>
-            </a:r>
-            <a:r>
-              <a:rPr lang="en-GB" sz="1200" b="0" i="1" kern="1200" dirty="0" smtClean="0">
-                <a:solidFill>
-                  <a:schemeClr val="tx1"/>
-                </a:solidFill>
-                <a:latin typeface="+mn-lt"/>
-                <a:ea typeface="+mn-ea"/>
-                <a:cs typeface="+mn-cs"/>
-              </a:rPr>
-              <a:t>sure</a:t>
-            </a:r>
-            <a:r>
-              <a:rPr lang="en-GB" sz="1200" b="0" i="0" kern="1200" dirty="0" smtClean="0">
-                <a:solidFill>
-                  <a:schemeClr val="tx1"/>
-                </a:solidFill>
-                <a:latin typeface="+mn-lt"/>
-                <a:ea typeface="+mn-ea"/>
-                <a:cs typeface="+mn-cs"/>
-              </a:rPr>
-              <a:t> that your cleaning did not break anything? What if you had the kind of certainty that I just mentioned? What if you could click a button and </a:t>
-            </a:r>
-            <a:r>
-              <a:rPr lang="en-GB" sz="1200" b="0" i="1" kern="1200" dirty="0" smtClean="0">
-                <a:solidFill>
-                  <a:schemeClr val="tx1"/>
-                </a:solidFill>
-                <a:latin typeface="+mn-lt"/>
-                <a:ea typeface="+mn-ea"/>
-                <a:cs typeface="+mn-cs"/>
-              </a:rPr>
-              <a:t>know</a:t>
-            </a:r>
-            <a:r>
-              <a:rPr lang="en-GB" sz="1200" b="0" i="0" kern="1200" dirty="0" smtClean="0">
-                <a:solidFill>
-                  <a:schemeClr val="tx1"/>
-                </a:solidFill>
-                <a:latin typeface="+mn-lt"/>
-                <a:ea typeface="+mn-ea"/>
-                <a:cs typeface="+mn-cs"/>
-              </a:rPr>
-              <a:t> within 90 seconds that your changes had broken nothing, </a:t>
-            </a:r>
-            <a:r>
-              <a:rPr lang="en-GB" sz="1200" b="0" i="1" kern="1200" dirty="0" smtClean="0">
-                <a:solidFill>
-                  <a:schemeClr val="tx1"/>
-                </a:solidFill>
-                <a:latin typeface="+mn-lt"/>
-                <a:ea typeface="+mn-ea"/>
-                <a:cs typeface="+mn-cs"/>
-              </a:rPr>
-              <a:t>and had only done good?</a:t>
-            </a:r>
-            <a:endParaRPr lang="en-GB" sz="1200" b="0" i="0" kern="1200" dirty="0" smtClean="0">
-              <a:solidFill>
-                <a:schemeClr val="tx1"/>
-              </a:solidFill>
-              <a:latin typeface="+mn-lt"/>
-              <a:ea typeface="+mn-ea"/>
-              <a:cs typeface="+mn-cs"/>
-            </a:endParaRPr>
-          </a:p>
-          <a:p>
-            <a:r>
-              <a:rPr lang="en-GB" sz="1200" b="0" i="0" kern="1200" dirty="0" smtClean="0">
-                <a:solidFill>
-                  <a:schemeClr val="tx1"/>
-                </a:solidFill>
-                <a:latin typeface="+mn-lt"/>
-                <a:ea typeface="+mn-ea"/>
-                <a:cs typeface="+mn-cs"/>
-              </a:rPr>
-              <a:t>This is one of the most powerful benefits of TDD. When you have a suite of tests that you trust, then you lose all fear of making changes. When you see bad code, you simply clean it on the spot. The code becomes clay that you can safely sculpt into simple and pleasing structures.</a:t>
-            </a:r>
-          </a:p>
-          <a:p>
-            <a:r>
-              <a:rPr lang="en-GB" sz="1200" b="0" i="0" kern="1200" dirty="0" smtClean="0">
-                <a:solidFill>
-                  <a:schemeClr val="tx1"/>
-                </a:solidFill>
-                <a:latin typeface="+mn-lt"/>
-                <a:ea typeface="+mn-ea"/>
-                <a:cs typeface="+mn-cs"/>
-              </a:rPr>
-              <a:t>When programmers lose the fear of cleaning, they clean! And clean code is easier to understand, easier to change, and easier to extend. Defects become even less likely because the code gets simpler. And the code base steadily </a:t>
-            </a:r>
-            <a:r>
-              <a:rPr lang="en-GB" sz="1200" b="0" i="1" kern="1200" dirty="0" smtClean="0">
-                <a:solidFill>
-                  <a:schemeClr val="tx1"/>
-                </a:solidFill>
-                <a:latin typeface="+mn-lt"/>
-                <a:ea typeface="+mn-ea"/>
-                <a:cs typeface="+mn-cs"/>
-              </a:rPr>
-              <a:t>improves</a:t>
-            </a:r>
-            <a:r>
-              <a:rPr lang="en-GB" sz="1200" b="0" i="0" kern="1200" dirty="0" smtClean="0">
-                <a:solidFill>
-                  <a:schemeClr val="tx1"/>
-                </a:solidFill>
-                <a:latin typeface="+mn-lt"/>
-                <a:ea typeface="+mn-ea"/>
-                <a:cs typeface="+mn-cs"/>
-              </a:rPr>
-              <a:t> instead of the normal rotting that our industry has become used to.</a:t>
-            </a:r>
-          </a:p>
-          <a:p>
-            <a:r>
-              <a:rPr lang="en-GB" sz="1200" b="0" i="0" kern="1200" dirty="0" smtClean="0">
-                <a:solidFill>
-                  <a:schemeClr val="tx1"/>
-                </a:solidFill>
-                <a:latin typeface="+mn-lt"/>
-                <a:ea typeface="+mn-ea"/>
-                <a:cs typeface="+mn-cs"/>
-              </a:rPr>
-              <a:t>What professional programmer would allow the rotting to continue?</a:t>
-            </a:r>
-          </a:p>
-          <a:p>
-            <a:endParaRPr lang="en-GB" dirty="0" smtClean="0"/>
-          </a:p>
-          <a:p>
-            <a:endParaRPr lang="en-US" dirty="0"/>
-          </a:p>
-        </p:txBody>
-      </p:sp>
-      <p:sp>
-        <p:nvSpPr>
-          <p:cNvPr id="4" name="Slide Number Placeholder 3"/>
-          <p:cNvSpPr>
-            <a:spLocks noGrp="1"/>
-          </p:cNvSpPr>
-          <p:nvPr>
-            <p:ph type="sldNum" sz="quarter" idx="10"/>
-          </p:nvPr>
-        </p:nvSpPr>
-        <p:spPr/>
-        <p:txBody>
-          <a:bodyPr/>
-          <a:lstStyle/>
-          <a:p>
-            <a:fld id="{3F54E12A-92D0-47AC-AF21-2897E92B62D5}" type="slidenum">
-              <a:rPr lang="en-US" smtClean="0"/>
-              <a:t>7</a:t>
-            </a:fld>
-            <a:endParaRPr lang="en-US"/>
-          </a:p>
-        </p:txBody>
-      </p:sp>
-    </p:spTree>
-    <p:extLst>
-      <p:ext uri="{BB962C8B-B14F-4D97-AF65-F5344CB8AC3E}">
-        <p14:creationId xmlns:p14="http://schemas.microsoft.com/office/powerpoint/2010/main" val="2660930273"/>
       </p:ext>
     </p:extLst>
   </p:cSld>
@@ -8273,22 +8459,6 @@
           <a:lstStyle/>
           <a:p>
             <a:r>
-              <a:rPr lang="en-US" dirty="0" smtClean="0"/>
-              <a:t>You should be able to delete all your code and rebuild it using</a:t>
-            </a:r>
-            <a:r>
-              <a:rPr lang="en-US" baseline="0" dirty="0" smtClean="0"/>
-              <a:t> understanding of your tests .  </a:t>
-            </a:r>
-          </a:p>
-          <a:p>
-            <a:endParaRPr lang="en-US" baseline="0" dirty="0" smtClean="0"/>
-          </a:p>
-          <a:p>
-            <a:endParaRPr lang="en-US" baseline="0" dirty="0" smtClean="0"/>
-          </a:p>
-          <a:p>
-            <a:r>
               <a:rPr lang="en-GB" sz="1200" b="0" i="0" kern="1200" dirty="0" smtClean="0">
                 <a:solidFill>
                   <a:schemeClr val="tx1"/>
@@ -8297,19 +8467,10 @@
                 <a:ea typeface="+mn-ea"/>
                 <a:cs typeface="+mn-cs"/>
               </a:rPr>
-              <a:t>Have you ever used a third-party framework? Often the third party will send you a nicely formatted manual written by tech writers. The typical manual employs 27 eight-by-ten </a:t>
-            </a:r>
-            <a:r>
-              <a:rPr lang="en-GB" sz="1200" b="0" i="0" kern="1200" dirty="0" err="1" smtClean="0">
-                <a:solidFill>
-                  <a:schemeClr val="tx1"/>
-                </a:solidFill>
-                <a:latin typeface="+mn-lt"/>
-                <a:ea typeface="+mn-ea"/>
-                <a:cs typeface="+mn-cs"/>
-              </a:rPr>
-              <a:t>color</a:t>
-            </a:r>
+              <a:t>Why don’t you fix bad code when you see it? Your first reaction upon seeing a messy function is “This is a mess, it needs to be cleaned.” Your second reaction is “I’m not touching it!” Why? Because you know that if you touch it you risk breaking it; and if you break it, it becomes yours.</a:t>
+            </a:r>
+          </a:p>
+          <a:p>
             <a:r>
               <a:rPr lang="en-GB" sz="1200" b="0" i="0" kern="1200" dirty="0" smtClean="0">
                 <a:solidFill>
@@ -8319,10 +8480,19 @@
                 <a:ea typeface="+mn-ea"/>
                 <a:cs typeface="+mn-cs"/>
               </a:rPr>
-              <a:t> glossy photographs with circles and arrows and a paragraph on the back of each one explaining how to configure, deploy, manipulate, and otherwise use that framework. At the back, in the appendix, there’s often an ugly little section that contains all the code examples.</a:t>
-            </a:r>
-          </a:p>
-          <a:p>
+              <a:t>But what if you could be </a:t>
+            </a:r>
+            <a:r>
+              <a:rPr lang="en-GB" sz="1200" b="0" i="1" kern="1200" dirty="0" smtClean="0">
+                <a:solidFill>
+                  <a:schemeClr val="tx1"/>
+                </a:solidFill>
+                <a:latin typeface="+mn-lt"/>
+                <a:ea typeface="+mn-ea"/>
+                <a:cs typeface="+mn-cs"/>
+              </a:rPr>
+              <a:t>sure</a:t>
+            </a:r>
             <a:r>
               <a:rPr lang="en-GB" sz="1200" b="0" i="0" kern="1200" dirty="0" smtClean="0">
                 <a:solidFill>
@@ -8332,10 +8502,10 @@
                 <a:ea typeface="+mn-ea"/>
                 <a:cs typeface="+mn-cs"/>
               </a:rPr>
-              <a:t>Where’s the first place you go in that manual? If you are a programmer, you go to the code examples. You go to the code because you know the code will tell you the truth. The 27 eight-by-ten </a:t>
-            </a:r>
-            <a:r>
-              <a:rPr lang="en-GB" sz="1200" b="0" i="0" kern="1200" dirty="0" err="1" smtClean="0">
+              <a:t> that your cleaning did not break anything? What if you had the kind of certainty that I just mentioned? What if you could click a button and </a:t>
+            </a:r>
+            <a:r>
+              <a:rPr lang="en-GB" sz="1200" b="0" i="1" kern="1200" dirty="0" smtClean="0">
                 <a:solidFill>
                   <a:schemeClr val="tx1"/>
                 </a:solidFill>
@@ -8343,7 +8513,7 @@
                 <a:ea typeface="+mn-ea"/>
                 <a:cs typeface="+mn-cs"/>
               </a:rPr>
-              <a:t>color</a:t>
+              <a:t>know</a:t>
             </a:r>
             <a:r>
               <a:rPr lang="en-GB" sz="1200" b="0" i="0" kern="1200" dirty="0" smtClean="0">
@@ -8354,8 +8524,27 @@
                 <a:ea typeface="+mn-ea"/>
                 <a:cs typeface="+mn-cs"/>
               </a:rPr>
-              <a:t> glossy photographs with circles and arrows and a paragraph on the back might be pretty, but if you want to know how to use code you need to read code.</a:t>
-            </a:r>
+              <a:t> within 90 seconds that your changes had broken nothing, </a:t>
+            </a:r>
+            <a:r>
+              <a:rPr lang="en-GB" sz="1200" b="0" i="1" kern="1200" dirty="0" smtClean="0">
+                <a:solidFill>
+                  <a:schemeClr val="tx1"/>
+                </a:solidFill>
+                <a:latin typeface="+mn-lt"/>
+                <a:ea typeface="+mn-ea"/>
+                <a:cs typeface="+mn-cs"/>
+              </a:rPr>
+              <a:t>and had only done good?</a:t>
+            </a:r>
+            <a:endParaRPr lang="en-GB" sz="1200" b="0" i="0" kern="1200" dirty="0" smtClean="0">
+              <a:solidFill>
+                <a:schemeClr val="tx1"/>
+              </a:solidFill>
+              <a:latin typeface="+mn-lt"/>
+              <a:ea typeface="+mn-ea"/>
+              <a:cs typeface="+mn-cs"/>
+            </a:endParaRPr>
           </a:p>
           <a:p>
             <a:r>
@@ -8367,7 +8556,7 @@
                 <a:ea typeface="+mn-ea"/>
                 <a:cs typeface="+mn-cs"/>
               </a:rPr>
-              <a:t>Each of the unit tests you write when you follow the three laws is an example, written in code, describing how the system should be used. If you follow the three laws, then there will be a unit test that describes how to create every object in the system, every way that those objects can be created. </a:t>
+              <a:t>This is one of the most powerful benefits of TDD. When you have a suite of tests that you trust, then you lose all fear of making changes. When you see bad code, you simply clean it on the spot. The code becomes clay that you can safely sculpt into simple and pleasing structures.</a:t>
             </a:r>
           </a:p>
           <a:p>
@@ -8380,10 +8569,19 @@
                 <a:ea typeface="+mn-ea"/>
                 <a:cs typeface="+mn-cs"/>
               </a:rPr>
-              <a:t>There will be a unit test that describes how to call every function in the system every way that those functions can meaningfully be called. For anything you need to know how to do, there will be a unit test that describes it in detail.</a:t>
-            </a:r>
-          </a:p>
-          <a:p>
+              <a:t>When programmers lose the fear of cleaning, they clean! And clean code is easier to understand, easier to change, and easier to extend. Defects become even less likely because the code gets simpler. And the code base steadily </a:t>
+            </a:r>
+            <a:r>
+              <a:rPr lang="en-GB" sz="1200" b="0" i="1" kern="1200" dirty="0" smtClean="0">
+                <a:solidFill>
+                  <a:schemeClr val="tx1"/>
+                </a:solidFill>
+                <a:latin typeface="+mn-lt"/>
+                <a:ea typeface="+mn-ea"/>
+                <a:cs typeface="+mn-cs"/>
+              </a:rPr>
+              <a:t>improves</a:t>
+            </a:r>
             <a:r>
               <a:rPr lang="en-GB" sz="1200" b="0" i="0" kern="1200" dirty="0" smtClean="0">
                 <a:solidFill>
@@ -8393,7 +8591,20 @@
                 <a:ea typeface="+mn-ea"/>
                 <a:cs typeface="+mn-cs"/>
               </a:rPr>
-              <a:t>The unit tests are documents. They describe the lowest-level design of the system. They are unambiguous, accurate, written in a language that the audience understands, and are so formal that they execute. They are the best kind of low-level documentation that can exist. What professional would not provide such documentation?</a:t>
+              <a:t> instead of the normal rotting that our industry has become used to.</a:t>
+            </a:r>
+          </a:p>
+          <a:p>
+            <a:r>
+              <a:rPr lang="en-GB" sz="1200" b="0" i="0" kern="1200" dirty="0" smtClean="0">
+                <a:solidFill>
+                  <a:schemeClr val="tx1"/>
+                </a:solidFill>
+                <a:latin typeface="+mn-lt"/>
+                <a:ea typeface="+mn-ea"/>
+                <a:cs typeface="+mn-cs"/>
+              </a:rPr>
+              <a:t>What professional programmer would allow the rotting to continue?</a:t>
             </a:r>
           </a:p>
           <a:p>
@@ -8421,7 +8632,7 @@
           <a:p>
             <a:fld id="{3F54E12A-92D0-47AC-AF21-2897E92B62D5}" type="slidenum">
               <a:rPr lang="en-US" smtClean="0"/>
-              <a:t>11</a:t>
+              <a:t>8</a:t>
             </a:fld>
             <a:endParaRPr lang="en-US"/>
           </a:p>
@@ -8430,7 +8641,7 @@
     </p:spTree>
     <p:extLst>
       <p:ext uri="{BB962C8B-B14F-4D97-AF65-F5344CB8AC3E}">
-        <p14:creationId xmlns:p14="http://schemas.microsoft.com/office/powerpoint/2010/main" val="1622022581"/>
+        <p14:creationId xmlns:p14="http://schemas.microsoft.com/office/powerpoint/2010/main" val="2749804058"/>
       </p:ext>
     </p:extLst>
   </p:cSld>
@@ -8485,15 +8696,158 @@
           <a:lstStyle/>
           <a:p>
             <a:r>
-              <a:rPr lang="en-US" dirty="0" smtClean="0"/>
-              <a:t>but with differences in style since the two types of code serve different purposes. Test code should describe what the production code does. </a:t>
-            </a:r>
-          </a:p>
-          <a:p>
-            <a:r>
-              <a:rPr lang="en-US" dirty="0" smtClean="0"/>
-              <a:t>That means that it tends to be concrete about the values it uses as examples of what results to expect, but abstract about how the code works</a:t>
-            </a:r>
+              <a:rPr lang="en-GB" sz="1200" b="0" i="0" kern="1200" dirty="0" smtClean="0">
+                <a:solidFill>
+                  <a:schemeClr val="tx1"/>
+                </a:solidFill>
+                <a:latin typeface="+mn-lt"/>
+                <a:ea typeface="+mn-ea"/>
+                <a:cs typeface="+mn-cs"/>
+              </a:rPr>
+              <a:t>Why don’t you fix bad code when you see it? Your first reaction upon seeing a messy function is “This is a mess, it needs to be cleaned.” Your second reaction is “I’m not touching it!” Why? Because you know that if you touch it you risk breaking it; and if you break it, it becomes yours.</a:t>
+            </a:r>
+          </a:p>
+          <a:p>
+            <a:r>
+              <a:rPr lang="en-GB" sz="1200" b="0" i="0" kern="1200" dirty="0" smtClean="0">
+                <a:solidFill>
+                  <a:schemeClr val="tx1"/>
+                </a:solidFill>
+                <a:latin typeface="+mn-lt"/>
+                <a:ea typeface="+mn-ea"/>
+                <a:cs typeface="+mn-cs"/>
+              </a:rPr>
+              <a:t>But what if you could be </a:t>
+            </a:r>
+            <a:r>
+              <a:rPr lang="en-GB" sz="1200" b="0" i="1" kern="1200" dirty="0" smtClean="0">
+                <a:solidFill>
+                  <a:schemeClr val="tx1"/>
+                </a:solidFill>
+                <a:latin typeface="+mn-lt"/>
+                <a:ea typeface="+mn-ea"/>
+                <a:cs typeface="+mn-cs"/>
+              </a:rPr>
+              <a:t>sure</a:t>
+            </a:r>
+            <a:r>
+              <a:rPr lang="en-GB" sz="1200" b="0" i="0" kern="1200" dirty="0" smtClean="0">
+                <a:solidFill>
+                  <a:schemeClr val="tx1"/>
+                </a:solidFill>
+                <a:latin typeface="+mn-lt"/>
+                <a:ea typeface="+mn-ea"/>
+                <a:cs typeface="+mn-cs"/>
+              </a:rPr>
+              <a:t> that your cleaning did not break anything? What if you had the kind of certainty that I just mentioned? What if you could click a button and </a:t>
+            </a:r>
+            <a:r>
+              <a:rPr lang="en-GB" sz="1200" b="0" i="1" kern="1200" dirty="0" smtClean="0">
+                <a:solidFill>
+                  <a:schemeClr val="tx1"/>
+                </a:solidFill>
+                <a:latin typeface="+mn-lt"/>
+                <a:ea typeface="+mn-ea"/>
+                <a:cs typeface="+mn-cs"/>
+              </a:rPr>
+              <a:t>know</a:t>
+            </a:r>
+            <a:r>
+              <a:rPr lang="en-GB" sz="1200" b="0" i="0" kern="1200" dirty="0" smtClean="0">
+                <a:solidFill>
+                  <a:schemeClr val="tx1"/>
+                </a:solidFill>
+                <a:latin typeface="+mn-lt"/>
+                <a:ea typeface="+mn-ea"/>
+                <a:cs typeface="+mn-cs"/>
+              </a:rPr>
+              <a:t> within 90 seconds that your changes had broken nothing, </a:t>
+            </a:r>
+            <a:r>
+              <a:rPr lang="en-GB" sz="1200" b="0" i="1" kern="1200" dirty="0" smtClean="0">
+                <a:solidFill>
+                  <a:schemeClr val="tx1"/>
+                </a:solidFill>
+                <a:latin typeface="+mn-lt"/>
+                <a:ea typeface="+mn-ea"/>
+                <a:cs typeface="+mn-cs"/>
+              </a:rPr>
+              <a:t>and had only done good?</a:t>
+            </a:r>
+            <a:endParaRPr lang="en-GB" sz="1200" b="0" i="0" kern="1200" dirty="0" smtClean="0">
+              <a:solidFill>
+                <a:schemeClr val="tx1"/>
+              </a:solidFill>
+              <a:latin typeface="+mn-lt"/>
+              <a:ea typeface="+mn-ea"/>
+              <a:cs typeface="+mn-cs"/>
+            </a:endParaRPr>
+          </a:p>
+          <a:p>
+            <a:r>
+              <a:rPr lang="en-GB" sz="1200" b="0" i="0" kern="1200" dirty="0" smtClean="0">
+                <a:solidFill>
+                  <a:schemeClr val="tx1"/>
+                </a:solidFill>
+                <a:latin typeface="+mn-lt"/>
+                <a:ea typeface="+mn-ea"/>
+                <a:cs typeface="+mn-cs"/>
+              </a:rPr>
+              <a:t>This is one of the most powerful benefits of TDD. When you have a suite of tests that you trust, then you lose all fear of making changes. When you see bad code, you simply clean it on the spot. The code becomes clay that you can safely sculpt into simple and pleasing structures.</a:t>
+            </a:r>
+          </a:p>
+          <a:p>
+            <a:r>
+              <a:rPr lang="en-GB" sz="1200" b="0" i="0" kern="1200" dirty="0" smtClean="0">
+                <a:solidFill>
+                  <a:schemeClr val="tx1"/>
+                </a:solidFill>
+                <a:latin typeface="+mn-lt"/>
+                <a:ea typeface="+mn-ea"/>
+                <a:cs typeface="+mn-cs"/>
+              </a:rPr>
+              <a:t>When programmers lose the fear of cleaning, they clean! And clean code is easier to understand, easier to change, and easier to extend. Defects become even less likely because the code gets simpler. And the code base steadily </a:t>
+            </a:r>
+            <a:r>
+              <a:rPr lang="en-GB" sz="1200" b="0" i="1" kern="1200" dirty="0" smtClean="0">
+                <a:solidFill>
+                  <a:schemeClr val="tx1"/>
+                </a:solidFill>
+                <a:latin typeface="+mn-lt"/>
+                <a:ea typeface="+mn-ea"/>
+                <a:cs typeface="+mn-cs"/>
+              </a:rPr>
+              <a:t>improves</a:t>
+            </a:r>
+            <a:r>
+              <a:rPr lang="en-GB" sz="1200" b="0" i="0" kern="1200" dirty="0" smtClean="0">
+                <a:solidFill>
+                  <a:schemeClr val="tx1"/>
+                </a:solidFill>
+                <a:latin typeface="+mn-lt"/>
+                <a:ea typeface="+mn-ea"/>
+                <a:cs typeface="+mn-cs"/>
+              </a:rPr>
+              <a:t> instead of the normal rotting that our industry has become used to.</a:t>
+            </a:r>
+          </a:p>
+          <a:p>
+            <a:r>
+              <a:rPr lang="en-GB" sz="1200" b="0" i="0" kern="1200" dirty="0" smtClean="0">
+                <a:solidFill>
+                  <a:schemeClr val="tx1"/>
+                </a:solidFill>
+                <a:latin typeface="+mn-lt"/>
+                <a:ea typeface="+mn-ea"/>
+                <a:cs typeface="+mn-cs"/>
+              </a:rPr>
+              <a:t>What professional programmer would allow the rotting to continue?</a:t>
+            </a:r>
+          </a:p>
+          <a:p>
+            <a:endParaRPr lang="en-GB" dirty="0" smtClean="0"/>
+          </a:p>
+          <a:p>
             <a:endParaRPr lang="en-US" dirty="0"/>
           </a:p>
         </p:txBody>
@@ -8513,10 +8867,9 @@
           <a:bodyPr/>
           <a:lstStyle/>
           <a:p>
-            <a:fld id="{5783D7AA-6A74-42C9-8D9C-C1060C84B8E4}" type="slidenum">
+            <a:fld id="{3F54E12A-92D0-47AC-AF21-2897E92B62D5}" type="slidenum">
               <a:rPr lang="en-US" smtClean="0"/>
-              <a:pPr/>
-              <a:t>13</a:t>
+              <a:t>9</a:t>
             </a:fld>
             <a:endParaRPr lang="en-US"/>
           </a:p>
@@ -8525,7 +8878,7 @@
     </p:spTree>
     <p:extLst>
       <p:ext uri="{BB962C8B-B14F-4D97-AF65-F5344CB8AC3E}">
-        <p14:creationId xmlns:p14="http://schemas.microsoft.com/office/powerpoint/2010/main" val="3325138787"/>
+        <p14:creationId xmlns:p14="http://schemas.microsoft.com/office/powerpoint/2010/main" val="2660930273"/>
       </p:ext>
     </p:extLst>
   </p:cSld>
@@ -8579,6 +8932,134 @@
           <a:bodyPr/>
           <a:lstStyle/>
           <a:p>
+            <a:r>
+              <a:rPr lang="en-US" dirty="0" smtClean="0"/>
+              <a:t>You should be able to delete all your code and rebuild it using</a:t>
+            </a:r>
+            <a:r>
+              <a:rPr lang="en-US" baseline="0" dirty="0" smtClean="0"/>
+              <a:t> understanding of your tests .  </a:t>
+            </a:r>
+          </a:p>
+          <a:p>
+            <a:endParaRPr lang="en-US" baseline="0" dirty="0" smtClean="0"/>
+          </a:p>
+          <a:p>
+            <a:endParaRPr lang="en-US" baseline="0" dirty="0" smtClean="0"/>
+          </a:p>
+          <a:p>
+            <a:r>
+              <a:rPr lang="en-GB" sz="1200" b="0" i="0" kern="1200" dirty="0" smtClean="0">
+                <a:solidFill>
+                  <a:schemeClr val="tx1"/>
+                </a:solidFill>
+                <a:latin typeface="+mn-lt"/>
+                <a:ea typeface="+mn-ea"/>
+                <a:cs typeface="+mn-cs"/>
+              </a:rPr>
+              <a:t>Have you ever used a third-party framework? Often the third party will send you a nicely formatted manual written by tech writers. The typical manual employs 27 eight-by-ten </a:t>
+            </a:r>
+            <a:r>
+              <a:rPr lang="en-GB" sz="1200" b="0" i="0" kern="1200" dirty="0" err="1" smtClean="0">
+                <a:solidFill>
+                  <a:schemeClr val="tx1"/>
+                </a:solidFill>
+                <a:latin typeface="+mn-lt"/>
+                <a:ea typeface="+mn-ea"/>
+                <a:cs typeface="+mn-cs"/>
+              </a:rPr>
+              <a:t>color</a:t>
+            </a:r>
+            <a:r>
+              <a:rPr lang="en-GB" sz="1200" b="0" i="0" kern="1200" dirty="0" smtClean="0">
+                <a:solidFill>
+                  <a:schemeClr val="tx1"/>
+                </a:solidFill>
+                <a:latin typeface="+mn-lt"/>
+                <a:ea typeface="+mn-ea"/>
+                <a:cs typeface="+mn-cs"/>
+              </a:rPr>
+              <a:t> glossy photographs with circles and arrows and a paragraph on the back of each one explaining how to configure, deploy, manipulate, and otherwise use that framework. At the back, in the appendix, there’s often an ugly little section that contains all the code examples.</a:t>
+            </a:r>
+          </a:p>
+          <a:p>
+            <a:r>
+              <a:rPr lang="en-GB" sz="1200" b="0" i="0" kern="1200" dirty="0" smtClean="0">
+                <a:solidFill>
+                  <a:schemeClr val="tx1"/>
+                </a:solidFill>
+                <a:latin typeface="+mn-lt"/>
+                <a:ea typeface="+mn-ea"/>
+                <a:cs typeface="+mn-cs"/>
+              </a:rPr>
+              <a:t>Where’s the first place you go in that manual? If you are a programmer, you go to the code examples. You go to the code because you know the code will tell you the truth. The 27 eight-by-ten </a:t>
+            </a:r>
+            <a:r>
+              <a:rPr lang="en-GB" sz="1200" b="0" i="0" kern="1200" dirty="0" err="1" smtClean="0">
+                <a:solidFill>
+                  <a:schemeClr val="tx1"/>
+                </a:solidFill>
+                <a:latin typeface="+mn-lt"/>
+                <a:ea typeface="+mn-ea"/>
+                <a:cs typeface="+mn-cs"/>
+              </a:rPr>
+              <a:t>color</a:t>
+            </a:r>
+            <a:r>
+              <a:rPr lang="en-GB" sz="1200" b="0" i="0" kern="1200" dirty="0" smtClean="0">
+                <a:solidFill>
+                  <a:schemeClr val="tx1"/>
+                </a:solidFill>
+                <a:latin typeface="+mn-lt"/>
+                <a:ea typeface="+mn-ea"/>
+                <a:cs typeface="+mn-cs"/>
+              </a:rPr>
+              <a:t> glossy photographs with circles and arrows and a paragraph on the back might be pretty, but if you want to know how to use code you need to read code.</a:t>
+            </a:r>
+          </a:p>
+          <a:p>
+            <a:r>
+              <a:rPr lang="en-GB" sz="1200" b="0" i="0" kern="1200" dirty="0" smtClean="0">
+                <a:solidFill>
+                  <a:schemeClr val="tx1"/>
+                </a:solidFill>
+                <a:latin typeface="+mn-lt"/>
+                <a:ea typeface="+mn-ea"/>
+                <a:cs typeface="+mn-cs"/>
+              </a:rPr>
+              <a:t>Each of the unit tests you write when you follow the three laws is an example, written in code, describing how the system should be used. If you follow the three laws, then there will be a unit test that describes how to create every object in the system, every way that those objects can be created. </a:t>
+            </a:r>
+          </a:p>
+          <a:p>
+            <a:r>
+              <a:rPr lang="en-GB" sz="1200" b="0" i="0" kern="1200" dirty="0" smtClean="0">
+                <a:solidFill>
+                  <a:schemeClr val="tx1"/>
+                </a:solidFill>
+                <a:latin typeface="+mn-lt"/>
+                <a:ea typeface="+mn-ea"/>
+                <a:cs typeface="+mn-cs"/>
+              </a:rPr>
+              <a:t>There will be a unit test that describes how to call every function in the system every way that those functions can meaningfully be called. For anything you need to know how to do, there will be a unit test that describes it in detail.</a:t>
+            </a:r>
+          </a:p>
+          <a:p>
+            <a:r>
+              <a:rPr lang="en-GB" sz="1200" b="0" i="0" kern="1200" dirty="0" smtClean="0">
+                <a:solidFill>
+                  <a:schemeClr val="tx1"/>
+                </a:solidFill>
+                <a:latin typeface="+mn-lt"/>
+                <a:ea typeface="+mn-ea"/>
+                <a:cs typeface="+mn-cs"/>
+              </a:rPr>
+              <a:t>The unit tests are documents. They describe the lowest-level design of the system. They are unambiguous, accurate, written in a language that the audience understands, and are so formal that they execute. They are the best kind of low-level documentation that can exist. What professional would not provide such documentation?</a:t>
+            </a:r>
+          </a:p>
+          <a:p>
+            <a:endParaRPr lang="en-GB" dirty="0" smtClean="0"/>
+          </a:p>
+          <a:p>
             <a:endParaRPr lang="en-US" dirty="0"/>
           </a:p>
         </p:txBody>
@@ -8600,7 +9081,7 @@
           <a:p>
             <a:fld id="{3F54E12A-92D0-47AC-AF21-2897E92B62D5}" type="slidenum">
               <a:rPr lang="en-US" smtClean="0"/>
-              <a:t>14</a:t>
+              <a:t>13</a:t>
             </a:fld>
             <a:endParaRPr lang="en-US"/>
           </a:p>
@@ -8609,7 +9090,7 @@
     </p:spTree>
     <p:extLst>
       <p:ext uri="{BB962C8B-B14F-4D97-AF65-F5344CB8AC3E}">
-        <p14:creationId xmlns:p14="http://schemas.microsoft.com/office/powerpoint/2010/main" val="215176802"/>
+        <p14:creationId xmlns:p14="http://schemas.microsoft.com/office/powerpoint/2010/main" val="3141489150"/>
       </p:ext>
     </p:extLst>
   </p:cSld>
@@ -8663,6 +9144,134 @@
           <a:bodyPr/>
           <a:lstStyle/>
           <a:p>
+            <a:r>
+              <a:rPr lang="en-US" dirty="0" smtClean="0"/>
+              <a:t>You should be able to delete all your code and rebuild it using</a:t>
+            </a:r>
+            <a:r>
+              <a:rPr lang="en-US" baseline="0" dirty="0" smtClean="0"/>
+              <a:t> understanding of your tests .  </a:t>
+            </a:r>
+          </a:p>
+          <a:p>
+            <a:endParaRPr lang="en-US" baseline="0" dirty="0" smtClean="0"/>
+          </a:p>
+          <a:p>
+            <a:endParaRPr lang="en-US" baseline="0" dirty="0" smtClean="0"/>
+          </a:p>
+          <a:p>
+            <a:r>
+              <a:rPr lang="en-GB" sz="1200" b="0" i="0" kern="1200" dirty="0" smtClean="0">
+                <a:solidFill>
+                  <a:schemeClr val="tx1"/>
+                </a:solidFill>
+                <a:latin typeface="+mn-lt"/>
+                <a:ea typeface="+mn-ea"/>
+                <a:cs typeface="+mn-cs"/>
+              </a:rPr>
+              <a:t>Have you ever used a third-party framework? Often the third party will send you a nicely formatted manual written by tech writers. The typical manual employs 27 eight-by-ten </a:t>
+            </a:r>
+            <a:r>
+              <a:rPr lang="en-GB" sz="1200" b="0" i="0" kern="1200" dirty="0" err="1" smtClean="0">
+                <a:solidFill>
+                  <a:schemeClr val="tx1"/>
+                </a:solidFill>
+                <a:latin typeface="+mn-lt"/>
+                <a:ea typeface="+mn-ea"/>
+                <a:cs typeface="+mn-cs"/>
+              </a:rPr>
+              <a:t>color</a:t>
+            </a:r>
+            <a:r>
+              <a:rPr lang="en-GB" sz="1200" b="0" i="0" kern="1200" dirty="0" smtClean="0">
+                <a:solidFill>
+                  <a:schemeClr val="tx1"/>
+                </a:solidFill>
+                <a:latin typeface="+mn-lt"/>
+                <a:ea typeface="+mn-ea"/>
+                <a:cs typeface="+mn-cs"/>
+              </a:rPr>
+              <a:t> glossy photographs with circles and arrows and a paragraph on the back of each one explaining how to configure, deploy, manipulate, and otherwise use that framework. At the back, in the appendix, there’s often an ugly little section that contains all the code examples.</a:t>
+            </a:r>
+          </a:p>
+          <a:p>
+            <a:r>
+              <a:rPr lang="en-GB" sz="1200" b="0" i="0" kern="1200" dirty="0" smtClean="0">
+                <a:solidFill>
+                  <a:schemeClr val="tx1"/>
+                </a:solidFill>
+                <a:latin typeface="+mn-lt"/>
+                <a:ea typeface="+mn-ea"/>
+                <a:cs typeface="+mn-cs"/>
+              </a:rPr>
+              <a:t>Where’s the first place you go in that manual? If you are a programmer, you go to the code examples. You go to the code because you know the code will tell you the truth. The 27 eight-by-ten </a:t>
+            </a:r>
+            <a:r>
+              <a:rPr lang="en-GB" sz="1200" b="0" i="0" kern="1200" dirty="0" err="1" smtClean="0">
+                <a:solidFill>
+                  <a:schemeClr val="tx1"/>
+                </a:solidFill>
+                <a:latin typeface="+mn-lt"/>
+                <a:ea typeface="+mn-ea"/>
+                <a:cs typeface="+mn-cs"/>
+              </a:rPr>
+              <a:t>color</a:t>
+            </a:r>
+            <a:r>
+              <a:rPr lang="en-GB" sz="1200" b="0" i="0" kern="1200" dirty="0" smtClean="0">
+                <a:solidFill>
+                  <a:schemeClr val="tx1"/>
+                </a:solidFill>
+                <a:latin typeface="+mn-lt"/>
+                <a:ea typeface="+mn-ea"/>
+                <a:cs typeface="+mn-cs"/>
+              </a:rPr>
+              <a:t> glossy photographs with circles and arrows and a paragraph on the back might be pretty, but if you want to know how to use code you need to read code.</a:t>
+            </a:r>
+          </a:p>
+          <a:p>
+            <a:r>
+              <a:rPr lang="en-GB" sz="1200" b="0" i="0" kern="1200" dirty="0" smtClean="0">
+                <a:solidFill>
+                  <a:schemeClr val="tx1"/>
+                </a:solidFill>
+                <a:latin typeface="+mn-lt"/>
+                <a:ea typeface="+mn-ea"/>
+                <a:cs typeface="+mn-cs"/>
+              </a:rPr>
+              <a:t>Each of the unit tests you write when you follow the three laws is an example, written in code, describing how the system should be used. If you follow the three laws, then there will be a unit test that describes how to create every object in the system, every way that those objects can be created. </a:t>
+            </a:r>
+          </a:p>
+          <a:p>
+            <a:r>
+              <a:rPr lang="en-GB" sz="1200" b="0" i="0" kern="1200" dirty="0" smtClean="0">
+                <a:solidFill>
+                  <a:schemeClr val="tx1"/>
+                </a:solidFill>
+                <a:latin typeface="+mn-lt"/>
+                <a:ea typeface="+mn-ea"/>
+                <a:cs typeface="+mn-cs"/>
+              </a:rPr>
+              <a:t>There will be a unit test that describes how to call every function in the system every way that those functions can meaningfully be called. For anything you need to know how to do, there will be a unit test that describes it in detail.</a:t>
+            </a:r>
+          </a:p>
+          <a:p>
+            <a:r>
+              <a:rPr lang="en-GB" sz="1200" b="0" i="0" kern="1200" dirty="0" smtClean="0">
+                <a:solidFill>
+                  <a:schemeClr val="tx1"/>
+                </a:solidFill>
+                <a:latin typeface="+mn-lt"/>
+                <a:ea typeface="+mn-ea"/>
+                <a:cs typeface="+mn-cs"/>
+              </a:rPr>
+              <a:t>The unit tests are documents. They describe the lowest-level design of the system. They are unambiguous, accurate, written in a language that the audience understands, and are so formal that they execute. They are the best kind of low-level documentation that can exist. What professional would not provide such documentation?</a:t>
+            </a:r>
+          </a:p>
+          <a:p>
+            <a:endParaRPr lang="en-GB" dirty="0" smtClean="0"/>
+          </a:p>
+          <a:p>
             <a:endParaRPr lang="en-US" dirty="0"/>
           </a:p>
         </p:txBody>
@@ -8684,7 +9293,7 @@
           <a:p>
             <a:fld id="{3F54E12A-92D0-47AC-AF21-2897E92B62D5}" type="slidenum">
               <a:rPr lang="en-US" smtClean="0"/>
-              <a:t>16</a:t>
+              <a:t>14</a:t>
             </a:fld>
             <a:endParaRPr lang="en-US"/>
           </a:p>
@@ -8693,7 +9302,7 @@
     </p:spTree>
     <p:extLst>
       <p:ext uri="{BB962C8B-B14F-4D97-AF65-F5344CB8AC3E}">
-        <p14:creationId xmlns:p14="http://schemas.microsoft.com/office/powerpoint/2010/main" val="1661438567"/>
+        <p14:creationId xmlns:p14="http://schemas.microsoft.com/office/powerpoint/2010/main" val="1622022581"/>
       </p:ext>
     </p:extLst>
   </p:cSld>
@@ -17724,7 +18333,7 @@
           <a:graphicData uri="http://schemas.openxmlformats.org/presentationml/2006/ole">
             <mc:AlternateContent xmlns:mc="http://schemas.openxmlformats.org/markup-compatibility/2006">
               <mc:Choice xmlns:v="urn:schemas-microsoft-com:vml" Requires="v">
-                <p:oleObj spid="_x0000_s2511" name="think-cell Slide" r:id="rId57" imgW="270" imgH="270" progId="TCLayout.ActiveDocument.1">
+                <p:oleObj spid="_x0000_s2535" name="think-cell Slide" r:id="rId57" imgW="270" imgH="270" progId="TCLayout.ActiveDocument.1">
                   <p:embed/>
                 </p:oleObj>
               </mc:Choice>
@@ -19890,16 +20499,21 @@
             <p:ph type="ctrTitle"/>
           </p:nvPr>
         </p:nvSpPr>
-        <p:spPr/>
+        <p:spPr>
+          <a:xfrm>
+            <a:off x="1524794" y="1628800"/>
+            <a:ext cx="9148763" cy="2387600"/>
+          </a:xfrm>
+        </p:spPr>
         <p:txBody>
           <a:bodyPr/>
           <a:lstStyle/>
           <a:p>
             <a:r>
-              <a:rPr lang="en-US" dirty="0" smtClean="0"/>
+              <a:rPr lang="en-US" sz="4400" dirty="0" smtClean="0"/>
               <a:t>Test driven development</a:t>
             </a:r>
-            <a:endParaRPr lang="en-US" dirty="0"/>
+            <a:endParaRPr lang="en-US" sz="4400" dirty="0"/>
           </a:p>
         </p:txBody>
       </p:sp>
@@ -19996,12 +20610,6 @@
               </a:rPr>
               <a:t>Unrestricted</a:t>
             </a:r>
-            <a:endParaRPr lang="en-US" sz="1000">
-              <a:solidFill>
-                <a:srgbClr val="000000"/>
-              </a:solidFill>
-              <a:latin typeface="Arial" panose="020B0604020202020204" pitchFamily="34" charset="0"/>
-            </a:endParaRPr>
           </a:p>
         </p:txBody>
       </p:sp>
@@ -20015,6 +20623,13 @@
   <p:clrMapOvr>
     <a:masterClrMapping/>
   </p:clrMapOvr>
+  <p:timing>
+    <p:tnLst>
+      <p:par>
+        <p:cTn id="1" dur="indefinite" restart="never" nodeType="tmRoot"/>
+      </p:par>
+    </p:tnLst>
+  </p:timing>
 </p:sld>
 </file>
 
@@ -20050,10 +20665,7 @@
           <a:bodyPr/>
           <a:lstStyle/>
           <a:p>
-            <a:r>
-              <a:rPr lang="en-US" dirty="0"/>
-              <a:t>continuous delivery</a:t>
-            </a:r>
+            <a:endParaRPr lang="en-US" dirty="0"/>
           </a:p>
         </p:txBody>
       </p:sp>
@@ -20069,112 +20681,34 @@
         </p:nvSpPr>
         <p:spPr/>
         <p:txBody>
-          <a:bodyPr/>
+          <a:bodyPr anchor="ctr" anchorCtr="1"/>
           <a:lstStyle/>
           <a:p>
-            <a:pPr>
-              <a:buNone/>
-            </a:pPr>
-            <a:r>
-              <a:rPr lang="en-US" dirty="0"/>
-              <a:t> </a:t>
-            </a:r>
-            <a:r>
-              <a:rPr lang="en-US" dirty="0" smtClean="0"/>
-              <a:t> </a:t>
-            </a:r>
-            <a:r>
-              <a:rPr lang="en-US" b="1" dirty="0" smtClean="0"/>
-              <a:t>reduce</a:t>
-            </a:r>
-            <a:r>
-              <a:rPr lang="en-US" dirty="0" smtClean="0"/>
-              <a:t> </a:t>
-            </a:r>
-            <a:r>
-              <a:rPr lang="en-US" dirty="0"/>
-              <a:t>the </a:t>
-            </a:r>
-            <a:r>
-              <a:rPr lang="en-US" b="1" dirty="0"/>
-              <a:t>cost</a:t>
-            </a:r>
-            <a:r>
-              <a:rPr lang="en-US" dirty="0"/>
-              <a:t> , </a:t>
-            </a:r>
-            <a:r>
-              <a:rPr lang="en-US" b="1" dirty="0"/>
-              <a:t>time</a:t>
-            </a:r>
-            <a:r>
-              <a:rPr lang="en-US" dirty="0"/>
-              <a:t> , </a:t>
-            </a:r>
-            <a:r>
-              <a:rPr lang="en-US" b="1" dirty="0"/>
-              <a:t>and risk </a:t>
-            </a:r>
-            <a:r>
-              <a:rPr lang="en-US" dirty="0"/>
-              <a:t>of </a:t>
-            </a:r>
-            <a:r>
-              <a:rPr lang="en-US" dirty="0" smtClean="0"/>
-              <a:t> delivering </a:t>
-            </a:r>
-            <a:r>
-              <a:rPr lang="en-US" b="1" dirty="0"/>
-              <a:t>incremental changes </a:t>
-            </a:r>
-          </a:p>
-          <a:p>
-            <a:pPr>
-              <a:buNone/>
-            </a:pPr>
-            <a:r>
-              <a:rPr lang="en-US" b="1" dirty="0"/>
-              <a:t>  </a:t>
-            </a:r>
-            <a:r>
-              <a:rPr lang="en-US" dirty="0" smtClean="0"/>
-              <a:t>to </a:t>
-            </a:r>
-            <a:r>
-              <a:rPr lang="en-US" dirty="0"/>
-              <a:t>users</a:t>
-            </a:r>
-          </a:p>
-          <a:p>
-            <a:pPr>
-              <a:buNone/>
-            </a:pPr>
-            <a:r>
-              <a:rPr lang="en-US" dirty="0"/>
-              <a:t>	</a:t>
-            </a:r>
-          </a:p>
-          <a:p>
-            <a:pPr>
-              <a:buNone/>
-            </a:pPr>
-            <a:r>
-              <a:rPr lang="en-US" dirty="0"/>
-              <a:t>	</a:t>
-            </a:r>
+            <a:r>
+              <a:rPr lang="en-US" sz="2400" dirty="0"/>
+              <a:t>Continuous integration and Continuous delivery</a:t>
+            </a:r>
+            <a:endParaRPr lang="en-US" sz="2400" dirty="0"/>
           </a:p>
         </p:txBody>
       </p:sp>
     </p:spTree>
     <p:extLst>
       <p:ext uri="{BB962C8B-B14F-4D97-AF65-F5344CB8AC3E}">
-        <p14:creationId xmlns:p14="http://schemas.microsoft.com/office/powerpoint/2010/main" val="2710247255"/>
+        <p14:creationId xmlns:p14="http://schemas.microsoft.com/office/powerpoint/2010/main" val="727870900"/>
       </p:ext>
     </p:extLst>
   </p:cSld>
   <p:clrMapOvr>
     <a:masterClrMapping/>
   </p:clrMapOvr>
+  <p:timing>
+    <p:tnLst>
+      <p:par>
+        <p:cTn id="1" dur="indefinite" restart="never" nodeType="tmRoot"/>
+      </p:par>
+    </p:tnLst>
+  </p:timing>
 </p:sld>
 </file>
 
@@ -20211,10 +20745,9 @@
           <a:lstStyle/>
           <a:p>
             <a:r>
-              <a:rPr lang="en-US" dirty="0" smtClean="0"/>
-              <a:t>Executable Documentation</a:t>
-            </a:r>
-            <a:endParaRPr lang="en-US" dirty="0"/>
+              <a:rPr lang="en-US" dirty="0"/>
+              <a:t>Continuous integration</a:t>
+            </a:r>
           </a:p>
         </p:txBody>
       </p:sp>
@@ -20230,47 +20763,111 @@
         </p:nvSpPr>
         <p:spPr/>
         <p:txBody>
+          <a:bodyPr>
+            <a:normAutofit/>
+          </a:bodyPr>
+          <a:lstStyle/>
+          <a:p>
+            <a:pPr>
+              <a:buNone/>
+            </a:pPr>
+            <a:r>
+              <a:rPr lang="en-US" sz="2000" i="1" dirty="0" smtClean="0"/>
+              <a:t>Continuous Integration is a software development practice where members of a team integrate their work frequently</a:t>
+            </a:r>
+          </a:p>
+          <a:p>
+            <a:pPr>
+              <a:buNone/>
+            </a:pPr>
+            <a:r>
+              <a:rPr lang="en-US" sz="2000" i="1" dirty="0" smtClean="0"/>
+              <a:t>	</a:t>
+            </a:r>
+          </a:p>
+          <a:p>
+            <a:pPr>
+              <a:buNone/>
+            </a:pPr>
+            <a:r>
+              <a:rPr lang="en-US" sz="2000" i="1" dirty="0" smtClean="0"/>
+              <a:t>each person integrates at least daily - leading to multiple integrations per day. </a:t>
+            </a:r>
+          </a:p>
+          <a:p>
+            <a:pPr>
+              <a:buNone/>
+            </a:pPr>
+            <a:r>
+              <a:rPr lang="en-US" sz="2000" i="1" dirty="0" smtClean="0"/>
+              <a:t>	</a:t>
+            </a:r>
+          </a:p>
+          <a:p>
+            <a:pPr>
+              <a:buNone/>
+            </a:pPr>
+            <a:r>
+              <a:rPr lang="en-US" sz="2000" i="1" dirty="0" smtClean="0"/>
+              <a:t>Each integration is verified by an automated build (including test) to detect integration errors as quickly as possible. </a:t>
+            </a:r>
+            <a:r>
+              <a:rPr lang="en-US" i="1" dirty="0" smtClean="0"/>
+              <a:t>	</a:t>
+            </a:r>
+            <a:endParaRPr lang="en-US" dirty="0"/>
+          </a:p>
+        </p:txBody>
+      </p:sp>
+      <p:sp>
+        <p:nvSpPr>
+          <p:cNvPr id="4" name="Slide Number Placeholder 3"/>
+          <p:cNvSpPr>
+            <a:spLocks noGrp="1"/>
+          </p:cNvSpPr>
+          <p:nvPr>
+            <p:ph type="sldNum" sz="quarter" idx="4294967295"/>
+          </p:nvPr>
+        </p:nvSpPr>
+        <p:spPr>
+          <a:xfrm>
+            <a:off x="8613775" y="6356351"/>
+            <a:ext cx="2743200" cy="365125"/>
+          </a:xfrm>
+          <a:prstGeom prst="rect">
+            <a:avLst/>
+          </a:prstGeom>
+        </p:spPr>
+        <p:txBody>
           <a:bodyPr/>
           <a:lstStyle/>
           <a:p>
-            <a:r>
-              <a:rPr lang="en-US" i="1" dirty="0" smtClean="0"/>
-              <a:t>Create </a:t>
-            </a:r>
-            <a:r>
-              <a:rPr lang="en-US" i="1" dirty="0"/>
-              <a:t>a suite of documents that fully describe the low level behavior of the system .</a:t>
-            </a:r>
-          </a:p>
-          <a:p>
-            <a:r>
-              <a:rPr lang="en-US" i="1" dirty="0"/>
-              <a:t>   </a:t>
-            </a:r>
-          </a:p>
-          <a:p>
-            <a:r>
-              <a:rPr lang="en-US" i="1" dirty="0" smtClean="0"/>
-              <a:t>Low </a:t>
-            </a:r>
-            <a:r>
-              <a:rPr lang="en-US" i="1" dirty="0"/>
-              <a:t>level documentation that  executes</a:t>
-            </a:r>
-            <a:endParaRPr lang="en-US" dirty="0"/>
+            <a:fld id="{2387B7E2-7538-4163-9310-D5E6EE1BC12A}" type="slidenum">
+              <a:rPr lang="en-US" smtClean="0"/>
+              <a:pPr/>
+              <a:t>11</a:t>
+            </a:fld>
+            <a:endParaRPr lang="en-US"/>
           </a:p>
         </p:txBody>
       </p:sp>
     </p:spTree>
     <p:extLst>
       <p:ext uri="{BB962C8B-B14F-4D97-AF65-F5344CB8AC3E}">
-        <p14:creationId xmlns:p14="http://schemas.microsoft.com/office/powerpoint/2010/main" val="4136012389"/>
+        <p14:creationId xmlns:p14="http://schemas.microsoft.com/office/powerpoint/2010/main" val="2166887052"/>
       </p:ext>
     </p:extLst>
   </p:cSld>
   <p:clrMapOvr>
     <a:masterClrMapping/>
   </p:clrMapOvr>
+  <p:timing>
+    <p:tnLst>
+      <p:par>
+        <p:cTn id="1" dur="indefinite" restart="never" nodeType="tmRoot"/>
+      </p:par>
+    </p:tnLst>
+  </p:timing>
 </p:sld>
 </file>
 
@@ -20307,10 +20904,9 @@
           <a:lstStyle/>
           <a:p>
             <a:r>
-              <a:rPr lang="en-US" dirty="0" smtClean="0"/>
-              <a:t>Test Readability</a:t>
-            </a:r>
-            <a:endParaRPr lang="en-US" dirty="0"/>
+              <a:rPr lang="en-US" dirty="0"/>
+              <a:t>continuous delivery</a:t>
+            </a:r>
           </a:p>
         </p:txBody>
       </p:sp>
@@ -20329,20 +20925,116 @@
           <a:bodyPr/>
           <a:lstStyle/>
           <a:p>
-            <a:endParaRPr lang="en-US"/>
+            <a:pPr>
+              <a:buNone/>
+            </a:pPr>
+            <a:r>
+              <a:rPr lang="en-US" sz="2000" dirty="0"/>
+              <a:t> </a:t>
+            </a:r>
+            <a:r>
+              <a:rPr lang="en-US" sz="2000" dirty="0" smtClean="0"/>
+              <a:t> </a:t>
+            </a:r>
+            <a:r>
+              <a:rPr lang="en-US" sz="2000" b="1" dirty="0" smtClean="0"/>
+              <a:t>reduce</a:t>
+            </a:r>
+            <a:r>
+              <a:rPr lang="en-US" sz="2000" dirty="0" smtClean="0"/>
+              <a:t> </a:t>
+            </a:r>
+            <a:r>
+              <a:rPr lang="en-US" sz="2000" dirty="0"/>
+              <a:t>the </a:t>
+            </a:r>
+            <a:r>
+              <a:rPr lang="en-US" sz="2000" b="1" dirty="0"/>
+              <a:t>cost</a:t>
+            </a:r>
+            <a:r>
+              <a:rPr lang="en-US" sz="2000" dirty="0"/>
+              <a:t> , </a:t>
+            </a:r>
+            <a:r>
+              <a:rPr lang="en-US" sz="2000" b="1" dirty="0"/>
+              <a:t>time</a:t>
+            </a:r>
+            <a:r>
+              <a:rPr lang="en-US" sz="2000" dirty="0"/>
+              <a:t> , </a:t>
+            </a:r>
+            <a:r>
+              <a:rPr lang="en-US" sz="2000" b="1" dirty="0"/>
+              <a:t>and risk </a:t>
+            </a:r>
+            <a:r>
+              <a:rPr lang="en-US" sz="2000" dirty="0"/>
+              <a:t>of </a:t>
+            </a:r>
+            <a:r>
+              <a:rPr lang="en-US" sz="2000" dirty="0" smtClean="0"/>
+              <a:t> delivering </a:t>
+            </a:r>
+            <a:r>
+              <a:rPr lang="en-US" sz="2000" b="1" dirty="0"/>
+              <a:t>incremental changes </a:t>
+            </a:r>
+          </a:p>
+          <a:p>
+            <a:pPr>
+              <a:buNone/>
+            </a:pPr>
+            <a:r>
+              <a:rPr lang="en-US" sz="2000" b="1" dirty="0"/>
+              <a:t>  </a:t>
+            </a:r>
+            <a:r>
+              <a:rPr lang="en-US" sz="2000" dirty="0" smtClean="0"/>
+              <a:t>to </a:t>
+            </a:r>
+            <a:r>
+              <a:rPr lang="en-US" sz="2000" dirty="0"/>
+              <a:t>users</a:t>
+            </a:r>
+          </a:p>
+          <a:p>
+            <a:pPr>
+              <a:buNone/>
+            </a:pPr>
+            <a:r>
+              <a:rPr lang="en-US" dirty="0"/>
+              <a:t>	</a:t>
+            </a:r>
+          </a:p>
+          <a:p>
+            <a:pPr>
+              <a:buNone/>
+            </a:pPr>
+            <a:r>
+              <a:rPr lang="en-US" dirty="0"/>
+              <a:t>	</a:t>
+            </a:r>
           </a:p>
         </p:txBody>
       </p:sp>
     </p:spTree>
     <p:extLst>
       <p:ext uri="{BB962C8B-B14F-4D97-AF65-F5344CB8AC3E}">
-        <p14:creationId xmlns:p14="http://schemas.microsoft.com/office/powerpoint/2010/main" val="645571297"/>
+        <p14:creationId xmlns:p14="http://schemas.microsoft.com/office/powerpoint/2010/main" val="2710247255"/>
       </p:ext>
     </p:extLst>
   </p:cSld>
   <p:clrMapOvr>
     <a:masterClrMapping/>
   </p:clrMapOvr>
+  <p:timing>
+    <p:tnLst>
+      <p:par>
+        <p:cTn id="1" dur="indefinite" restart="never" nodeType="tmRoot"/>
+      </p:par>
+    </p:tnLst>
+  </p:timing>
 </p:sld>
 </file>
 
@@ -20378,11 +21070,271 @@
           <a:bodyPr/>
           <a:lstStyle/>
           <a:p>
+            <a:endParaRPr lang="en-US" dirty="0"/>
+          </a:p>
+        </p:txBody>
+      </p:sp>
+      <p:sp>
+        <p:nvSpPr>
+          <p:cNvPr id="3" name="Content Placeholder 2"/>
+          <p:cNvSpPr>
+            <a:spLocks noGrp="1"/>
+          </p:cNvSpPr>
+          <p:nvPr>
+            <p:ph idx="1"/>
+          </p:nvPr>
+        </p:nvSpPr>
+        <p:spPr/>
+        <p:txBody>
+          <a:bodyPr anchor="ctr" anchorCtr="1"/>
+          <a:lstStyle/>
+          <a:p>
+            <a:r>
+              <a:rPr lang="en-US" sz="2400" dirty="0"/>
+              <a:t>Executable Documentation</a:t>
+            </a:r>
+            <a:endParaRPr lang="en-US" sz="2400" dirty="0"/>
+          </a:p>
+        </p:txBody>
+      </p:sp>
+    </p:spTree>
+    <p:extLst>
+      <p:ext uri="{BB962C8B-B14F-4D97-AF65-F5344CB8AC3E}">
+        <p14:creationId xmlns:p14="http://schemas.microsoft.com/office/powerpoint/2010/main" val="3972634098"/>
+      </p:ext>
+    </p:extLst>
+  </p:cSld>
+  <p:clrMapOvr>
+    <a:masterClrMapping/>
+  </p:clrMapOvr>
+  <p:timing>
+    <p:tnLst>
+      <p:par>
+        <p:cTn id="1" dur="indefinite" restart="never" nodeType="tmRoot"/>
+      </p:par>
+    </p:tnLst>
+  </p:timing>
+</p:sld>
+</file>
+
+<file path=ppt/slides/slide14.xml><?xml version="1.0" encoding="utf-8"?>
+<p:sld xmlns:a="http://schemas.openxmlformats.org/drawingml/2006/main" xmlns:r="http://schemas.openxmlformats.org/officeDocument/2006/relationships" xmlns:p="http://schemas.openxmlformats.org/presentationml/2006/main">
+  <p:cSld>
+    <p:spTree>
+      <p:nvGrpSpPr>
+        <p:cNvPr id="1" name=""/>
+        <p:cNvGrpSpPr/>
+        <p:nvPr/>
+      </p:nvGrpSpPr>
+      <p:grpSpPr>
+        <a:xfrm>
+          <a:off x="0" y="0"/>
+          <a:ext cx="0" cy="0"/>
+          <a:chOff x="0" y="0"/>
+          <a:chExt cx="0" cy="0"/>
+        </a:xfrm>
+      </p:grpSpPr>
+      <p:sp>
+        <p:nvSpPr>
+          <p:cNvPr id="2" name="Title 1"/>
+          <p:cNvSpPr>
+            <a:spLocks noGrp="1"/>
+          </p:cNvSpPr>
+          <p:nvPr>
+            <p:ph type="title"/>
+          </p:nvPr>
+        </p:nvSpPr>
+        <p:spPr/>
+        <p:txBody>
+          <a:bodyPr/>
+          <a:lstStyle/>
+          <a:p>
+            <a:r>
+              <a:rPr lang="en-US" dirty="0" smtClean="0"/>
+              <a:t>Executable Documentation</a:t>
+            </a:r>
+            <a:endParaRPr lang="en-US" dirty="0"/>
+          </a:p>
+        </p:txBody>
+      </p:sp>
+      <p:sp>
+        <p:nvSpPr>
+          <p:cNvPr id="3" name="Content Placeholder 2"/>
+          <p:cNvSpPr>
+            <a:spLocks noGrp="1"/>
+          </p:cNvSpPr>
+          <p:nvPr>
+            <p:ph idx="1"/>
+          </p:nvPr>
+        </p:nvSpPr>
+        <p:spPr/>
+        <p:txBody>
+          <a:bodyPr/>
+          <a:lstStyle/>
+          <a:p>
+            <a:r>
+              <a:rPr lang="en-US" sz="2000" i="1" dirty="0" smtClean="0"/>
+              <a:t>Create </a:t>
+            </a:r>
+            <a:r>
+              <a:rPr lang="en-US" sz="2000" i="1" dirty="0"/>
+              <a:t>a suite of documents that fully describe the low level behavior of the system .</a:t>
+            </a:r>
+          </a:p>
+          <a:p>
+            <a:r>
+              <a:rPr lang="en-US" sz="2000" i="1" dirty="0"/>
+              <a:t>   </a:t>
+            </a:r>
+          </a:p>
+          <a:p>
+            <a:r>
+              <a:rPr lang="en-US" sz="2000" i="1" dirty="0" smtClean="0"/>
+              <a:t>Low </a:t>
+            </a:r>
+            <a:r>
+              <a:rPr lang="en-US" sz="2000" i="1" dirty="0"/>
+              <a:t>level documentation that  executes</a:t>
+            </a:r>
+            <a:endParaRPr lang="en-US" sz="2000" dirty="0"/>
+          </a:p>
+        </p:txBody>
+      </p:sp>
+    </p:spTree>
+    <p:extLst>
+      <p:ext uri="{BB962C8B-B14F-4D97-AF65-F5344CB8AC3E}">
+        <p14:creationId xmlns:p14="http://schemas.microsoft.com/office/powerpoint/2010/main" val="4136012389"/>
+      </p:ext>
+    </p:extLst>
+  </p:cSld>
+  <p:clrMapOvr>
+    <a:masterClrMapping/>
+  </p:clrMapOvr>
+  <p:timing>
+    <p:tnLst>
+      <p:par>
+        <p:cTn id="1" dur="indefinite" restart="never" nodeType="tmRoot"/>
+      </p:par>
+    </p:tnLst>
+  </p:timing>
+</p:sld>
+</file>
+
+<file path=ppt/slides/slide15.xml><?xml version="1.0" encoding="utf-8"?>
+<p:sld xmlns:a="http://schemas.openxmlformats.org/drawingml/2006/main" xmlns:r="http://schemas.openxmlformats.org/officeDocument/2006/relationships" xmlns:p="http://schemas.openxmlformats.org/presentationml/2006/main">
+  <p:cSld>
+    <p:spTree>
+      <p:nvGrpSpPr>
+        <p:cNvPr id="1" name=""/>
+        <p:cNvGrpSpPr/>
+        <p:nvPr/>
+      </p:nvGrpSpPr>
+      <p:grpSpPr>
+        <a:xfrm>
+          <a:off x="0" y="0"/>
+          <a:ext cx="0" cy="0"/>
+          <a:chOff x="0" y="0"/>
+          <a:chExt cx="0" cy="0"/>
+        </a:xfrm>
+      </p:grpSpPr>
+      <p:sp>
+        <p:nvSpPr>
+          <p:cNvPr id="2" name="Title 1"/>
+          <p:cNvSpPr>
+            <a:spLocks noGrp="1"/>
+          </p:cNvSpPr>
+          <p:nvPr>
+            <p:ph type="title"/>
+          </p:nvPr>
+        </p:nvSpPr>
+        <p:spPr/>
+        <p:txBody>
+          <a:bodyPr/>
+          <a:lstStyle/>
+          <a:p>
+            <a:endParaRPr lang="en-US" dirty="0"/>
+          </a:p>
+        </p:txBody>
+      </p:sp>
+      <p:sp>
+        <p:nvSpPr>
+          <p:cNvPr id="4" name="Content Placeholder 3"/>
+          <p:cNvSpPr>
+            <a:spLocks noGrp="1"/>
+          </p:cNvSpPr>
+          <p:nvPr>
+            <p:ph idx="1"/>
+          </p:nvPr>
+        </p:nvSpPr>
+        <p:spPr/>
+        <p:txBody>
+          <a:bodyPr anchor="ctr" anchorCtr="1"/>
+          <a:lstStyle/>
+          <a:p>
+            <a:r>
+              <a:rPr lang="en-US" sz="2800" dirty="0" smtClean="0"/>
+              <a:t>Test Readability</a:t>
+            </a:r>
+            <a:endParaRPr lang="en-US" sz="2800" dirty="0"/>
+          </a:p>
+        </p:txBody>
+      </p:sp>
+    </p:spTree>
+    <p:extLst>
+      <p:ext uri="{BB962C8B-B14F-4D97-AF65-F5344CB8AC3E}">
+        <p14:creationId xmlns:p14="http://schemas.microsoft.com/office/powerpoint/2010/main" val="645571297"/>
+      </p:ext>
+    </p:extLst>
+  </p:cSld>
+  <p:clrMapOvr>
+    <a:masterClrMapping/>
+  </p:clrMapOvr>
+  <p:timing>
+    <p:tnLst>
+      <p:par>
+        <p:cTn id="1" dur="indefinite" restart="never" nodeType="tmRoot"/>
+      </p:par>
+    </p:tnLst>
+  </p:timing>
+</p:sld>
+</file>
+
+<file path=ppt/slides/slide16.xml><?xml version="1.0" encoding="utf-8"?>
+<p:sld xmlns:a="http://schemas.openxmlformats.org/drawingml/2006/main" xmlns:r="http://schemas.openxmlformats.org/officeDocument/2006/relationships" xmlns:p="http://schemas.openxmlformats.org/presentationml/2006/main">
+  <p:cSld>
+    <p:spTree>
+      <p:nvGrpSpPr>
+        <p:cNvPr id="1" name=""/>
+        <p:cNvGrpSpPr/>
+        <p:nvPr/>
+      </p:nvGrpSpPr>
+      <p:grpSpPr>
+        <a:xfrm>
+          <a:off x="0" y="0"/>
+          <a:ext cx="0" cy="0"/>
+          <a:chOff x="0" y="0"/>
+          <a:chExt cx="0" cy="0"/>
+        </a:xfrm>
+      </p:grpSpPr>
+      <p:sp>
+        <p:nvSpPr>
+          <p:cNvPr id="2" name="Title 1"/>
+          <p:cNvSpPr>
+            <a:spLocks noGrp="1"/>
+          </p:cNvSpPr>
+          <p:nvPr>
+            <p:ph type="title"/>
+          </p:nvPr>
+        </p:nvSpPr>
+        <p:spPr/>
+        <p:txBody>
+          <a:bodyPr/>
+          <a:lstStyle/>
+          <a:p>
             <a:r>
               <a:rPr lang="en-US" dirty="0"/>
               <a:t>Test Readability</a:t>
             </a:r>
-            <a:endParaRPr lang="en-US" dirty="0"/>
           </a:p>
         </p:txBody>
       </p:sp>
@@ -20432,10 +21384,17 @@
   <p:clrMapOvr>
     <a:masterClrMapping/>
   </p:clrMapOvr>
+  <p:timing>
+    <p:tnLst>
+      <p:par>
+        <p:cTn id="1" dur="indefinite" restart="never" nodeType="tmRoot"/>
+      </p:par>
+    </p:tnLst>
+  </p:timing>
 </p:sld>
 </file>
 
-<file path=ppt/slides/slide14.xml><?xml version="1.0" encoding="utf-8"?>
+<file path=ppt/slides/slide17.xml><?xml version="1.0" encoding="utf-8"?>
 <p:sld xmlns:a="http://schemas.openxmlformats.org/drawingml/2006/main" xmlns:r="http://schemas.openxmlformats.org/officeDocument/2006/relationships" xmlns:p="http://schemas.openxmlformats.org/presentationml/2006/main">
   <p:cSld>
     <p:spTree>
@@ -20533,10 +21492,17 @@
   <p:clrMapOvr>
     <a:masterClrMapping/>
   </p:clrMapOvr>
+  <p:timing>
+    <p:tnLst>
+      <p:par>
+        <p:cTn id="1" dur="indefinite" restart="never" nodeType="tmRoot"/>
+      </p:par>
+    </p:tnLst>
+  </p:timing>
 </p:sld>
 </file>
 
-<file path=ppt/slides/slide15.xml><?xml version="1.0" encoding="utf-8"?>
+<file path=ppt/slides/slide18.xml><?xml version="1.0" encoding="utf-8"?>
 <p:sld xmlns:a="http://schemas.openxmlformats.org/drawingml/2006/main" xmlns:r="http://schemas.openxmlformats.org/officeDocument/2006/relationships" xmlns:p="http://schemas.openxmlformats.org/presentationml/2006/main">
   <p:cSld>
     <p:spTree>
@@ -20572,7 +21538,6 @@
               <a:rPr lang="en-US" dirty="0"/>
               <a:t>Test Readability</a:t>
             </a:r>
-            <a:endParaRPr lang="en-US" dirty="0"/>
           </a:p>
         </p:txBody>
       </p:sp>
@@ -20628,10 +21593,17 @@
   <p:clrMapOvr>
     <a:masterClrMapping/>
   </p:clrMapOvr>
+  <p:timing>
+    <p:tnLst>
+      <p:par>
+        <p:cTn id="1" dur="indefinite" restart="never" nodeType="tmRoot"/>
+      </p:par>
+    </p:tnLst>
+  </p:timing>
 </p:sld>
 </file>
 
-<file path=ppt/slides/slide16.xml><?xml version="1.0" encoding="utf-8"?>
+<file path=ppt/slides/slide19.xml><?xml version="1.0" encoding="utf-8"?>
 <p:sld xmlns:a="http://schemas.openxmlformats.org/drawingml/2006/main" xmlns:r="http://schemas.openxmlformats.org/officeDocument/2006/relationships" xmlns:p="http://schemas.openxmlformats.org/presentationml/2006/main">
   <p:cSld>
     <p:spTree>
@@ -20734,7 +21706,171 @@
 </p:sld>
 </file>
 
-<file path=ppt/slides/slide17.xml><?xml version="1.0" encoding="utf-8"?>
+<file path=ppt/slides/slide2.xml><?xml version="1.0" encoding="utf-8"?>
+<p:sld xmlns:a="http://schemas.openxmlformats.org/drawingml/2006/main" xmlns:r="http://schemas.openxmlformats.org/officeDocument/2006/relationships" xmlns:p="http://schemas.openxmlformats.org/presentationml/2006/main">
+  <p:cSld>
+    <p:spTree>
+      <p:nvGrpSpPr>
+        <p:cNvPr id="1" name=""/>
+        <p:cNvGrpSpPr/>
+        <p:nvPr/>
+      </p:nvGrpSpPr>
+      <p:grpSpPr>
+        <a:xfrm>
+          <a:off x="0" y="0"/>
+          <a:ext cx="0" cy="0"/>
+          <a:chOff x="0" y="0"/>
+          <a:chExt cx="0" cy="0"/>
+        </a:xfrm>
+      </p:grpSpPr>
+      <p:sp>
+        <p:nvSpPr>
+          <p:cNvPr id="2" name="Title 1"/>
+          <p:cNvSpPr>
+            <a:spLocks noGrp="1"/>
+          </p:cNvSpPr>
+          <p:nvPr>
+            <p:ph type="title"/>
+          </p:nvPr>
+        </p:nvSpPr>
+        <p:spPr/>
+        <p:txBody>
+          <a:bodyPr/>
+          <a:lstStyle/>
+          <a:p>
+            <a:r>
+              <a:rPr lang="en-US" dirty="0" smtClean="0"/>
+              <a:t>Agenda</a:t>
+            </a:r>
+            <a:endParaRPr lang="en-US" dirty="0"/>
+          </a:p>
+        </p:txBody>
+      </p:sp>
+      <p:sp>
+        <p:nvSpPr>
+          <p:cNvPr id="3" name="Content Placeholder 2"/>
+          <p:cNvSpPr>
+            <a:spLocks noGrp="1"/>
+          </p:cNvSpPr>
+          <p:nvPr>
+            <p:ph idx="1"/>
+          </p:nvPr>
+        </p:nvSpPr>
+        <p:spPr/>
+        <p:txBody>
+          <a:bodyPr/>
+          <a:lstStyle/>
+          <a:p>
+            <a:pPr>
+              <a:spcBef>
+                <a:spcPts val="600"/>
+              </a:spcBef>
+              <a:spcAft>
+                <a:spcPts val="600"/>
+              </a:spcAft>
+            </a:pPr>
+            <a:r>
+              <a:rPr lang="en-US" dirty="0" smtClean="0"/>
+              <a:t>Why test</a:t>
+            </a:r>
+          </a:p>
+          <a:p>
+            <a:pPr>
+              <a:spcBef>
+                <a:spcPts val="600"/>
+              </a:spcBef>
+              <a:spcAft>
+                <a:spcPts val="600"/>
+              </a:spcAft>
+            </a:pPr>
+            <a:r>
+              <a:rPr lang="en-US" dirty="0" smtClean="0"/>
+              <a:t>Why Automated test</a:t>
+            </a:r>
+          </a:p>
+          <a:p>
+            <a:pPr>
+              <a:spcBef>
+                <a:spcPts val="600"/>
+              </a:spcBef>
+              <a:spcAft>
+                <a:spcPts val="600"/>
+              </a:spcAft>
+            </a:pPr>
+            <a:r>
+              <a:rPr lang="en-US" dirty="0" smtClean="0"/>
+              <a:t>Test Driven Development</a:t>
+            </a:r>
+          </a:p>
+          <a:p>
+            <a:pPr>
+              <a:spcBef>
+                <a:spcPts val="600"/>
+              </a:spcBef>
+              <a:spcAft>
+                <a:spcPts val="600"/>
+              </a:spcAft>
+            </a:pPr>
+            <a:r>
+              <a:rPr lang="en-US" dirty="0" smtClean="0"/>
+              <a:t>Testable design</a:t>
+            </a:r>
+          </a:p>
+          <a:p>
+            <a:pPr>
+              <a:spcBef>
+                <a:spcPts val="600"/>
+              </a:spcBef>
+              <a:spcAft>
+                <a:spcPts val="600"/>
+              </a:spcAft>
+            </a:pPr>
+            <a:r>
+              <a:rPr lang="en-US" dirty="0" smtClean="0"/>
+              <a:t>Code Coverage</a:t>
+            </a:r>
+          </a:p>
+          <a:p>
+            <a:pPr>
+              <a:spcBef>
+                <a:spcPts val="600"/>
+              </a:spcBef>
+              <a:spcAft>
+                <a:spcPts val="600"/>
+              </a:spcAft>
+            </a:pPr>
+            <a:r>
+              <a:rPr lang="en-US" dirty="0" smtClean="0"/>
+              <a:t>Q &amp; </a:t>
+            </a:r>
+            <a:r>
+              <a:rPr lang="en-US" dirty="0" smtClean="0"/>
+              <a:t>A</a:t>
+            </a:r>
+          </a:p>
+        </p:txBody>
+      </p:sp>
+    </p:spTree>
+    <p:extLst>
+      <p:ext uri="{BB962C8B-B14F-4D97-AF65-F5344CB8AC3E}">
+        <p14:creationId xmlns:p14="http://schemas.microsoft.com/office/powerpoint/2010/main" val="766879578"/>
+      </p:ext>
+    </p:extLst>
+  </p:cSld>
+  <p:clrMapOvr>
+    <a:masterClrMapping/>
+  </p:clrMapOvr>
+  <p:timing>
+    <p:tnLst>
+      <p:par>
+        <p:cTn id="1" dur="indefinite" restart="never" nodeType="tmRoot"/>
+      </p:par>
+    </p:tnLst>
+  </p:timing>
+</p:sld>
+</file>
+
+<file path=ppt/slides/slide20.xml><?xml version="1.0" encoding="utf-8"?>
 <p:sld xmlns:a="http://schemas.openxmlformats.org/drawingml/2006/main" xmlns:r="http://schemas.openxmlformats.org/officeDocument/2006/relationships" xmlns:p="http://schemas.openxmlformats.org/presentationml/2006/main">
   <p:cSld>
     <p:spTree>
@@ -20785,10 +21921,17 @@
   <p:clrMapOvr>
     <a:masterClrMapping/>
   </p:clrMapOvr>
+  <p:timing>
+    <p:tnLst>
+      <p:par>
+        <p:cTn id="1" dur="indefinite" restart="never" nodeType="tmRoot"/>
+      </p:par>
+    </p:tnLst>
+  </p:timing>
 </p:sld>
 </file>
 
-<file path=ppt/slides/slide18.xml><?xml version="1.0" encoding="utf-8"?>
+<file path=ppt/slides/slide21.xml><?xml version="1.0" encoding="utf-8"?>
 <p:sld xmlns:a="http://schemas.openxmlformats.org/drawingml/2006/main" xmlns:r="http://schemas.openxmlformats.org/officeDocument/2006/relationships" xmlns:p="http://schemas.openxmlformats.org/presentationml/2006/main">
   <p:cSld>
     <p:spTree>
@@ -20824,7 +21967,6 @@
               <a:rPr lang="en-US" dirty="0"/>
               <a:t>Test Readability</a:t>
             </a:r>
-            <a:endParaRPr lang="en-US" dirty="0"/>
           </a:p>
         </p:txBody>
       </p:sp>
@@ -20870,10 +22012,17 @@
   <p:clrMapOvr>
     <a:masterClrMapping/>
   </p:clrMapOvr>
+  <p:timing>
+    <p:tnLst>
+      <p:par>
+        <p:cTn id="1" dur="indefinite" restart="never" nodeType="tmRoot"/>
+      </p:par>
+    </p:tnLst>
+  </p:timing>
 </p:sld>
 </file>
 
-<file path=ppt/slides/slide19.xml><?xml version="1.0" encoding="utf-8"?>
+<file path=ppt/slides/slide22.xml><?xml version="1.0" encoding="utf-8"?>
 <p:sld xmlns:a="http://schemas.openxmlformats.org/drawingml/2006/main" xmlns:r="http://schemas.openxmlformats.org/officeDocument/2006/relationships" xmlns:p="http://schemas.openxmlformats.org/presentationml/2006/main">
   <p:cSld>
     <p:spTree>
@@ -20954,7 +22103,7 @@
               <a:buNone/>
             </a:pPr>
             <a:r>
-              <a:rPr lang="en-US" sz="3200" b="1" u="sng" dirty="0"/>
+              <a:rPr lang="en-US" sz="3200" u="sng" dirty="0"/>
               <a:t>What makes test clean </a:t>
             </a:r>
           </a:p>
@@ -21004,7 +22153,7 @@
             <a:fld id="{2387B7E2-7538-4163-9310-D5E6EE1BC12A}" type="slidenum">
               <a:rPr lang="en-US" smtClean="0"/>
               <a:pPr/>
-              <a:t>19</a:t>
+              <a:t>22</a:t>
             </a:fld>
             <a:endParaRPr lang="en-US"/>
           </a:p>
@@ -21030,7 +22179,7 @@
 </p:sld>
 </file>
 
-<file path=ppt/slides/slide2.xml><?xml version="1.0" encoding="utf-8"?>
+<file path=ppt/slides/slide23.xml><?xml version="1.0" encoding="utf-8"?>
 <p:sld xmlns:a="http://schemas.openxmlformats.org/drawingml/2006/main" xmlns:r="http://schemas.openxmlformats.org/officeDocument/2006/relationships" xmlns:p="http://schemas.openxmlformats.org/presentationml/2006/main">
   <p:cSld>
     <p:spTree>
@@ -21064,112 +22213,6 @@
           <a:p>
             <a:r>
               <a:rPr lang="en-US" dirty="0" smtClean="0"/>
-              <a:t>Agenda</a:t>
-            </a:r>
-            <a:endParaRPr lang="en-US" dirty="0"/>
-          </a:p>
-        </p:txBody>
-      </p:sp>
-      <p:sp>
-        <p:nvSpPr>
-          <p:cNvPr id="3" name="Content Placeholder 2"/>
-          <p:cNvSpPr>
-            <a:spLocks noGrp="1"/>
-          </p:cNvSpPr>
-          <p:nvPr>
-            <p:ph idx="1"/>
-          </p:nvPr>
-        </p:nvSpPr>
-        <p:spPr/>
-        <p:txBody>
-          <a:bodyPr/>
-          <a:lstStyle/>
-          <a:p>
-            <a:r>
-              <a:rPr lang="en-US" dirty="0" smtClean="0"/>
-              <a:t>Why test</a:t>
-            </a:r>
-          </a:p>
-          <a:p>
-            <a:r>
-              <a:rPr lang="en-US" dirty="0" smtClean="0"/>
-              <a:t>Why Automated test</a:t>
-            </a:r>
-          </a:p>
-          <a:p>
-            <a:r>
-              <a:rPr lang="en-US" dirty="0" smtClean="0"/>
-              <a:t>Test Driven Development</a:t>
-            </a:r>
-          </a:p>
-          <a:p>
-            <a:r>
-              <a:rPr lang="en-US" dirty="0" smtClean="0"/>
-              <a:t>Testable design</a:t>
-            </a:r>
-          </a:p>
-          <a:p>
-            <a:r>
-              <a:rPr lang="en-US" dirty="0" smtClean="0"/>
-              <a:t>Code Coverage</a:t>
-            </a:r>
-          </a:p>
-          <a:p>
-            <a:r>
-              <a:rPr lang="en-US" dirty="0" smtClean="0"/>
-              <a:t>Q &amp; A</a:t>
-            </a:r>
-            <a:endParaRPr lang="en-US" dirty="0"/>
-          </a:p>
-        </p:txBody>
-      </p:sp>
-    </p:spTree>
-    <p:extLst>
-      <p:ext uri="{BB962C8B-B14F-4D97-AF65-F5344CB8AC3E}">
-        <p14:creationId xmlns:p14="http://schemas.microsoft.com/office/powerpoint/2010/main" val="766879578"/>
-      </p:ext>
-    </p:extLst>
-  </p:cSld>
-  <p:clrMapOvr>
-    <a:masterClrMapping/>
-  </p:clrMapOvr>
-</p:sld>
-</file>
-
-<file path=ppt/slides/slide20.xml><?xml version="1.0" encoding="utf-8"?>
-<p:sld xmlns:a="http://schemas.openxmlformats.org/drawingml/2006/main" xmlns:r="http://schemas.openxmlformats.org/officeDocument/2006/relationships" xmlns:p="http://schemas.openxmlformats.org/presentationml/2006/main">
-  <p:cSld>
-    <p:spTree>
-      <p:nvGrpSpPr>
-        <p:cNvPr id="1" name=""/>
-        <p:cNvGrpSpPr/>
-        <p:nvPr/>
-      </p:nvGrpSpPr>
-      <p:grpSpPr>
-        <a:xfrm>
-          <a:off x="0" y="0"/>
-          <a:ext cx="0" cy="0"/>
-          <a:chOff x="0" y="0"/>
-          <a:chExt cx="0" cy="0"/>
-        </a:xfrm>
-      </p:grpSpPr>
-      <p:sp>
-        <p:nvSpPr>
-          <p:cNvPr id="2" name="Title 1"/>
-          <p:cNvSpPr>
-            <a:spLocks noGrp="1"/>
-          </p:cNvSpPr>
-          <p:nvPr>
-            <p:ph type="title"/>
-          </p:nvPr>
-        </p:nvSpPr>
-        <p:spPr/>
-        <p:txBody>
-          <a:bodyPr/>
-          <a:lstStyle/>
-          <a:p>
-            <a:r>
-              <a:rPr lang="en-US" dirty="0" smtClean="0"/>
               <a:t>Different type of Test</a:t>
             </a:r>
             <a:endParaRPr lang="en-US" dirty="0"/>
@@ -21275,7 +22318,7 @@
             <a:fld id="{2387B7E2-7538-4163-9310-D5E6EE1BC12A}" type="slidenum">
               <a:rPr lang="en-US" smtClean="0"/>
               <a:pPr/>
-              <a:t>20</a:t>
+              <a:t>23</a:t>
             </a:fld>
             <a:endParaRPr lang="en-US"/>
           </a:p>
@@ -21301,7 +22344,7 @@
 </p:sld>
 </file>
 
-<file path=ppt/slides/slide21.xml><?xml version="1.0" encoding="utf-8"?>
+<file path=ppt/slides/slide24.xml><?xml version="1.0" encoding="utf-8"?>
 <p:sld xmlns:a="http://schemas.openxmlformats.org/drawingml/2006/main" xmlns:r="http://schemas.openxmlformats.org/officeDocument/2006/relationships" xmlns:p="http://schemas.openxmlformats.org/presentationml/2006/main">
   <p:cSld>
     <p:spTree>
@@ -21402,7 +22445,7 @@
             <a:fld id="{2387B7E2-7538-4163-9310-D5E6EE1BC12A}" type="slidenum">
               <a:rPr lang="en-US" smtClean="0"/>
               <a:pPr/>
-              <a:t>21</a:t>
+              <a:t>24</a:t>
             </a:fld>
             <a:endParaRPr lang="en-US"/>
           </a:p>
@@ -21452,7 +22495,7 @@
 </p:sld>
 </file>
 
-<file path=ppt/slides/slide22.xml><?xml version="1.0" encoding="utf-8"?>
+<file path=ppt/slides/slide25.xml><?xml version="1.0" encoding="utf-8"?>
 <p:sld xmlns:a="http://schemas.openxmlformats.org/drawingml/2006/main" xmlns:r="http://schemas.openxmlformats.org/officeDocument/2006/relationships" xmlns:p="http://schemas.openxmlformats.org/presentationml/2006/main">
   <p:cSld>
     <p:spTree>
@@ -21518,11 +22561,7 @@
           <a:p>
             <a:r>
               <a:rPr lang="en-US" dirty="0" smtClean="0"/>
-              <a:t>A test is not a unit test if</a:t>
-            </a:r>
-            <a:r>
-              <a:rPr lang="en-US" dirty="0" smtClean="0"/>
-              <a:t>:</a:t>
+              <a:t>A test is not a unit test if:</a:t>
             </a:r>
           </a:p>
           <a:p>
@@ -21668,7 +22707,7 @@
 </p:sld>
 </file>
 
-<file path=ppt/slides/slide23.xml><?xml version="1.0" encoding="utf-8"?>
+<file path=ppt/slides/slide26.xml><?xml version="1.0" encoding="utf-8"?>
 <p:sld xmlns:a="http://schemas.openxmlformats.org/drawingml/2006/main" xmlns:r="http://schemas.openxmlformats.org/officeDocument/2006/relationships" xmlns:p="http://schemas.openxmlformats.org/presentationml/2006/main">
   <p:cSld>
     <p:spTree>
@@ -21725,10 +22764,6 @@
               <a:rPr lang="en-US" dirty="0" smtClean="0"/>
               <a:t>F.I.R.S.T</a:t>
             </a:r>
-            <a:r>
-              <a:rPr lang="en-US" dirty="0" smtClean="0"/>
-              <a:t/>
-            </a:r>
             <a:br>
               <a:rPr lang="en-US" dirty="0" smtClean="0"/>
             </a:br>
@@ -21777,11 +22812,7 @@
             </a:r>
             <a:r>
               <a:rPr lang="en-US" sz="1900" dirty="0"/>
-              <a:t>should be fast. </a:t>
-            </a:r>
-            <a:r>
-              <a:rPr lang="en-US" sz="1900" dirty="0"/>
-              <a:t>They should run quickly. </a:t>
+              <a:t>should be fast. They should run quickly. </a:t>
             </a:r>
           </a:p>
           <a:p>
@@ -21800,11 +22831,7 @@
             </a:r>
             <a:r>
               <a:rPr lang="en-US" sz="1900" dirty="0"/>
-              <a:t>tests run slow, you won’t want to run them frequently. </a:t>
-            </a:r>
-            <a:r>
-              <a:rPr lang="en-US" sz="1900" dirty="0"/>
-              <a:t>If you don’t run them frequently, you won’t find problems early enough to fix them easily. You won’t feel as free to clean up the code. Eventually the code will begin to rot.</a:t>
+              <a:t>tests run slow, you won’t want to run them frequently. If you don’t run them frequently, you won’t find problems early enough to fix them easily. You won’t feel as free to clean up the code. Eventually the code will begin to rot.</a:t>
             </a:r>
           </a:p>
           <a:p>
@@ -21885,7 +22912,7 @@
             <a:fld id="{2387B7E2-7538-4163-9310-D5E6EE1BC12A}" type="slidenum">
               <a:rPr lang="en-US" smtClean="0"/>
               <a:pPr/>
-              <a:t>23</a:t>
+              <a:t>26</a:t>
             </a:fld>
             <a:endParaRPr lang="en-US"/>
           </a:p>
@@ -21911,7 +22938,7 @@
 </p:sld>
 </file>
 
-<file path=ppt/slides/slide24.xml><?xml version="1.0" encoding="utf-8"?>
+<file path=ppt/slides/slide27.xml><?xml version="1.0" encoding="utf-8"?>
 <p:sld xmlns:a="http://schemas.openxmlformats.org/drawingml/2006/main" xmlns:r="http://schemas.openxmlformats.org/officeDocument/2006/relationships" xmlns:p="http://schemas.openxmlformats.org/presentationml/2006/main">
   <p:cSld>
     <p:spTree>
@@ -21978,11 +23005,7 @@
             </a:r>
             <a:r>
               <a:rPr lang="en-US" sz="1900" dirty="0"/>
-              <a:t>your tests aren’t repeatable in any environment, then you’ll always have an excuse for why they fail. </a:t>
-            </a:r>
-            <a:r>
-              <a:rPr lang="en-US" sz="1900" dirty="0"/>
-              <a:t>You’ll also find yourself unable  to run the tests when the environment isn’t available.</a:t>
+              <a:t>your tests aren’t repeatable in any environment, then you’ll always have an excuse for why they fail. You’ll also find yourself unable  to run the tests when the environment isn’t available.</a:t>
             </a:r>
           </a:p>
           <a:p>
@@ -22057,7 +23080,7 @@
             <a:fld id="{2387B7E2-7538-4163-9310-D5E6EE1BC12A}" type="slidenum">
               <a:rPr lang="en-US" smtClean="0"/>
               <a:pPr/>
-              <a:t>24</a:t>
+              <a:t>27</a:t>
             </a:fld>
             <a:endParaRPr lang="en-US"/>
           </a:p>
@@ -22083,7 +23106,7 @@
 </p:sld>
 </file>
 
-<file path=ppt/slides/slide25.xml><?xml version="1.0" encoding="utf-8"?>
+<file path=ppt/slides/slide28.xml><?xml version="1.0" encoding="utf-8"?>
 <p:sld xmlns:a="http://schemas.openxmlformats.org/drawingml/2006/main" xmlns:r="http://schemas.openxmlformats.org/officeDocument/2006/relationships" xmlns:p="http://schemas.openxmlformats.org/presentationml/2006/main">
   <p:cSld>
     <p:spTree>
@@ -22138,11 +23161,7 @@
             </a:r>
             <a:r>
               <a:rPr lang="en-US" sz="1900" dirty="0"/>
-              <a:t>tests need to be written in a timely fashion. </a:t>
-            </a:r>
-            <a:r>
-              <a:rPr lang="en-US" sz="1900" dirty="0"/>
-              <a:t>Unit tests should be written just before the production code that makes them pass.</a:t>
+              <a:t>tests need to be written in a timely fashion. Unit tests should be written just before the production code that makes them pass.</a:t>
             </a:r>
           </a:p>
           <a:p>
@@ -22161,11 +23180,7 @@
             </a:r>
             <a:r>
               <a:rPr lang="en-US" sz="1900" dirty="0"/>
-              <a:t>you write tests after the production code, then you may find the production code to be hard to test. </a:t>
-            </a:r>
-            <a:r>
-              <a:rPr lang="en-US" sz="1900" dirty="0"/>
-              <a:t>You may decide that some production code is too hard to test. You may not design the production code to be testable.</a:t>
+              <a:t>you write tests after the production code, then you may find the production code to be hard to test. You may decide that some production code is too hard to test. You may not design the production code to be testable.</a:t>
             </a:r>
           </a:p>
           <a:p>
@@ -22199,7 +23214,7 @@
             <a:fld id="{2387B7E2-7538-4163-9310-D5E6EE1BC12A}" type="slidenum">
               <a:rPr lang="en-US" smtClean="0"/>
               <a:pPr/>
-              <a:t>25</a:t>
+              <a:t>28</a:t>
             </a:fld>
             <a:endParaRPr lang="en-US"/>
           </a:p>
@@ -22225,7 +23240,7 @@
 </p:sld>
 </file>
 
-<file path=ppt/slides/slide26.xml><?xml version="1.0" encoding="utf-8"?>
+<file path=ppt/slides/slide29.xml><?xml version="1.0" encoding="utf-8"?>
 <p:sld xmlns:a="http://schemas.openxmlformats.org/drawingml/2006/main" xmlns:r="http://schemas.openxmlformats.org/officeDocument/2006/relationships" xmlns:p="http://schemas.openxmlformats.org/presentationml/2006/main">
   <p:cSld>
     <p:spTree>
@@ -22410,339 +23425,6 @@
 </p:sld>
 </file>
 
-<file path=ppt/slides/slide27.xml><?xml version="1.0" encoding="utf-8"?>
-<p:sld xmlns:a="http://schemas.openxmlformats.org/drawingml/2006/main" xmlns:r="http://schemas.openxmlformats.org/officeDocument/2006/relationships" xmlns:p="http://schemas.openxmlformats.org/presentationml/2006/main">
-  <p:cSld>
-    <p:spTree>
-      <p:nvGrpSpPr>
-        <p:cNvPr id="1" name=""/>
-        <p:cNvGrpSpPr/>
-        <p:nvPr/>
-      </p:nvGrpSpPr>
-      <p:grpSpPr>
-        <a:xfrm>
-          <a:off x="0" y="0"/>
-          <a:ext cx="0" cy="0"/>
-          <a:chOff x="0" y="0"/>
-          <a:chExt cx="0" cy="0"/>
-        </a:xfrm>
-      </p:grpSpPr>
-      <p:sp>
-        <p:nvSpPr>
-          <p:cNvPr id="2" name="Titel 1"/>
-          <p:cNvSpPr>
-            <a:spLocks noGrp="1"/>
-          </p:cNvSpPr>
-          <p:nvPr>
-            <p:ph type="title"/>
-          </p:nvPr>
-        </p:nvSpPr>
-        <p:spPr/>
-        <p:txBody>
-          <a:bodyPr/>
-          <a:lstStyle/>
-          <a:p>
-            <a:r>
-              <a:rPr lang="en-US" dirty="0" smtClean="0"/>
-              <a:t>TDD step size</a:t>
-            </a:r>
-            <a:endParaRPr lang="en-US" dirty="0"/>
-          </a:p>
-        </p:txBody>
-      </p:sp>
-      <p:sp>
-        <p:nvSpPr>
-          <p:cNvPr id="3" name="Inhaltsplatzhalter 2"/>
-          <p:cNvSpPr>
-            <a:spLocks noGrp="1"/>
-          </p:cNvSpPr>
-          <p:nvPr>
-            <p:ph idx="1"/>
-          </p:nvPr>
-        </p:nvSpPr>
-        <p:spPr/>
-        <p:txBody>
-          <a:bodyPr/>
-          <a:lstStyle/>
-          <a:p>
-            <a:pPr>
-              <a:spcBef>
-                <a:spcPts val="1200"/>
-              </a:spcBef>
-              <a:spcAft>
-                <a:spcPts val="1200"/>
-              </a:spcAft>
-            </a:pPr>
-            <a:r>
-              <a:rPr lang="en-US" dirty="0" smtClean="0"/>
-              <a:t>Do not write more code than you need</a:t>
-            </a:r>
-          </a:p>
-          <a:p>
-            <a:pPr>
-              <a:spcBef>
-                <a:spcPts val="1200"/>
-              </a:spcBef>
-              <a:spcAft>
-                <a:spcPts val="1200"/>
-              </a:spcAft>
-            </a:pPr>
-            <a:r>
-              <a:rPr lang="en-US" dirty="0" smtClean="0"/>
-              <a:t>Write tests that test small portions of functionality</a:t>
-            </a:r>
-          </a:p>
-          <a:p>
-            <a:pPr>
-              <a:spcBef>
-                <a:spcPts val="1200"/>
-              </a:spcBef>
-              <a:spcAft>
-                <a:spcPts val="1200"/>
-              </a:spcAft>
-            </a:pPr>
-            <a:r>
-              <a:rPr lang="en-US" dirty="0" smtClean="0"/>
-              <a:t>Step “size“ can be adjusted according to convenience</a:t>
-            </a:r>
-          </a:p>
-          <a:p>
-            <a:endParaRPr lang="en-US" b="1" dirty="0"/>
-          </a:p>
-        </p:txBody>
-      </p:sp>
-    </p:spTree>
-    <p:extLst>
-      <p:ext uri="{BB962C8B-B14F-4D97-AF65-F5344CB8AC3E}">
-        <p14:creationId xmlns:p14="http://schemas.microsoft.com/office/powerpoint/2010/main" val="309505942"/>
-      </p:ext>
-    </p:extLst>
-  </p:cSld>
-  <p:clrMapOvr>
-    <a:masterClrMapping/>
-  </p:clrMapOvr>
-  <mc:AlternateContent xmlns:mc="http://schemas.openxmlformats.org/markup-compatibility/2006" xmlns:p14="http://schemas.microsoft.com/office/powerpoint/2010/main">
-    <mc:Choice Requires="p14">
-      <p:transition p14:dur="0"/>
-    </mc:Choice>
-    <mc:Fallback xmlns="">
-      <p:transition/>
-    </mc:Fallback>
-  </mc:AlternateContent>
-  <p:timing>
-    <p:tnLst>
-      <p:par>
-        <p:cTn id="1" dur="indefinite" restart="never" nodeType="tmRoot"/>
-      </p:par>
-    </p:tnLst>
-  </p:timing>
-</p:sld>
-</file>
-
-<file path=ppt/slides/slide28.xml><?xml version="1.0" encoding="utf-8"?>
-<p:sld xmlns:a="http://schemas.openxmlformats.org/drawingml/2006/main" xmlns:r="http://schemas.openxmlformats.org/officeDocument/2006/relationships" xmlns:p="http://schemas.openxmlformats.org/presentationml/2006/main">
-  <p:cSld>
-    <p:spTree>
-      <p:nvGrpSpPr>
-        <p:cNvPr id="1" name=""/>
-        <p:cNvGrpSpPr/>
-        <p:nvPr/>
-      </p:nvGrpSpPr>
-      <p:grpSpPr>
-        <a:xfrm>
-          <a:off x="0" y="0"/>
-          <a:ext cx="0" cy="0"/>
-          <a:chOff x="0" y="0"/>
-          <a:chExt cx="0" cy="0"/>
-        </a:xfrm>
-      </p:grpSpPr>
-      <p:sp>
-        <p:nvSpPr>
-          <p:cNvPr id="2" name="Titel 1"/>
-          <p:cNvSpPr>
-            <a:spLocks noGrp="1"/>
-          </p:cNvSpPr>
-          <p:nvPr>
-            <p:ph type="title"/>
-          </p:nvPr>
-        </p:nvSpPr>
-        <p:spPr/>
-        <p:txBody>
-          <a:bodyPr/>
-          <a:lstStyle/>
-          <a:p>
-            <a:r>
-              <a:rPr lang="de-DE" dirty="0" smtClean="0"/>
-              <a:t>Unit Tests != TDD</a:t>
-            </a:r>
-            <a:endParaRPr lang="de-DE" dirty="0"/>
-          </a:p>
-        </p:txBody>
-      </p:sp>
-      <p:sp>
-        <p:nvSpPr>
-          <p:cNvPr id="3" name="Inhaltsplatzhalter 2"/>
-          <p:cNvSpPr>
-            <a:spLocks noGrp="1"/>
-          </p:cNvSpPr>
-          <p:nvPr>
-            <p:ph idx="1"/>
-          </p:nvPr>
-        </p:nvSpPr>
-        <p:spPr/>
-        <p:txBody>
-          <a:bodyPr/>
-          <a:lstStyle/>
-          <a:p>
-            <a:r>
-              <a:rPr lang="en-US" dirty="0"/>
-              <a:t>Code can also be driven by automated integration tests (UI tests, DB tests, …)</a:t>
-            </a:r>
-          </a:p>
-          <a:p>
-            <a:endParaRPr lang="en-US" dirty="0" smtClean="0"/>
-          </a:p>
-          <a:p>
-            <a:r>
-              <a:rPr lang="en-US" dirty="0" smtClean="0"/>
-              <a:t>TDD is a practice, unit tests are automated tests with specific properties</a:t>
-            </a:r>
-          </a:p>
-        </p:txBody>
-      </p:sp>
-    </p:spTree>
-    <p:extLst>
-      <p:ext uri="{BB962C8B-B14F-4D97-AF65-F5344CB8AC3E}">
-        <p14:creationId xmlns:p14="http://schemas.microsoft.com/office/powerpoint/2010/main" val="3898398017"/>
-      </p:ext>
-    </p:extLst>
-  </p:cSld>
-  <p:clrMapOvr>
-    <a:masterClrMapping/>
-  </p:clrMapOvr>
-  <mc:AlternateContent xmlns:mc="http://schemas.openxmlformats.org/markup-compatibility/2006" xmlns:p14="http://schemas.microsoft.com/office/powerpoint/2010/main">
-    <mc:Choice Requires="p14">
-      <p:transition p14:dur="0"/>
-    </mc:Choice>
-    <mc:Fallback xmlns="">
-      <p:transition/>
-    </mc:Fallback>
-  </mc:AlternateContent>
-  <p:timing>
-    <p:tnLst>
-      <p:par>
-        <p:cTn id="1" dur="indefinite" restart="never" nodeType="tmRoot"/>
-      </p:par>
-    </p:tnLst>
-  </p:timing>
-</p:sld>
-</file>
-
-<file path=ppt/slides/slide29.xml><?xml version="1.0" encoding="utf-8"?>
-<p:sld xmlns:a="http://schemas.openxmlformats.org/drawingml/2006/main" xmlns:r="http://schemas.openxmlformats.org/officeDocument/2006/relationships" xmlns:p="http://schemas.openxmlformats.org/presentationml/2006/main">
-  <p:cSld>
-    <p:spTree>
-      <p:nvGrpSpPr>
-        <p:cNvPr id="1" name=""/>
-        <p:cNvGrpSpPr/>
-        <p:nvPr/>
-      </p:nvGrpSpPr>
-      <p:grpSpPr>
-        <a:xfrm>
-          <a:off x="0" y="0"/>
-          <a:ext cx="0" cy="0"/>
-          <a:chOff x="0" y="0"/>
-          <a:chExt cx="0" cy="0"/>
-        </a:xfrm>
-      </p:grpSpPr>
-      <p:sp>
-        <p:nvSpPr>
-          <p:cNvPr id="2" name="Title 1"/>
-          <p:cNvSpPr>
-            <a:spLocks noGrp="1"/>
-          </p:cNvSpPr>
-          <p:nvPr>
-            <p:ph type="title"/>
-          </p:nvPr>
-        </p:nvSpPr>
-        <p:spPr/>
-        <p:txBody>
-          <a:bodyPr/>
-          <a:lstStyle/>
-          <a:p>
-            <a:r>
-              <a:rPr lang="en-US" dirty="0" smtClean="0"/>
-              <a:t>Why TDD</a:t>
-            </a:r>
-            <a:endParaRPr lang="en-US" dirty="0"/>
-          </a:p>
-        </p:txBody>
-      </p:sp>
-      <p:sp>
-        <p:nvSpPr>
-          <p:cNvPr id="3" name="Content Placeholder 2"/>
-          <p:cNvSpPr>
-            <a:spLocks noGrp="1"/>
-          </p:cNvSpPr>
-          <p:nvPr>
-            <p:ph idx="1"/>
-          </p:nvPr>
-        </p:nvSpPr>
-        <p:spPr/>
-        <p:txBody>
-          <a:bodyPr/>
-          <a:lstStyle/>
-          <a:p>
-            <a:pPr>
-              <a:spcBef>
-                <a:spcPts val="600"/>
-              </a:spcBef>
-              <a:spcAft>
-                <a:spcPts val="600"/>
-              </a:spcAft>
-            </a:pPr>
-            <a:r>
-              <a:rPr lang="en-US" dirty="0" smtClean="0"/>
-              <a:t>TDD sets </a:t>
-            </a:r>
-            <a:r>
-              <a:rPr lang="en-US" b="1" dirty="0" smtClean="0"/>
-              <a:t>priority</a:t>
-            </a:r>
-            <a:r>
-              <a:rPr lang="en-US" dirty="0" smtClean="0"/>
-              <a:t> for tests</a:t>
-            </a:r>
-          </a:p>
-          <a:p>
-            <a:pPr>
-              <a:spcBef>
-                <a:spcPts val="600"/>
-              </a:spcBef>
-              <a:spcAft>
-                <a:spcPts val="600"/>
-              </a:spcAft>
-            </a:pPr>
-            <a:r>
-              <a:rPr lang="en-US" dirty="0" smtClean="0"/>
-              <a:t>Deign feedback</a:t>
-            </a:r>
-          </a:p>
-        </p:txBody>
-      </p:sp>
-    </p:spTree>
-    <p:extLst>
-      <p:ext uri="{BB962C8B-B14F-4D97-AF65-F5344CB8AC3E}">
-        <p14:creationId xmlns:p14="http://schemas.microsoft.com/office/powerpoint/2010/main" val="1886441363"/>
-      </p:ext>
-    </p:extLst>
-  </p:cSld>
-  <p:clrMapOvr>
-    <a:masterClrMapping/>
-  </p:clrMapOvr>
-</p:sld>
-</file>
-
 <file path=ppt/slides/slide3.xml><?xml version="1.0" encoding="utf-8"?>
 <p:sld xmlns:a="http://schemas.openxmlformats.org/drawingml/2006/main" xmlns:r="http://schemas.openxmlformats.org/officeDocument/2006/relationships" xmlns:p="http://schemas.openxmlformats.org/presentationml/2006/main">
   <p:cSld>
@@ -22783,43 +23465,16 @@
           <a:lstStyle/>
           <a:p>
             <a:r>
-              <a:rPr lang="en-US" sz="3600" dirty="0"/>
+              <a:rPr lang="en-US" sz="3600" b="0" dirty="0"/>
               <a:t>“If it's worth building, it's worth testing. </a:t>
             </a:r>
             <a:br>
-              <a:rPr lang="en-US" sz="3600" dirty="0"/>
+              <a:rPr lang="en-US" sz="3600" b="0" dirty="0"/>
             </a:br>
             <a:r>
-              <a:rPr lang="en-US" sz="3600" dirty="0"/>
-              <a:t>If it's not worth testing, why are you wasting your time working on it</a:t>
-            </a:r>
-            <a:r>
-              <a:rPr lang="en-US" sz="3600" dirty="0"/>
-              <a:t>?“</a:t>
-            </a:r>
-            <a:endParaRPr lang="en-US" sz="3600" dirty="0"/>
-          </a:p>
-        </p:txBody>
-      </p:sp>
-      <p:sp>
-        <p:nvSpPr>
-          <p:cNvPr id="3" name="Content Placeholder 2"/>
-          <p:cNvSpPr>
-            <a:spLocks noGrp="1"/>
-          </p:cNvSpPr>
-          <p:nvPr>
-            <p:ph type="subTitle" idx="1"/>
-          </p:nvPr>
-        </p:nvSpPr>
-        <p:spPr/>
-        <p:txBody>
-          <a:bodyPr/>
-          <a:lstStyle/>
-          <a:p>
-            <a:endParaRPr lang="en-US" dirty="0" smtClean="0"/>
-          </a:p>
-          <a:p>
-            <a:endParaRPr lang="en-US" dirty="0"/>
+              <a:rPr lang="en-US" sz="3600" b="0" dirty="0"/>
+              <a:t>If it's not worth testing, why are you wasting your time working on it?“</a:t>
+            </a:r>
           </a:p>
         </p:txBody>
       </p:sp>
@@ -22833,10 +23488,245 @@
   <p:clrMapOvr>
     <a:masterClrMapping/>
   </p:clrMapOvr>
+  <p:timing>
+    <p:tnLst>
+      <p:par>
+        <p:cTn id="1" dur="indefinite" restart="never" nodeType="tmRoot"/>
+      </p:par>
+    </p:tnLst>
+  </p:timing>
 </p:sld>
 </file>
 
 <file path=ppt/slides/slide30.xml><?xml version="1.0" encoding="utf-8"?>
+<p:sld xmlns:a="http://schemas.openxmlformats.org/drawingml/2006/main" xmlns:r="http://schemas.openxmlformats.org/officeDocument/2006/relationships" xmlns:p="http://schemas.openxmlformats.org/presentationml/2006/main">
+  <p:cSld>
+    <p:spTree>
+      <p:nvGrpSpPr>
+        <p:cNvPr id="1" name=""/>
+        <p:cNvGrpSpPr/>
+        <p:nvPr/>
+      </p:nvGrpSpPr>
+      <p:grpSpPr>
+        <a:xfrm>
+          <a:off x="0" y="0"/>
+          <a:ext cx="0" cy="0"/>
+          <a:chOff x="0" y="0"/>
+          <a:chExt cx="0" cy="0"/>
+        </a:xfrm>
+      </p:grpSpPr>
+      <p:sp>
+        <p:nvSpPr>
+          <p:cNvPr id="2" name="Titel 1"/>
+          <p:cNvSpPr>
+            <a:spLocks noGrp="1"/>
+          </p:cNvSpPr>
+          <p:nvPr>
+            <p:ph type="title"/>
+          </p:nvPr>
+        </p:nvSpPr>
+        <p:spPr/>
+        <p:txBody>
+          <a:bodyPr/>
+          <a:lstStyle/>
+          <a:p>
+            <a:r>
+              <a:rPr lang="en-US" dirty="0" smtClean="0"/>
+              <a:t>TDD step size</a:t>
+            </a:r>
+            <a:endParaRPr lang="en-US" dirty="0"/>
+          </a:p>
+        </p:txBody>
+      </p:sp>
+      <p:sp>
+        <p:nvSpPr>
+          <p:cNvPr id="3" name="Inhaltsplatzhalter 2"/>
+          <p:cNvSpPr>
+            <a:spLocks noGrp="1"/>
+          </p:cNvSpPr>
+          <p:nvPr>
+            <p:ph idx="1"/>
+          </p:nvPr>
+        </p:nvSpPr>
+        <p:spPr/>
+        <p:txBody>
+          <a:bodyPr/>
+          <a:lstStyle/>
+          <a:p>
+            <a:pPr>
+              <a:spcBef>
+                <a:spcPts val="1200"/>
+              </a:spcBef>
+              <a:spcAft>
+                <a:spcPts val="1200"/>
+              </a:spcAft>
+            </a:pPr>
+            <a:r>
+              <a:rPr lang="en-US" dirty="0" smtClean="0"/>
+              <a:t>Do not write more code than you need</a:t>
+            </a:r>
+          </a:p>
+          <a:p>
+            <a:pPr>
+              <a:spcBef>
+                <a:spcPts val="1200"/>
+              </a:spcBef>
+              <a:spcAft>
+                <a:spcPts val="1200"/>
+              </a:spcAft>
+            </a:pPr>
+            <a:r>
+              <a:rPr lang="en-US" dirty="0" smtClean="0"/>
+              <a:t>Write tests that test small portions of functionality</a:t>
+            </a:r>
+          </a:p>
+          <a:p>
+            <a:pPr>
+              <a:spcBef>
+                <a:spcPts val="1200"/>
+              </a:spcBef>
+              <a:spcAft>
+                <a:spcPts val="1200"/>
+              </a:spcAft>
+            </a:pPr>
+            <a:r>
+              <a:rPr lang="en-US" dirty="0" smtClean="0"/>
+              <a:t>Step “size“ can be adjusted according to convenience</a:t>
+            </a:r>
+          </a:p>
+          <a:p>
+            <a:endParaRPr lang="en-US" b="1" dirty="0"/>
+          </a:p>
+        </p:txBody>
+      </p:sp>
+    </p:spTree>
+    <p:extLst>
+      <p:ext uri="{BB962C8B-B14F-4D97-AF65-F5344CB8AC3E}">
+        <p14:creationId xmlns:p14="http://schemas.microsoft.com/office/powerpoint/2010/main" val="309505942"/>
+      </p:ext>
+    </p:extLst>
+  </p:cSld>
+  <p:clrMapOvr>
+    <a:masterClrMapping/>
+  </p:clrMapOvr>
+  <mc:AlternateContent xmlns:mc="http://schemas.openxmlformats.org/markup-compatibility/2006" xmlns:p14="http://schemas.microsoft.com/office/powerpoint/2010/main">
+    <mc:Choice Requires="p14">
+      <p:transition p14:dur="0"/>
+    </mc:Choice>
+    <mc:Fallback xmlns="">
+      <p:transition/>
+    </mc:Fallback>
+  </mc:AlternateContent>
+  <p:timing>
+    <p:tnLst>
+      <p:par>
+        <p:cTn id="1" dur="indefinite" restart="never" nodeType="tmRoot"/>
+      </p:par>
+    </p:tnLst>
+  </p:timing>
+</p:sld>
+</file>
+
+<file path=ppt/slides/slide31.xml><?xml version="1.0" encoding="utf-8"?>
+<p:sld xmlns:a="http://schemas.openxmlformats.org/drawingml/2006/main" xmlns:r="http://schemas.openxmlformats.org/officeDocument/2006/relationships" xmlns:p="http://schemas.openxmlformats.org/presentationml/2006/main">
+  <p:cSld>
+    <p:spTree>
+      <p:nvGrpSpPr>
+        <p:cNvPr id="1" name=""/>
+        <p:cNvGrpSpPr/>
+        <p:nvPr/>
+      </p:nvGrpSpPr>
+      <p:grpSpPr>
+        <a:xfrm>
+          <a:off x="0" y="0"/>
+          <a:ext cx="0" cy="0"/>
+          <a:chOff x="0" y="0"/>
+          <a:chExt cx="0" cy="0"/>
+        </a:xfrm>
+      </p:grpSpPr>
+      <p:sp>
+        <p:nvSpPr>
+          <p:cNvPr id="2" name="Titel 1"/>
+          <p:cNvSpPr>
+            <a:spLocks noGrp="1"/>
+          </p:cNvSpPr>
+          <p:nvPr>
+            <p:ph type="title"/>
+          </p:nvPr>
+        </p:nvSpPr>
+        <p:spPr/>
+        <p:txBody>
+          <a:bodyPr/>
+          <a:lstStyle/>
+          <a:p>
+            <a:r>
+              <a:rPr lang="de-DE" dirty="0" smtClean="0"/>
+              <a:t>Unit Tests != TDD</a:t>
+            </a:r>
+            <a:endParaRPr lang="de-DE" dirty="0"/>
+          </a:p>
+        </p:txBody>
+      </p:sp>
+      <p:sp>
+        <p:nvSpPr>
+          <p:cNvPr id="3" name="Inhaltsplatzhalter 2"/>
+          <p:cNvSpPr>
+            <a:spLocks noGrp="1"/>
+          </p:cNvSpPr>
+          <p:nvPr>
+            <p:ph idx="1"/>
+          </p:nvPr>
+        </p:nvSpPr>
+        <p:spPr/>
+        <p:txBody>
+          <a:bodyPr/>
+          <a:lstStyle/>
+          <a:p>
+            <a:r>
+              <a:rPr lang="en-US" dirty="0"/>
+              <a:t>Code can also be driven by automated integration tests (UI tests, DB tests, …)</a:t>
+            </a:r>
+          </a:p>
+          <a:p>
+            <a:endParaRPr lang="en-US" dirty="0" smtClean="0"/>
+          </a:p>
+          <a:p>
+            <a:r>
+              <a:rPr lang="en-US" dirty="0" smtClean="0"/>
+              <a:t>TDD is a practice, unit tests are automated tests with specific properties</a:t>
+            </a:r>
+          </a:p>
+        </p:txBody>
+      </p:sp>
+    </p:spTree>
+    <p:extLst>
+      <p:ext uri="{BB962C8B-B14F-4D97-AF65-F5344CB8AC3E}">
+        <p14:creationId xmlns:p14="http://schemas.microsoft.com/office/powerpoint/2010/main" val="3898398017"/>
+      </p:ext>
+    </p:extLst>
+  </p:cSld>
+  <p:clrMapOvr>
+    <a:masterClrMapping/>
+  </p:clrMapOvr>
+  <mc:AlternateContent xmlns:mc="http://schemas.openxmlformats.org/markup-compatibility/2006" xmlns:p14="http://schemas.microsoft.com/office/powerpoint/2010/main">
+    <mc:Choice Requires="p14">
+      <p:transition p14:dur="0"/>
+    </mc:Choice>
+    <mc:Fallback xmlns="">
+      <p:transition/>
+    </mc:Fallback>
+  </mc:AlternateContent>
+  <p:timing>
+    <p:tnLst>
+      <p:par>
+        <p:cTn id="1" dur="indefinite" restart="never" nodeType="tmRoot"/>
+      </p:par>
+    </p:tnLst>
+  </p:timing>
+</p:sld>
+</file>
+
+<file path=ppt/slides/slide32.xml><?xml version="1.0" encoding="utf-8"?>
 <p:sld xmlns:a="http://schemas.openxmlformats.org/drawingml/2006/main" xmlns:r="http://schemas.openxmlformats.org/officeDocument/2006/relationships" xmlns:p="http://schemas.openxmlformats.org/presentationml/2006/main">
   <p:cSld>
     <p:spTree>
@@ -22891,23 +23781,39 @@
           <a:bodyPr/>
           <a:lstStyle/>
           <a:p>
-            <a:r>
-              <a:rPr lang="en-US" dirty="0"/>
-              <a:t>Most of the tests feedback on design is based on the fact that if it is hard to test a class in an isolated way, then it may have a problem with its design. </a:t>
-            </a:r>
-            <a:endParaRPr lang="en-US" dirty="0" smtClean="0"/>
-          </a:p>
-          <a:p>
-            <a:endParaRPr lang="en-US" dirty="0"/>
-          </a:p>
-          <a:p>
+            <a:pPr>
+              <a:spcBef>
+                <a:spcPts val="600"/>
+              </a:spcBef>
+              <a:spcAft>
+                <a:spcPts val="600"/>
+              </a:spcAft>
+            </a:pPr>
             <a:r>
               <a:rPr lang="en-US" dirty="0" smtClean="0"/>
-              <a:t>The </a:t>
-            </a:r>
-            <a:r>
-              <a:rPr lang="en-US" dirty="0"/>
-              <a:t>harder to write a unit test, the bigger the possibility to find a design smell.</a:t>
+              <a:t>TDD sets </a:t>
+            </a:r>
+            <a:r>
+              <a:rPr lang="en-US" b="1" dirty="0" smtClean="0"/>
+              <a:t>priority</a:t>
+            </a:r>
+            <a:r>
+              <a:rPr lang="en-US" dirty="0" smtClean="0"/>
+              <a:t> for tests</a:t>
+            </a:r>
+          </a:p>
+          <a:p>
+            <a:pPr>
+              <a:spcBef>
+                <a:spcPts val="600"/>
+              </a:spcBef>
+              <a:spcAft>
+                <a:spcPts val="600"/>
+              </a:spcAft>
+            </a:pPr>
+            <a:r>
+              <a:rPr lang="en-US" dirty="0" smtClean="0"/>
+              <a:t>Deign feedback</a:t>
             </a:r>
           </a:p>
         </p:txBody>
@@ -22915,17 +23821,24 @@
     </p:spTree>
     <p:extLst>
       <p:ext uri="{BB962C8B-B14F-4D97-AF65-F5344CB8AC3E}">
-        <p14:creationId xmlns:p14="http://schemas.microsoft.com/office/powerpoint/2010/main" val="681522240"/>
+        <p14:creationId xmlns:p14="http://schemas.microsoft.com/office/powerpoint/2010/main" val="1886441363"/>
       </p:ext>
     </p:extLst>
   </p:cSld>
   <p:clrMapOvr>
     <a:masterClrMapping/>
   </p:clrMapOvr>
+  <p:timing>
+    <p:tnLst>
+      <p:par>
+        <p:cTn id="1" dur="indefinite" restart="never" nodeType="tmRoot"/>
+      </p:par>
+    </p:tnLst>
+  </p:timing>
 </p:sld>
 </file>
 
-<file path=ppt/slides/slide31.xml><?xml version="1.0" encoding="utf-8"?>
+<file path=ppt/slides/slide33.xml><?xml version="1.0" encoding="utf-8"?>
 <p:sld xmlns:a="http://schemas.openxmlformats.org/drawingml/2006/main" xmlns:r="http://schemas.openxmlformats.org/officeDocument/2006/relationships" xmlns:p="http://schemas.openxmlformats.org/presentationml/2006/main">
   <p:cSld>
     <p:spTree>
@@ -22959,7 +23872,7 @@
           <a:p>
             <a:r>
               <a:rPr lang="en-US" dirty="0" smtClean="0"/>
-              <a:t>Testable design</a:t>
+              <a:t>Why TDD</a:t>
             </a:r>
             <a:endParaRPr lang="en-US" dirty="0"/>
           </a:p>
@@ -22980,6 +23893,102 @@
           <a:bodyPr/>
           <a:lstStyle/>
           <a:p>
+            <a:r>
+              <a:rPr lang="en-US" dirty="0"/>
+              <a:t>Most of the tests feedback on design is based on the fact that if it is hard to test a class in an isolated way, then it may have a problem with its design. </a:t>
+            </a:r>
+            <a:endParaRPr lang="en-US" dirty="0" smtClean="0"/>
+          </a:p>
+          <a:p>
+            <a:endParaRPr lang="en-US" dirty="0"/>
+          </a:p>
+          <a:p>
+            <a:r>
+              <a:rPr lang="en-US" dirty="0" smtClean="0"/>
+              <a:t>The </a:t>
+            </a:r>
+            <a:r>
+              <a:rPr lang="en-US" dirty="0"/>
+              <a:t>harder to write a unit test, the bigger the possibility to find a design smell.</a:t>
+            </a:r>
+          </a:p>
+        </p:txBody>
+      </p:sp>
+    </p:spTree>
+    <p:extLst>
+      <p:ext uri="{BB962C8B-B14F-4D97-AF65-F5344CB8AC3E}">
+        <p14:creationId xmlns:p14="http://schemas.microsoft.com/office/powerpoint/2010/main" val="681522240"/>
+      </p:ext>
+    </p:extLst>
+  </p:cSld>
+  <p:clrMapOvr>
+    <a:masterClrMapping/>
+  </p:clrMapOvr>
+  <p:timing>
+    <p:tnLst>
+      <p:par>
+        <p:cTn id="1" dur="indefinite" restart="never" nodeType="tmRoot"/>
+      </p:par>
+    </p:tnLst>
+  </p:timing>
+</p:sld>
+</file>
+
+<file path=ppt/slides/slide34.xml><?xml version="1.0" encoding="utf-8"?>
+<p:sld xmlns:a="http://schemas.openxmlformats.org/drawingml/2006/main" xmlns:r="http://schemas.openxmlformats.org/officeDocument/2006/relationships" xmlns:p="http://schemas.openxmlformats.org/presentationml/2006/main">
+  <p:cSld>
+    <p:spTree>
+      <p:nvGrpSpPr>
+        <p:cNvPr id="1" name=""/>
+        <p:cNvGrpSpPr/>
+        <p:nvPr/>
+      </p:nvGrpSpPr>
+      <p:grpSpPr>
+        <a:xfrm>
+          <a:off x="0" y="0"/>
+          <a:ext cx="0" cy="0"/>
+          <a:chOff x="0" y="0"/>
+          <a:chExt cx="0" cy="0"/>
+        </a:xfrm>
+      </p:grpSpPr>
+      <p:sp>
+        <p:nvSpPr>
+          <p:cNvPr id="2" name="Title 1"/>
+          <p:cNvSpPr>
+            <a:spLocks noGrp="1"/>
+          </p:cNvSpPr>
+          <p:nvPr>
+            <p:ph type="title"/>
+          </p:nvPr>
+        </p:nvSpPr>
+        <p:spPr/>
+        <p:txBody>
+          <a:bodyPr/>
+          <a:lstStyle/>
+          <a:p>
+            <a:r>
+              <a:rPr lang="en-US" dirty="0" smtClean="0"/>
+              <a:t>Testable design</a:t>
+            </a:r>
+            <a:endParaRPr lang="en-US" dirty="0"/>
+          </a:p>
+        </p:txBody>
+      </p:sp>
+      <p:sp>
+        <p:nvSpPr>
+          <p:cNvPr id="3" name="Content Placeholder 2"/>
+          <p:cNvSpPr>
+            <a:spLocks noGrp="1"/>
+          </p:cNvSpPr>
+          <p:nvPr>
+            <p:ph idx="1"/>
+          </p:nvPr>
+        </p:nvSpPr>
+        <p:spPr/>
+        <p:txBody>
+          <a:bodyPr/>
+          <a:lstStyle/>
+          <a:p>
             <a:pPr>
               <a:spcBef>
                 <a:spcPts val="600"/>
@@ -23067,10 +24076,17 @@
   <p:clrMapOvr>
     <a:masterClrMapping/>
   </p:clrMapOvr>
+  <p:timing>
+    <p:tnLst>
+      <p:par>
+        <p:cTn id="1" dur="indefinite" restart="never" nodeType="tmRoot"/>
+      </p:par>
+    </p:tnLst>
+  </p:timing>
 </p:sld>
 </file>
 
-<file path=ppt/slides/slide32.xml><?xml version="1.0" encoding="utf-8"?>
+<file path=ppt/slides/slide35.xml><?xml version="1.0" encoding="utf-8"?>
 <p:sld xmlns:a="http://schemas.openxmlformats.org/drawingml/2006/main" xmlns:r="http://schemas.openxmlformats.org/officeDocument/2006/relationships" xmlns:p="http://schemas.openxmlformats.org/presentationml/2006/main">
   <p:cSld>
     <p:spTree>
@@ -23168,10 +24184,17 @@
   <p:clrMapOvr>
     <a:masterClrMapping/>
   </p:clrMapOvr>
+  <p:timing>
+    <p:tnLst>
+      <p:par>
+        <p:cTn id="1" dur="indefinite" restart="never" nodeType="tmRoot"/>
+      </p:par>
+    </p:tnLst>
+  </p:timing>
 </p:sld>
 </file>
 
-<file path=ppt/slides/slide33.xml><?xml version="1.0" encoding="utf-8"?>
+<file path=ppt/slides/slide36.xml><?xml version="1.0" encoding="utf-8"?>
 <p:sld xmlns:a="http://schemas.openxmlformats.org/drawingml/2006/main" xmlns:r="http://schemas.openxmlformats.org/officeDocument/2006/relationships" xmlns:p="http://schemas.openxmlformats.org/presentationml/2006/main">
   <p:cSld>
     <p:spTree>
@@ -23246,10 +24269,17 @@
   <p:clrMapOvr>
     <a:masterClrMapping/>
   </p:clrMapOvr>
+  <p:timing>
+    <p:tnLst>
+      <p:par>
+        <p:cTn id="1" dur="indefinite" restart="never" nodeType="tmRoot"/>
+      </p:par>
+    </p:tnLst>
+  </p:timing>
 </p:sld>
 </file>
 
-<file path=ppt/slides/slide34.xml><?xml version="1.0" encoding="utf-8"?>
+<file path=ppt/slides/slide37.xml><?xml version="1.0" encoding="utf-8"?>
 <p:sld xmlns:a="http://schemas.openxmlformats.org/drawingml/2006/main" xmlns:r="http://schemas.openxmlformats.org/officeDocument/2006/relationships" xmlns:p="http://schemas.openxmlformats.org/presentationml/2006/main">
   <p:cSld>
     <p:spTree>
@@ -23425,7 +24455,7 @@
             <a:fld id="{2387B7E2-7538-4163-9310-D5E6EE1BC12A}" type="slidenum">
               <a:rPr lang="en-US" smtClean="0"/>
               <a:pPr/>
-              <a:t>34</a:t>
+              <a:t>37</a:t>
             </a:fld>
             <a:endParaRPr lang="en-US"/>
           </a:p>
@@ -23441,10 +24471,17 @@
   <p:clrMapOvr>
     <a:masterClrMapping/>
   </p:clrMapOvr>
+  <p:timing>
+    <p:tnLst>
+      <p:par>
+        <p:cTn id="1" dur="indefinite" restart="never" nodeType="tmRoot"/>
+      </p:par>
+    </p:tnLst>
+  </p:timing>
 </p:sld>
 </file>
 
-<file path=ppt/slides/slide35.xml><?xml version="1.0" encoding="utf-8"?>
+<file path=ppt/slides/slide38.xml><?xml version="1.0" encoding="utf-8"?>
 <p:sld xmlns:a="http://schemas.openxmlformats.org/drawingml/2006/main" xmlns:r="http://schemas.openxmlformats.org/officeDocument/2006/relationships" xmlns:p="http://schemas.openxmlformats.org/presentationml/2006/main">
   <p:cSld>
     <p:spTree>
@@ -23517,10 +24554,17 @@
   <p:clrMapOvr>
     <a:masterClrMapping/>
   </p:clrMapOvr>
+  <p:timing>
+    <p:tnLst>
+      <p:par>
+        <p:cTn id="1" dur="indefinite" restart="never" nodeType="tmRoot"/>
+      </p:par>
+    </p:tnLst>
+  </p:timing>
 </p:sld>
 </file>
 
-<file path=ppt/slides/slide36.xml><?xml version="1.0" encoding="utf-8"?>
+<file path=ppt/slides/slide39.xml><?xml version="1.0" encoding="utf-8"?>
 <p:sld xmlns:a="http://schemas.openxmlformats.org/drawingml/2006/main" xmlns:r="http://schemas.openxmlformats.org/officeDocument/2006/relationships" xmlns:p="http://schemas.openxmlformats.org/presentationml/2006/main">
   <p:cSld>
     <p:spTree>
@@ -23552,10 +24596,6 @@
           <a:bodyPr/>
           <a:lstStyle/>
           <a:p>
-            <a:r>
-              <a:rPr lang="en-US" dirty="0" smtClean="0"/>
-              <a:t>More TDD….</a:t>
-            </a:r>
             <a:endParaRPr lang="en-US" dirty="0"/>
           </a:p>
         </p:txBody>
@@ -23572,10 +24612,14 @@
         </p:nvSpPr>
         <p:spPr/>
         <p:txBody>
-          <a:bodyPr/>
+          <a:bodyPr anchor="ctr" anchorCtr="1"/>
           <a:lstStyle/>
           <a:p>
-            <a:endParaRPr lang="en-US"/>
+            <a:r>
+              <a:rPr lang="en-US" sz="2400" dirty="0" smtClean="0"/>
+              <a:t>Q &amp; A</a:t>
+            </a:r>
+            <a:endParaRPr lang="en-US" sz="2400" dirty="0"/>
           </a:p>
         </p:txBody>
       </p:sp>
@@ -23589,6 +24633,13 @@
   <p:clrMapOvr>
     <a:masterClrMapping/>
   </p:clrMapOvr>
+  <p:timing>
+    <p:tnLst>
+      <p:par>
+        <p:cTn id="1" dur="indefinite" restart="never" nodeType="tmRoot"/>
+      </p:par>
+    </p:tnLst>
+  </p:timing>
 </p:sld>
 </file>
 
@@ -23624,10 +24675,6 @@
           <a:bodyPr/>
           <a:lstStyle/>
           <a:p>
-            <a:r>
-              <a:rPr lang="en-US" dirty="0" smtClean="0"/>
-              <a:t>Building the right feedback loop</a:t>
-            </a:r>
             <a:endParaRPr lang="en-US" dirty="0"/>
           </a:p>
         </p:txBody>
@@ -23644,19 +24691,16 @@
         </p:nvSpPr>
         <p:spPr/>
         <p:txBody>
-          <a:bodyPr>
+          <a:bodyPr anchor="ctr" anchorCtr="1">
             <a:normAutofit/>
           </a:bodyPr>
           <a:lstStyle/>
           <a:p>
             <a:r>
               <a:rPr lang="en-US" sz="2400" dirty="0"/>
-              <a:t>Tests create a feedback loop that informs the developer whether the product is working or not. </a:t>
-            </a:r>
-            <a:endParaRPr lang="en-US" sz="2400" dirty="0" smtClean="0"/>
-          </a:p>
-          <a:p>
-            <a:endParaRPr lang="en-US" dirty="0"/>
+              <a:t>Building the right feedback loop</a:t>
+            </a:r>
+            <a:endParaRPr lang="en-US" sz="2400" dirty="0"/>
           </a:p>
         </p:txBody>
       </p:sp>
@@ -23695,7 +24739,7 @@
     </p:spTree>
     <p:extLst>
       <p:ext uri="{BB962C8B-B14F-4D97-AF65-F5344CB8AC3E}">
-        <p14:creationId xmlns:p14="http://schemas.microsoft.com/office/powerpoint/2010/main" val="1548579312"/>
+        <p14:creationId xmlns:p14="http://schemas.microsoft.com/office/powerpoint/2010/main" val="1801141105"/>
       </p:ext>
     </p:extLst>
   </p:cSld>
@@ -23746,15 +24790,7 @@
           <a:p>
             <a:r>
               <a:rPr lang="en-US" dirty="0" smtClean="0"/>
-              <a:t>Ideal </a:t>
-            </a:r>
-            <a:r>
-              <a:rPr lang="en-US" dirty="0"/>
-              <a:t>feedback loop </a:t>
-            </a:r>
-            <a:r>
-              <a:rPr lang="en-US" dirty="0" smtClean="0"/>
-              <a:t>properties</a:t>
+              <a:t>Building the right feedback loop</a:t>
             </a:r>
             <a:endParaRPr lang="en-US" dirty="0"/>
           </a:p>
@@ -23777,6 +24813,134 @@
           </a:bodyPr>
           <a:lstStyle/>
           <a:p>
+            <a:r>
+              <a:rPr lang="en-US" sz="2400" dirty="0"/>
+              <a:t>Tests create a feedback loop that informs the developer whether the product is working or not. </a:t>
+            </a:r>
+            <a:endParaRPr lang="en-US" sz="2400" dirty="0" smtClean="0"/>
+          </a:p>
+          <a:p>
+            <a:endParaRPr lang="en-US" dirty="0"/>
+          </a:p>
+        </p:txBody>
+      </p:sp>
+      <p:sp>
+        <p:nvSpPr>
+          <p:cNvPr id="4" name="Slide Number Placeholder 3"/>
+          <p:cNvSpPr>
+            <a:spLocks noGrp="1"/>
+          </p:cNvSpPr>
+          <p:nvPr>
+            <p:ph type="sldNum" sz="quarter" idx="4294967295"/>
+          </p:nvPr>
+        </p:nvSpPr>
+        <p:spPr>
+          <a:xfrm>
+            <a:off x="8613775" y="6356351"/>
+            <a:ext cx="2743200" cy="365125"/>
+          </a:xfrm>
+          <a:prstGeom prst="rect">
+            <a:avLst/>
+          </a:prstGeom>
+        </p:spPr>
+        <p:txBody>
+          <a:bodyPr/>
+          <a:lstStyle/>
+          <a:p>
+            <a:fld id="{2387B7E2-7538-4163-9310-D5E6EE1BC12A}" type="slidenum">
+              <a:rPr lang="en-US" smtClean="0"/>
+              <a:pPr/>
+              <a:t>5</a:t>
+            </a:fld>
+            <a:endParaRPr lang="en-US"/>
+          </a:p>
+        </p:txBody>
+      </p:sp>
+    </p:spTree>
+    <p:extLst>
+      <p:ext uri="{BB962C8B-B14F-4D97-AF65-F5344CB8AC3E}">
+        <p14:creationId xmlns:p14="http://schemas.microsoft.com/office/powerpoint/2010/main" val="1548579312"/>
+      </p:ext>
+    </p:extLst>
+  </p:cSld>
+  <p:clrMapOvr>
+    <a:masterClrMapping/>
+  </p:clrMapOvr>
+  <p:timing>
+    <p:tnLst>
+      <p:par>
+        <p:cTn id="1" dur="indefinite" restart="never" nodeType="tmRoot"/>
+      </p:par>
+    </p:tnLst>
+  </p:timing>
+</p:sld>
+</file>
+
+<file path=ppt/slides/slide6.xml><?xml version="1.0" encoding="utf-8"?>
+<p:sld xmlns:a="http://schemas.openxmlformats.org/drawingml/2006/main" xmlns:r="http://schemas.openxmlformats.org/officeDocument/2006/relationships" xmlns:p="http://schemas.openxmlformats.org/presentationml/2006/main">
+  <p:cSld>
+    <p:spTree>
+      <p:nvGrpSpPr>
+        <p:cNvPr id="1" name=""/>
+        <p:cNvGrpSpPr/>
+        <p:nvPr/>
+      </p:nvGrpSpPr>
+      <p:grpSpPr>
+        <a:xfrm>
+          <a:off x="0" y="0"/>
+          <a:ext cx="0" cy="0"/>
+          <a:chOff x="0" y="0"/>
+          <a:chExt cx="0" cy="0"/>
+        </a:xfrm>
+      </p:grpSpPr>
+      <p:sp>
+        <p:nvSpPr>
+          <p:cNvPr id="2" name="Title 1"/>
+          <p:cNvSpPr>
+            <a:spLocks noGrp="1"/>
+          </p:cNvSpPr>
+          <p:nvPr>
+            <p:ph type="title"/>
+          </p:nvPr>
+        </p:nvSpPr>
+        <p:spPr/>
+        <p:txBody>
+          <a:bodyPr/>
+          <a:lstStyle/>
+          <a:p>
+            <a:r>
+              <a:rPr lang="en-US" dirty="0" smtClean="0"/>
+              <a:t>Ideal </a:t>
+            </a:r>
+            <a:r>
+              <a:rPr lang="en-US" dirty="0"/>
+              <a:t>feedback loop </a:t>
+            </a:r>
+            <a:r>
+              <a:rPr lang="en-US" dirty="0" smtClean="0"/>
+              <a:t>properties</a:t>
+            </a:r>
+            <a:endParaRPr lang="en-US" dirty="0"/>
+          </a:p>
+        </p:txBody>
+      </p:sp>
+      <p:sp>
+        <p:nvSpPr>
+          <p:cNvPr id="3" name="Content Placeholder 2"/>
+          <p:cNvSpPr>
+            <a:spLocks noGrp="1"/>
+          </p:cNvSpPr>
+          <p:nvPr>
+            <p:ph idx="1"/>
+          </p:nvPr>
+        </p:nvSpPr>
+        <p:spPr/>
+        <p:txBody>
+          <a:bodyPr>
+            <a:normAutofit/>
+          </a:bodyPr>
+          <a:lstStyle/>
+          <a:p>
             <a:pPr marL="457200" indent="-457200">
               <a:buFont typeface="Arial" panose="020B0604020202020204" pitchFamily="34" charset="0"/>
               <a:buChar char="•"/>
@@ -23808,7 +24972,6 @@
               <a:rPr lang="en-US" sz="2800" dirty="0" smtClean="0"/>
               <a:t>reliable</a:t>
             </a:r>
-            <a:endParaRPr lang="en-US" sz="2800" dirty="0" smtClean="0"/>
           </a:p>
           <a:p>
             <a:pPr marL="457200" indent="-457200">
@@ -23844,10 +25007,17 @@
   <p:clrMapOvr>
     <a:masterClrMapping/>
   </p:clrMapOvr>
+  <p:timing>
+    <p:tnLst>
+      <p:par>
+        <p:cTn id="1" dur="indefinite" restart="never" nodeType="tmRoot"/>
+      </p:par>
+    </p:tnLst>
+  </p:timing>
 </p:sld>
 </file>
 
-<file path=ppt/slides/slide6.xml><?xml version="1.0" encoding="utf-8"?>
+<file path=ppt/slides/slide7.xml><?xml version="1.0" encoding="utf-8"?>
 <p:sld xmlns:a="http://schemas.openxmlformats.org/drawingml/2006/main" xmlns:r="http://schemas.openxmlformats.org/officeDocument/2006/relationships" xmlns:p="http://schemas.openxmlformats.org/presentationml/2006/main">
   <p:cSld>
     <p:spTree>
@@ -23899,7 +25069,18 @@
             <p:ph idx="1"/>
           </p:nvPr>
         </p:nvSpPr>
-        <p:spPr/>
+        <p:spPr>
+          <a:xfrm>
+            <a:off x="627063" y="1420694"/>
+            <a:ext cx="11088736" cy="4752976"/>
+          </a:xfrm>
+          <a:solidFill>
+            <a:schemeClr val="bg2">
+              <a:lumMod val="20000"/>
+              <a:lumOff val="80000"/>
+            </a:schemeClr>
+          </a:solidFill>
+        </p:spPr>
         <p:style>
           <a:lnRef idx="1">
             <a:schemeClr val="accent3"/>
@@ -23920,37 +25101,61 @@
           </a:bodyPr>
           <a:lstStyle/>
           <a:p>
-            <a:r>
-              <a:rPr lang="en-US" dirty="0" smtClean="0"/>
+            <a:pPr lvl="1">
+              <a:spcBef>
+                <a:spcPts val="600"/>
+              </a:spcBef>
+              <a:spcAft>
+                <a:spcPts val="600"/>
+              </a:spcAft>
+            </a:pPr>
+            <a:r>
+              <a:rPr lang="en-US" sz="2400" dirty="0" smtClean="0"/>
               <a:t>Test </a:t>
             </a:r>
             <a:r>
-              <a:rPr lang="en-US" dirty="0"/>
+              <a:rPr lang="en-US" sz="2400" dirty="0"/>
               <a:t>Early. </a:t>
             </a:r>
-            <a:endParaRPr lang="en-US" dirty="0" smtClean="0"/>
-          </a:p>
-          <a:p>
-            <a:r>
-              <a:rPr lang="en-US" dirty="0" smtClean="0"/>
+            <a:endParaRPr lang="en-US" sz="2400" dirty="0" smtClean="0"/>
+          </a:p>
+          <a:p>
+            <a:pPr lvl="1">
+              <a:spcBef>
+                <a:spcPts val="600"/>
+              </a:spcBef>
+              <a:spcAft>
+                <a:spcPts val="600"/>
+              </a:spcAft>
+            </a:pPr>
+            <a:r>
+              <a:rPr lang="en-US" sz="2400" dirty="0" smtClean="0"/>
               <a:t>Test </a:t>
             </a:r>
             <a:r>
-              <a:rPr lang="en-US" dirty="0"/>
+              <a:rPr lang="en-US" sz="2400" dirty="0"/>
               <a:t>Often. </a:t>
             </a:r>
-            <a:endParaRPr lang="en-US" dirty="0" smtClean="0"/>
-          </a:p>
-          <a:p>
-            <a:r>
-              <a:rPr lang="en-US" dirty="0" smtClean="0"/>
+            <a:endParaRPr lang="en-US" sz="2400" dirty="0" smtClean="0"/>
+          </a:p>
+          <a:p>
+            <a:pPr lvl="1">
+              <a:spcBef>
+                <a:spcPts val="600"/>
+              </a:spcBef>
+              <a:spcAft>
+                <a:spcPts val="600"/>
+              </a:spcAft>
+            </a:pPr>
+            <a:r>
+              <a:rPr lang="en-US" sz="2400" dirty="0" smtClean="0"/>
               <a:t>Test </a:t>
             </a:r>
             <a:r>
-              <a:rPr lang="en-US" dirty="0"/>
+              <a:rPr lang="en-US" sz="2400" dirty="0"/>
               <a:t>Automatically. </a:t>
             </a:r>
-            <a:endParaRPr lang="en-US" dirty="0" smtClean="0"/>
+            <a:endParaRPr lang="en-US" sz="2400" dirty="0" smtClean="0"/>
           </a:p>
           <a:p>
             <a:pPr algn="r"/>
@@ -23959,21 +25164,6 @@
           <a:p>
             <a:pPr algn="r"/>
             <a:endParaRPr lang="en-US" sz="3200" dirty="0"/>
-          </a:p>
-          <a:p>
-            <a:pPr algn="r"/>
-            <a:r>
-              <a:rPr lang="en-US" sz="2667" dirty="0"/>
-              <a:t>Andrew Hunt and David Thomas </a:t>
-            </a:r>
-          </a:p>
-          <a:p>
-            <a:pPr algn="r"/>
-            <a:r>
-              <a:rPr lang="en-US" sz="2667" dirty="0"/>
-              <a:t>The Pragmatic Programmer</a:t>
-            </a:r>
-            <a:endParaRPr lang="de-DE" sz="2667" dirty="0"/>
           </a:p>
         </p:txBody>
       </p:sp>
@@ -24002,116 +25192,6 @@
       </p:par>
     </p:tnLst>
   </p:timing>
-</p:sld>
-</file>
-
-<file path=ppt/slides/slide7.xml><?xml version="1.0" encoding="utf-8"?>
-<p:sld xmlns:a="http://schemas.openxmlformats.org/drawingml/2006/main" xmlns:r="http://schemas.openxmlformats.org/officeDocument/2006/relationships" xmlns:p="http://schemas.openxmlformats.org/presentationml/2006/main">
-  <p:cSld>
-    <p:spTree>
-      <p:nvGrpSpPr>
-        <p:cNvPr id="1" name=""/>
-        <p:cNvGrpSpPr/>
-        <p:nvPr/>
-      </p:nvGrpSpPr>
-      <p:grpSpPr>
-        <a:xfrm>
-          <a:off x="0" y="0"/>
-          <a:ext cx="0" cy="0"/>
-          <a:chOff x="0" y="0"/>
-          <a:chExt cx="0" cy="0"/>
-        </a:xfrm>
-      </p:grpSpPr>
-      <p:sp>
-        <p:nvSpPr>
-          <p:cNvPr id="2" name="Title 1"/>
-          <p:cNvSpPr>
-            <a:spLocks noGrp="1"/>
-          </p:cNvSpPr>
-          <p:nvPr>
-            <p:ph type="title"/>
-          </p:nvPr>
-        </p:nvSpPr>
-        <p:spPr/>
-        <p:txBody>
-          <a:bodyPr/>
-          <a:lstStyle/>
-          <a:p>
-            <a:r>
-              <a:rPr lang="en-US" dirty="0" smtClean="0"/>
-              <a:t>Fear of making change</a:t>
-            </a:r>
-            <a:endParaRPr lang="en-US" dirty="0"/>
-          </a:p>
-        </p:txBody>
-      </p:sp>
-      <p:sp>
-        <p:nvSpPr>
-          <p:cNvPr id="3" name="Content Placeholder 2"/>
-          <p:cNvSpPr>
-            <a:spLocks noGrp="1"/>
-          </p:cNvSpPr>
-          <p:nvPr>
-            <p:ph idx="1"/>
-          </p:nvPr>
-        </p:nvSpPr>
-        <p:spPr/>
-        <p:txBody>
-          <a:bodyPr/>
-          <a:lstStyle/>
-          <a:p>
-            <a:pPr>
-              <a:buNone/>
-            </a:pPr>
-            <a:r>
-              <a:rPr lang="en-US" i="1" dirty="0" smtClean="0"/>
-              <a:t>Unit </a:t>
-            </a:r>
-            <a:r>
-              <a:rPr lang="en-US" i="1" dirty="0"/>
-              <a:t>tests enable to gain confidence in code over time . As </a:t>
-            </a:r>
-            <a:r>
-              <a:rPr lang="en-US" i="1" dirty="0" smtClean="0"/>
-              <a:t>test accumulate </a:t>
-            </a:r>
-            <a:r>
-              <a:rPr lang="en-US" i="1" dirty="0"/>
-              <a:t>, we gain confidence in the behavior of the system.</a:t>
-            </a:r>
-          </a:p>
-          <a:p>
-            <a:pPr>
-              <a:buNone/>
-            </a:pPr>
-            <a:endParaRPr lang="en-US" i="1" dirty="0"/>
-          </a:p>
-          <a:p>
-            <a:pPr>
-              <a:buNone/>
-            </a:pPr>
-            <a:r>
-              <a:rPr lang="en-GB" dirty="0" smtClean="0"/>
-              <a:t>Fear </a:t>
-            </a:r>
-            <a:r>
-              <a:rPr lang="en-GB" dirty="0"/>
-              <a:t>of making change disappear</a:t>
-            </a:r>
-            <a:endParaRPr lang="en-US" dirty="0"/>
-          </a:p>
-        </p:txBody>
-      </p:sp>
-    </p:spTree>
-    <p:extLst>
-      <p:ext uri="{BB962C8B-B14F-4D97-AF65-F5344CB8AC3E}">
-        <p14:creationId xmlns:p14="http://schemas.microsoft.com/office/powerpoint/2010/main" val="3920287118"/>
-      </p:ext>
-    </p:extLst>
-  </p:cSld>
-  <p:clrMapOvr>
-    <a:masterClrMapping/>
-  </p:clrMapOvr>
 </p:sld>
 </file>
 
@@ -24147,10 +25227,6 @@
           <a:bodyPr/>
           <a:lstStyle/>
           <a:p>
-            <a:r>
-              <a:rPr lang="en-US" dirty="0" smtClean="0"/>
-              <a:t>Continuous integration and Continuous delivery</a:t>
-            </a:r>
             <a:endParaRPr lang="en-US" dirty="0"/>
           </a:p>
         </p:txBody>
@@ -24167,23 +25243,34 @@
         </p:nvSpPr>
         <p:spPr/>
         <p:txBody>
-          <a:bodyPr/>
+          <a:bodyPr anchor="ctr" anchorCtr="1"/>
           <a:lstStyle/>
           <a:p>
-            <a:endParaRPr lang="en-US"/>
+            <a:r>
+              <a:rPr lang="en-US" sz="2400" dirty="0"/>
+              <a:t>Fear of making change</a:t>
+            </a:r>
+            <a:endParaRPr lang="en-US" sz="2400" dirty="0"/>
           </a:p>
         </p:txBody>
       </p:sp>
     </p:spTree>
     <p:extLst>
       <p:ext uri="{BB962C8B-B14F-4D97-AF65-F5344CB8AC3E}">
-        <p14:creationId xmlns:p14="http://schemas.microsoft.com/office/powerpoint/2010/main" val="727870900"/>
+        <p14:creationId xmlns:p14="http://schemas.microsoft.com/office/powerpoint/2010/main" val="2369353745"/>
       </p:ext>
     </p:extLst>
   </p:cSld>
   <p:clrMapOvr>
     <a:masterClrMapping/>
   </p:clrMapOvr>
+  <p:timing>
+    <p:tnLst>
+      <p:par>
+        <p:cTn id="1" dur="indefinite" restart="never" nodeType="tmRoot"/>
+      </p:par>
+    </p:tnLst>
+  </p:timing>
 </p:sld>
 </file>
 
@@ -24220,9 +25307,10 @@
           <a:lstStyle/>
           <a:p>
             <a:r>
-              <a:rPr lang="en-US" dirty="0"/>
-              <a:t>Continuous integration</a:t>
-            </a:r>
+              <a:rPr lang="en-US" dirty="0" smtClean="0"/>
+              <a:t>Fear of making change</a:t>
+            </a:r>
+            <a:endParaRPr lang="en-US" dirty="0"/>
           </a:p>
         </p:txBody>
       </p:sp>
@@ -24238,106 +25326,55 @@
         </p:nvSpPr>
         <p:spPr/>
         <p:txBody>
-          <a:bodyPr>
-            <a:normAutofit/>
-          </a:bodyPr>
+          <a:bodyPr/>
           <a:lstStyle/>
           <a:p>
             <a:pPr>
               <a:buNone/>
             </a:pPr>
             <a:r>
-              <a:rPr lang="en-US" i="1" dirty="0" smtClean="0"/>
-              <a:t>Continuous </a:t>
-            </a:r>
-            <a:r>
-              <a:rPr lang="en-US" i="1" dirty="0" smtClean="0"/>
-              <a:t>Integration is a software development practice where members of a team integrate their work frequently</a:t>
+              <a:rPr lang="en-US" sz="2000" i="1" dirty="0" smtClean="0"/>
+              <a:t>Unit </a:t>
+            </a:r>
+            <a:r>
+              <a:rPr lang="en-US" sz="2000" i="1" dirty="0"/>
+              <a:t>tests enable to gain confidence in code over time . As </a:t>
+            </a:r>
+            <a:r>
+              <a:rPr lang="en-US" sz="2000" i="1" dirty="0" smtClean="0"/>
+              <a:t>test accumulate </a:t>
+            </a:r>
+            <a:r>
+              <a:rPr lang="en-US" sz="2000" i="1" dirty="0"/>
+              <a:t>, we gain confidence in the behavior of the system.</a:t>
             </a:r>
           </a:p>
           <a:p>
             <a:pPr>
               <a:buNone/>
             </a:pPr>
-            <a:r>
-              <a:rPr lang="en-US" i="1" dirty="0" smtClean="0"/>
-              <a:t>	</a:t>
-            </a:r>
+            <a:endParaRPr lang="en-US" sz="2000" i="1" dirty="0"/>
           </a:p>
           <a:p>
             <a:pPr>
               <a:buNone/>
             </a:pPr>
             <a:r>
-              <a:rPr lang="en-US" i="1" dirty="0" smtClean="0"/>
-              <a:t>each </a:t>
-            </a:r>
-            <a:r>
-              <a:rPr lang="en-US" i="1" dirty="0" smtClean="0"/>
-              <a:t>person integrates at least daily - leading to multiple integrations per day. </a:t>
-            </a:r>
-          </a:p>
-          <a:p>
-            <a:pPr>
-              <a:buNone/>
-            </a:pPr>
-            <a:r>
-              <a:rPr lang="en-US" i="1" dirty="0" smtClean="0"/>
-              <a:t>	</a:t>
-            </a:r>
-          </a:p>
-          <a:p>
-            <a:pPr>
-              <a:buNone/>
-            </a:pPr>
-            <a:r>
-              <a:rPr lang="en-US" i="1" dirty="0" smtClean="0"/>
-              <a:t>Each </a:t>
-            </a:r>
-            <a:r>
-              <a:rPr lang="en-US" i="1" dirty="0" smtClean="0"/>
-              <a:t>integration is verified by an automated build (including test) to detect integration errors as quickly as possible. 	</a:t>
-            </a:r>
-            <a:endParaRPr lang="en-US" dirty="0"/>
-          </a:p>
-        </p:txBody>
-      </p:sp>
-      <p:sp>
-        <p:nvSpPr>
-          <p:cNvPr id="4" name="Slide Number Placeholder 3"/>
-          <p:cNvSpPr>
-            <a:spLocks noGrp="1"/>
-          </p:cNvSpPr>
-          <p:nvPr>
-            <p:ph type="sldNum" sz="quarter" idx="4294967295"/>
-          </p:nvPr>
-        </p:nvSpPr>
-        <p:spPr>
-          <a:xfrm>
-            <a:off x="8613775" y="6356351"/>
-            <a:ext cx="2743200" cy="365125"/>
-          </a:xfrm>
-          <a:prstGeom prst="rect">
-            <a:avLst/>
-          </a:prstGeom>
-        </p:spPr>
-        <p:txBody>
-          <a:bodyPr/>
-          <a:lstStyle/>
-          <a:p>
-            <a:fld id="{2387B7E2-7538-4163-9310-D5E6EE1BC12A}" type="slidenum">
-              <a:rPr lang="en-US" smtClean="0"/>
-              <a:pPr/>
-              <a:t>9</a:t>
-            </a:fld>
-            <a:endParaRPr lang="en-US"/>
+              <a:rPr lang="en-GB" sz="2000" dirty="0" smtClean="0"/>
+              <a:t>Fear </a:t>
+            </a:r>
+            <a:r>
+              <a:rPr lang="en-GB" sz="2000" dirty="0"/>
+              <a:t>of making change disappear</a:t>
+            </a:r>
+            <a:endParaRPr lang="en-US" sz="2000" dirty="0"/>
           </a:p>
         </p:txBody>
       </p:sp>
     </p:spTree>
     <p:extLst>
       <p:ext uri="{BB962C8B-B14F-4D97-AF65-F5344CB8AC3E}">
-        <p14:creationId xmlns:p14="http://schemas.microsoft.com/office/powerpoint/2010/main" val="2166887052"/>
+        <p14:creationId xmlns:p14="http://schemas.microsoft.com/office/powerpoint/2010/main" val="3920287118"/>
       </p:ext>
     </p:extLst>
   </p:cSld>
@@ -27122,13 +28159,37 @@
 
 <file path=customXml/item1.xml><?xml version="1.0" encoding="utf-8"?>
 <p4ppTags>
+  <Name>Four objects + Navigation</Name>
+  <PpLayout>32</PpLayout>
+  <Index>22</Index>
+</p4ppTags>
+</file>
+
+<file path=customXml/item10.xml><?xml version="1.0" encoding="utf-8"?>
+<p:properties xmlns:p="http://schemas.microsoft.com/office/2006/metadata/properties" xmlns:xsi="http://www.w3.org/2001/XMLSchema-instance">
+  <documentManagement>
+    <_Status xmlns="http://schemas.microsoft.com/sharepoint/v3/fields">Draft</_Status>
+    <Language xmlns="http://schemas.microsoft.com/sharepoint/v3">Deutsch</Language>
+    <Owner xmlns="http://schemas.microsoft.com/sharepoint/v3" xsi:nil="true"/>
+    <SiemensSecurityClass xmlns="a4142d59-2d25-4234-9648-b19dcffae1a1">Confidential</SiemensSecurityClass>
+    <SCCoverageSpatialOrgUnit xmlns="http://schemas.microsoft.com/sharepoint/v3">SIEMENS AG</SCCoverageSpatialOrgUnit>
+  </documentManagement>
+</p:properties>
+</file>
+
+<file path=customXml/item11.xml><?xml version="1.0" encoding="utf-8"?>
+<p4ppTags/>
+</file>
+
+<file path=customXml/item12.xml><?xml version="1.0" encoding="utf-8"?>
+<p4ppTags>
   <Name>One object (large)</Name>
   <PpLayout>16</PpLayout>
   <Index>10</Index>
 </p4ppTags>
 </file>
 
-<file path=customXml/item10.xml><?xml version="1.0" encoding="utf-8"?>
+<file path=customXml/item13.xml><?xml version="1.0" encoding="utf-8"?>
 <?mso-contentType ?>
 <FormTemplates xmlns="http://schemas.microsoft.com/sharepoint/v3/contenttype/forms">
   <Display>DocumentLibraryForm</Display>
@@ -27137,71 +28198,7 @@
 </FormTemplates>
 </file>
 
-<file path=customXml/item11.xml><?xml version="1.0" encoding="utf-8"?>
-<p4ppTags>
-  <Name>Free Content</Name>
-  <PpLayout>11</PpLayout>
-  <Index>9</Index>
-</p4ppTags>
-</file>
-
-<file path=customXml/item12.xml><?xml version="1.0" encoding="utf-8"?>
-<p4ppTags>
-  <Name>One object (large) + Navigation</Name>
-  <PpLayout>32</PpLayout>
-  <Index>17</Index>
-</p4ppTags>
-</file>
-
-<file path=customXml/item13.xml><?xml version="1.0" encoding="utf-8"?>
-<p4ppTags>
-  <Name>One object (small) + Navigation</Name>
-  <PpLayout>32</PpLayout>
-  <Index>18</Index>
-</p4ppTags>
-</file>
-
 <file path=customXml/item14.xml><?xml version="1.0" encoding="utf-8"?>
-<p4ppTags>
-  <Name>Free Content + Navigation</Name>
-  <PpLayout>32</PpLayout>
-  <Index>16</Index>
-</p4ppTags>
-</file>
-
-<file path=customXml/item15.xml><?xml version="1.0" encoding="utf-8"?>
-<p4ppTags>
-  <Name>Three columns</Name>
-  <PpLayout>32</PpLayout>
-  <Index>14</Index>
-</p4ppTags>
-</file>
-
-<file path=customXml/item16.xml><?xml version="1.0" encoding="utf-8"?>
-<p4ppTags>
-  <Name>Free Content</Name>
-  <PpLayout>11</PpLayout>
-  <Index>9</Index>
-</p4ppTags>
-</file>
-
-<file path=customXml/item17.xml><?xml version="1.0" encoding="utf-8"?>
-<p4ppTags>
-  <Name>Free Content + Navigation</Name>
-  <PpLayout>32</PpLayout>
-  <Index>16</Index>
-</p4ppTags>
-</file>
-
-<file path=customXml/item18.xml><?xml version="1.0" encoding="utf-8"?>
-<p4ppTags>
-  <Name>Four objects + Navigation</Name>
-  <PpLayout>32</PpLayout>
-  <Index>22</Index>
-</p4ppTags>
-</file>
-
-<file path=customXml/item19.xml><?xml version="1.0" encoding="utf-8"?>
 <p4ppTags>
   <Name>Three columns + Navigation</Name>
   <PpLayout>32</PpLayout>
@@ -27209,31 +28206,7 @@
 </p4ppTags>
 </file>
 
-<file path=customXml/item2.xml><?xml version="1.0" encoding="utf-8"?>
-<p4ppTags>
-  <Name>Two columns</Name>
-  <PpLayout>29</PpLayout>
-  <Index>12</Index>
-</p4ppTags>
-</file>
-
-<file path=customXml/item20.xml><?xml version="1.0" encoding="utf-8"?>
-<p4ppTags>
-  <Name>Three columns + Navigation</Name>
-  <PpLayout>32</PpLayout>
-  <Index>20</Index>
-</p4ppTags>
-</file>
-
-<file path=customXml/item21.xml><?xml version="1.0" encoding="utf-8"?>
-<p4ppTags>
-  <Name>Four objects</Name>
-  <PpLayout>24</PpLayout>
-  <Index>15</Index>
-</p4ppTags>
-</file>
-
-<file path=customXml/item22.xml><?xml version="1.0" encoding="utf-8"?>
+<file path=customXml/item15.xml><?xml version="1.0" encoding="utf-8"?>
 <ct:contentTypeSchema xmlns:ct="http://schemas.microsoft.com/office/2006/metadata/contentType" xmlns:ma="http://schemas.microsoft.com/office/2006/metadata/properties/metaAttributes" ct:_="" ma:_="" ma:contentTypeName="Document (SCT)" ma:contentTypeID="0x01010060D3A2B5B42A0B4796CE5EB3AD8B0F9700A1D07502C64466438FC9A2C1F4F54F66" ma:contentTypeVersion="1" ma:contentTypeDescription="SIEMENS core content type for documents (SCT)" ma:contentTypeScope="" ma:versionID="0c010fa9512f7b5386184ffb0e987b0a">
   <xsd:schema xmlns:xsd="http://www.w3.org/2001/XMLSchema" xmlns:p="http://schemas.microsoft.com/office/2006/metadata/properties" xmlns:ns1="http://schemas.microsoft.com/sharepoint/v3" xmlns:ns2="http://schemas.microsoft.com/sharepoint/v3/fields" xmlns:ns3="a4142d59-2d25-4234-9648-b19dcffae1a1" targetNamespace="http://schemas.microsoft.com/office/2006/metadata/properties" ma:root="true" ma:fieldsID="414659b53f1d931d0c5a7c65492a90d1" ns1:_="" ns2:_="" ns3:_="">
     <xsd:import namespace="http://schemas.microsoft.com/sharepoint/v3"/>
@@ -27385,7 +28358,7 @@
 </ct:contentTypeSchema>
 </file>
 
-<file path=customXml/item23.xml><?xml version="1.0" encoding="utf-8"?>
+<file path=customXml/item16.xml><?xml version="1.0" encoding="utf-8"?>
 <p4ppTags>
   <Name>Two rows</Name>
   <PpLayout>32</PpLayout>
@@ -27393,75 +28366,23 @@
 </p4ppTags>
 </file>
 
-<file path=customXml/item24.xml><?xml version="1.0" encoding="utf-8"?>
-<p:properties xmlns:p="http://schemas.microsoft.com/office/2006/metadata/properties" xmlns:xsi="http://www.w3.org/2001/XMLSchema-instance">
-  <documentManagement>
-    <_Status xmlns="http://schemas.microsoft.com/sharepoint/v3/fields">Draft</_Status>
-    <Language xmlns="http://schemas.microsoft.com/sharepoint/v3">Deutsch</Language>
-    <Owner xmlns="http://schemas.microsoft.com/sharepoint/v3" xsi:nil="true"/>
-    <SiemensSecurityClass xmlns="a4142d59-2d25-4234-9648-b19dcffae1a1">Confidential</SiemensSecurityClass>
-    <SCCoverageSpatialOrgUnit xmlns="http://schemas.microsoft.com/sharepoint/v3">SIEMENS AG</SCCoverageSpatialOrgUnit>
-  </documentManagement>
-</p:properties>
-</file>
-
-<file path=customXml/item25.xml><?xml version="1.0" encoding="utf-8"?>
+<file path=customXml/item17.xml><?xml version="1.0" encoding="utf-8"?>
 <p4ppTags>
-  <Name>Two rows + Navigation</Name>
-  <PpLayout>32</PpLayout>
-  <Index>21</Index>
+  <Name>One object (small)</Name>
+  <PpLayout>16</PpLayout>
+  <Index>11</Index>
 </p4ppTags>
 </file>
 
-<file path=customXml/item26.xml><?xml version="1.0" encoding="utf-8"?>
+<file path=customXml/item18.xml><?xml version="1.0" encoding="utf-8"?>
 <p4ppTags>
-  <Name>Four objects + Navigation</Name>
+  <Name>Free Content + Navigation</Name>
   <PpLayout>32</PpLayout>
-  <Index>22</Index>
+  <Index>16</Index>
 </p4ppTags>
 </file>
 
-<file path=customXml/item27.xml><?xml version="1.0" encoding="utf-8"?>
-<p4ppTags>
-  <Name>Two columns + Navigation</Name>
-  <PpLayout>32</PpLayout>
-  <Index>19</Index>
-</p4ppTags>
-</file>
-
-<file path=customXml/item28.xml><?xml version="1.0" encoding="utf-8"?>
-<p4ppTags>
-  <Name>One object (large) + Navigation</Name>
-  <PpLayout>32</PpLayout>
-  <Index>17</Index>
-</p4ppTags>
-</file>
-
-<file path=customXml/item29.xml><?xml version="1.0" encoding="utf-8"?>
-<p4ppTags>
-  <Name>Two columns</Name>
-  <PpLayout>29</PpLayout>
-  <Index>12</Index>
-</p4ppTags>
-</file>
-
-<file path=customXml/item3.xml><?xml version="1.0" encoding="utf-8"?>
-<p4ppTags>
-  <Name>Three columns</Name>
-  <PpLayout>32</PpLayout>
-  <Index>14</Index>
-</p4ppTags>
-</file>
-
-<file path=customXml/item30.xml><?xml version="1.0" encoding="utf-8"?>
-<p4ppTags>
-  <Name>Text + Index</Name>
-  <PpLayout>32</PpLayout>
-  <Index>8</Index>
-</p4ppTags>
-</file>
-
-<file path=customXml/item31.xml><?xml version="1.0" encoding="utf-8"?>
+<file path=customXml/item19.xml><?xml version="1.0" encoding="utf-8"?>
 <ct:contentTypeSchema xmlns:ct="http://schemas.microsoft.com/office/2006/metadata/contentType" xmlns:ma="http://schemas.microsoft.com/office/2006/metadata/properties/metaAttributes" ct:_="" ma:_="" ma:contentTypeName="Document (SCT)" ma:contentTypeID="0x01010060D3A2B5B42A0B4796CE5EB3AD8B0F9700A1D07502C64466438FC9A2C1F4F54F66" ma:contentTypeVersion="1" ma:contentTypeDescription="SIEMENS core content type for documents (SCT)" ma:contentTypeScope="" ma:versionID="0c010fa9512f7b5386184ffb0e987b0a">
   <xsd:schema xmlns:xsd="http://www.w3.org/2001/XMLSchema" xmlns:p="http://schemas.microsoft.com/office/2006/metadata/properties" xmlns:ns1="http://schemas.microsoft.com/sharepoint/v3" xmlns:ns2="http://schemas.microsoft.com/sharepoint/v3/fields" xmlns:ns3="a4142d59-2d25-4234-9648-b19dcffae1a1" targetNamespace="http://schemas.microsoft.com/office/2006/metadata/properties" ma:root="true" ma:fieldsID="414659b53f1d931d0c5a7c65492a90d1" ns1:_="" ns2:_="" ns3:_="">
     <xsd:import namespace="http://schemas.microsoft.com/sharepoint/v3"/>
@@ -27613,11 +28534,15 @@
 </ct:contentTypeSchema>
 </file>
 
-<file path=customXml/item32.xml><?xml version="1.0" encoding="utf-8"?>
-<p4ppTags/>
+<file path=customXml/item2.xml><?xml version="1.0" encoding="utf-8"?>
+<p4ppTags>
+  <Name>Four objects + Navigation</Name>
+  <PpLayout>32</PpLayout>
+  <Index>22</Index>
+</p4ppTags>
 </file>
 
-<file path=customXml/item33.xml><?xml version="1.0" encoding="utf-8"?>
+<file path=customXml/item20.xml><?xml version="1.0" encoding="utf-8"?>
 <p4ppTags>
   <Name>Two columns + Navigation</Name>
   <PpLayout>32</PpLayout>
@@ -27625,7 +28550,127 @@
 </p4ppTags>
 </file>
 
+<file path=customXml/item21.xml><?xml version="1.0" encoding="utf-8"?>
+<p4ppTags>
+  <Name>Text + Index</Name>
+  <PpLayout>32</PpLayout>
+  <Index>8</Index>
+</p4ppTags>
+</file>
+
+<file path=customXml/item22.xml><?xml version="1.0" encoding="utf-8"?>
+<p4ppTags>
+  <Name>Two rows + Navigation</Name>
+  <PpLayout>32</PpLayout>
+  <Index>21</Index>
+</p4ppTags>
+</file>
+
+<file path=customXml/item23.xml><?xml version="1.0" encoding="utf-8"?>
+<p4ppTags>
+  <Name>Three columns</Name>
+  <PpLayout>32</PpLayout>
+  <Index>14</Index>
+</p4ppTags>
+</file>
+
+<file path=customXml/item24.xml><?xml version="1.0" encoding="utf-8"?>
+<p4ppTags>
+  <Name>One object (large) + Navigation</Name>
+  <PpLayout>32</PpLayout>
+  <Index>17</Index>
+</p4ppTags>
+</file>
+
+<file path=customXml/item25.xml><?xml version="1.0" encoding="utf-8"?>
+<p4ppTags>
+  <Name>Free Content + Navigation</Name>
+  <PpLayout>32</PpLayout>
+  <Index>16</Index>
+</p4ppTags>
+</file>
+
+<file path=customXml/item26.xml><?xml version="1.0" encoding="utf-8"?>
+<p4ppTags>
+  <Name>Two rows + Navigation</Name>
+  <PpLayout>32</PpLayout>
+  <Index>21</Index>
+</p4ppTags>
+</file>
+
+<file path=customXml/item27.xml><?xml version="1.0" encoding="utf-8"?>
+<p4ppTags>
+  <Name>Two columns + Navigation</Name>
+  <PpLayout>32</PpLayout>
+  <Index>19</Index>
+</p4ppTags>
+</file>
+
+<file path=customXml/item28.xml><?xml version="1.0" encoding="utf-8"?>
+<p4ppTags>
+  <Name>Three columns + Navigation</Name>
+  <PpLayout>32</PpLayout>
+  <Index>20</Index>
+</p4ppTags>
+</file>
+
+<file path=customXml/item29.xml><?xml version="1.0" encoding="utf-8"?>
+<p4ppTags>
+  <Name>One object (large)</Name>
+  <PpLayout>16</PpLayout>
+  <Index>10</Index>
+</p4ppTags>
+</file>
+
+<file path=customXml/item3.xml><?xml version="1.0" encoding="utf-8"?>
+<p4ppTags>
+  <Name>Four objects</Name>
+  <PpLayout>24</PpLayout>
+  <Index>15</Index>
+</p4ppTags>
+</file>
+
+<file path=customXml/item30.xml><?xml version="1.0" encoding="utf-8"?>
+<p4ppTags>
+  <Name>Text + Index</Name>
+  <PpLayout>32</PpLayout>
+  <Index>8</Index>
+</p4ppTags>
+</file>
+
+<file path=customXml/item31.xml><?xml version="1.0" encoding="utf-8"?>
+<p4ppTags>
+  <Name>Three columns</Name>
+  <PpLayout>32</PpLayout>
+  <Index>14</Index>
+</p4ppTags>
+</file>
+
+<file path=customXml/item32.xml><?xml version="1.0" encoding="utf-8"?>
+<p4ppTags>
+  <Name>Two rows</Name>
+  <PpLayout>32</PpLayout>
+  <Index>13</Index>
+</p4ppTags>
+</file>
+
+<file path=customXml/item33.xml><?xml version="1.0" encoding="utf-8"?>
+<p4ppTags>
+  <Name>One object (large) + Navigation</Name>
+  <PpLayout>32</PpLayout>
+  <Index>17</Index>
+</p4ppTags>
+</file>
+
 <file path=customXml/item34.xml><?xml version="1.0" encoding="utf-8"?>
+<p4ppTags>
+  <Name>One object (small) + Navigation</Name>
+  <PpLayout>32</PpLayout>
+  <Index>18</Index>
+</p4ppTags>
+</file>
+
+<file path=customXml/item4.xml><?xml version="1.0" encoding="utf-8"?>
 <p4ppTags>
   <Name>One object (small)</Name>
   <PpLayout>16</PpLayout>
@@ -27633,31 +28678,7 @@
 </p4ppTags>
 </file>
 
-<file path=customXml/item4.xml><?xml version="1.0" encoding="utf-8"?>
-<p4ppTags>
-  <Name>Two rows</Name>
-  <PpLayout>32</PpLayout>
-  <Index>13</Index>
-</p4ppTags>
-</file>
-
 <file path=customXml/item5.xml><?xml version="1.0" encoding="utf-8"?>
-<p4ppTags>
-  <Name>One object (large)</Name>
-  <PpLayout>16</PpLayout>
-  <Index>10</Index>
-</p4ppTags>
-</file>
-
-<file path=customXml/item6.xml><?xml version="1.0" encoding="utf-8"?>
-<p4ppTags>
-  <Name>Text + Index</Name>
-  <PpLayout>32</PpLayout>
-  <Index>8</Index>
-</p4ppTags>
-</file>
-
-<file path=customXml/item7.xml><?xml version="1.0" encoding="utf-8"?>
 <p4ppTags>
   <Name>One object (small) + Navigation</Name>
   <PpLayout>32</PpLayout>
@@ -27665,29 +28686,74 @@
 </p4ppTags>
 </file>
 
+<file path=customXml/item6.xml><?xml version="1.0" encoding="utf-8"?>
+<p4ppTags>
+  <Name>Two columns</Name>
+  <PpLayout>29</PpLayout>
+  <Index>12</Index>
+</p4ppTags>
+</file>
+
+<file path=customXml/item7.xml><?xml version="1.0" encoding="utf-8"?>
+<p4ppTags>
+  <Name>Free Content</Name>
+  <PpLayout>11</PpLayout>
+  <Index>9</Index>
+</p4ppTags>
+</file>
+
 <file path=customXml/item8.xml><?xml version="1.0" encoding="utf-8"?>
 <p4ppTags>
-  <Name>Two rows + Navigation</Name>
-  <PpLayout>32</PpLayout>
-  <Index>21</Index>
+  <Name>Two columns</Name>
+  <PpLayout>29</PpLayout>
+  <Index>12</Index>
 </p4ppTags>
 </file>
 
 <file path=customXml/item9.xml><?xml version="1.0" encoding="utf-8"?>
 <p4ppTags>
-  <Name>One object (small)</Name>
-  <PpLayout>16</PpLayout>
-  <Index>11</Index>
+  <Name>Free Content</Name>
+  <PpLayout>11</PpLayout>
+  <Index>9</Index>
 </p4ppTags>
 </file>
 
 <file path=customXml/itemProps1.xml><?xml version="1.0" encoding="utf-8"?>
-<ds:datastoreItem xmlns:ds="http://schemas.openxmlformats.org/officeDocument/2006/customXml" ds:itemID="{80661B8B-A327-44F9-823B-4D9EE0B3EC78}">
+<ds:datastoreItem xmlns:ds="http://schemas.openxmlformats.org/officeDocument/2006/customXml" ds:itemID="{EAB520BC-C6EC-457E-8AB5-55DB67C86858}">
   <ds:schemaRefs/>
 </ds:datastoreItem>
 </file>
 
 <file path=customXml/itemProps10.xml><?xml version="1.0" encoding="utf-8"?>
+<ds:datastoreItem xmlns:ds="http://schemas.openxmlformats.org/officeDocument/2006/customXml" ds:itemID="{369D73DA-3AF1-442B-84BB-0B3932E5BC81}">
+  <ds:schemaRefs>
+    <ds:schemaRef ds:uri="http://schemas.microsoft.com/office/2006/documentManagement/types"/>
+    <ds:schemaRef ds:uri="http://schemas.microsoft.com/office/2006/metadata/properties"/>
+    <ds:schemaRef ds:uri="http://schemas.microsoft.com/sharepoint/v3/fields"/>
+    <ds:schemaRef ds:uri="a4142d59-2d25-4234-9648-b19dcffae1a1"/>
+    <ds:schemaRef ds:uri="http://purl.org/dc/elements/1.1/"/>
+    <ds:schemaRef ds:uri="http://purl.org/dc/dcmitype/"/>
+    <ds:schemaRef ds:uri="http://purl.org/dc/terms/"/>
+    <ds:schemaRef ds:uri="http://schemas.openxmlformats.org/package/2006/metadata/core-properties"/>
+    <ds:schemaRef ds:uri="http://schemas.microsoft.com/sharepoint/v3"/>
+    <ds:schemaRef ds:uri="http://www.w3.org/XML/1998/namespace"/>
+  </ds:schemaRefs>
+</ds:datastoreItem>
+</file>
+
+<file path=customXml/itemProps11.xml><?xml version="1.0" encoding="utf-8"?>
+<ds:datastoreItem xmlns:ds="http://schemas.openxmlformats.org/officeDocument/2006/customXml" ds:itemID="{572FBA73-6DBF-45DA-8282-9342320CFAB0}">
+  <ds:schemaRefs/>
+</ds:datastoreItem>
+</file>
+
+<file path=customXml/itemProps12.xml><?xml version="1.0" encoding="utf-8"?>
+<ds:datastoreItem xmlns:ds="http://schemas.openxmlformats.org/officeDocument/2006/customXml" ds:itemID="{F3AEA2C2-F674-4CE9-836B-E0FB514D9CE2}">
+  <ds:schemaRefs/>
+</ds:datastoreItem>
+</file>
+
+<file path=customXml/itemProps13.xml><?xml version="1.0" encoding="utf-8"?>
 <ds:datastoreItem xmlns:ds="http://schemas.openxmlformats.org/officeDocument/2006/customXml" ds:itemID="{E442F593-8E0B-4681-A72B-A30C774CCA70}">
   <ds:schemaRefs>
     <ds:schemaRef ds:uri="http://schemas.microsoft.com/sharepoint/v3/contenttype/forms"/>
@@ -27695,79 +28761,50 @@
 </ds:datastoreItem>
 </file>
 
-<file path=customXml/itemProps11.xml><?xml version="1.0" encoding="utf-8"?>
-<ds:datastoreItem xmlns:ds="http://schemas.openxmlformats.org/officeDocument/2006/customXml" ds:itemID="{D8097D0C-BE3E-4AEC-9593-65CFCCB19297}">
+<file path=customXml/itemProps14.xml><?xml version="1.0" encoding="utf-8"?>
+<ds:datastoreItem xmlns:ds="http://schemas.openxmlformats.org/officeDocument/2006/customXml" ds:itemID="{85D77EE6-52B7-48BE-9EDB-748F1EBB53DE}">
   <ds:schemaRefs/>
 </ds:datastoreItem>
 </file>
 
-<file path=customXml/itemProps12.xml><?xml version="1.0" encoding="utf-8"?>
-<ds:datastoreItem xmlns:ds="http://schemas.openxmlformats.org/officeDocument/2006/customXml" ds:itemID="{B27F640E-84DF-4F97-BC70-D045F1E6594F}">
+<file path=customXml/itemProps15.xml><?xml version="1.0" encoding="utf-8"?>
+<ds:datastoreItem xmlns:ds="http://schemas.openxmlformats.org/officeDocument/2006/customXml" ds:itemID="{6E742ABC-4D28-48FA-84D9-8A980532EFA0}">
+  <ds:schemaRefs>
+    <ds:schemaRef ds:uri="http://schemas.microsoft.com/office/2006/metadata/contentType"/>
+    <ds:schemaRef ds:uri="http://schemas.microsoft.com/office/2006/metadata/properties/metaAttributes"/>
+    <ds:schemaRef ds:uri="http://www.w3.org/2001/XMLSchema"/>
+    <ds:schemaRef ds:uri="http://schemas.microsoft.com/office/2006/metadata/properties"/>
+    <ds:schemaRef ds:uri="http://schemas.microsoft.com/sharepoint/v3"/>
+    <ds:schemaRef ds:uri="http://schemas.microsoft.com/sharepoint/v3/fields"/>
+    <ds:schemaRef ds:uri="a4142d59-2d25-4234-9648-b19dcffae1a1"/>
+    <ds:schemaRef ds:uri="http://schemas.microsoft.com/office/2006/documentManagement/types"/>
+    <ds:schemaRef ds:uri="http://schemas.openxmlformats.org/package/2006/metadata/core-properties"/>
+    <ds:schemaRef ds:uri="http://purl.org/dc/elements/1.1/"/>
+    <ds:schemaRef ds:uri="http://purl.org/dc/terms/"/>
+    <ds:schemaRef ds:uri="http://schemas.microsoft.com/office/internal/2005/internalDocumentation"/>
+  </ds:schemaRefs>
+</ds:datastoreItem>
+</file>
+
+<file path=customXml/itemProps16.xml><?xml version="1.0" encoding="utf-8"?>
+<ds:datastoreItem xmlns:ds="http://schemas.openxmlformats.org/officeDocument/2006/customXml" ds:itemID="{0C3C0EEE-1B5B-419D-AB4E-EEE58B1D7250}">
   <ds:schemaRefs/>
 </ds:datastoreItem>
 </file>
 
-<file path=customXml/itemProps13.xml><?xml version="1.0" encoding="utf-8"?>
-<ds:datastoreItem xmlns:ds="http://schemas.openxmlformats.org/officeDocument/2006/customXml" ds:itemID="{D9FE249F-833E-4CF0-BECB-552D01D7DC9E}">
+<file path=customXml/itemProps17.xml><?xml version="1.0" encoding="utf-8"?>
+<ds:datastoreItem xmlns:ds="http://schemas.openxmlformats.org/officeDocument/2006/customXml" ds:itemID="{1618AA06-B22E-4D19-9680-0D7830426729}">
   <ds:schemaRefs/>
 </ds:datastoreItem>
 </file>
 
-<file path=customXml/itemProps14.xml><?xml version="1.0" encoding="utf-8"?>
+<file path=customXml/itemProps18.xml><?xml version="1.0" encoding="utf-8"?>
 <ds:datastoreItem xmlns:ds="http://schemas.openxmlformats.org/officeDocument/2006/customXml" ds:itemID="{C5BF9164-F317-4AD0-AFA6-3ECD96305FB0}">
   <ds:schemaRefs/>
 </ds:datastoreItem>
 </file>
 
-<file path=customXml/itemProps15.xml><?xml version="1.0" encoding="utf-8"?>
-<ds:datastoreItem xmlns:ds="http://schemas.openxmlformats.org/officeDocument/2006/customXml" ds:itemID="{BE61B242-EB28-4EA0-B0AC-E7F1D9AA3117}">
-  <ds:schemaRefs/>
-</ds:datastoreItem>
-</file>
-
-<file path=customXml/itemProps16.xml><?xml version="1.0" encoding="utf-8"?>
-<ds:datastoreItem xmlns:ds="http://schemas.openxmlformats.org/officeDocument/2006/customXml" ds:itemID="{0684A5BE-930B-48F4-B66C-8EB0F7C11D0A}">
-  <ds:schemaRefs/>
-</ds:datastoreItem>
-</file>
-
-<file path=customXml/itemProps17.xml><?xml version="1.0" encoding="utf-8"?>
-<ds:datastoreItem xmlns:ds="http://schemas.openxmlformats.org/officeDocument/2006/customXml" ds:itemID="{7CC5F709-E74B-4E5F-A728-923D5062EBEF}">
-  <ds:schemaRefs/>
-</ds:datastoreItem>
-</file>
-
-<file path=customXml/itemProps18.xml><?xml version="1.0" encoding="utf-8"?>
-<ds:datastoreItem xmlns:ds="http://schemas.openxmlformats.org/officeDocument/2006/customXml" ds:itemID="{EAB520BC-C6EC-457E-8AB5-55DB67C86858}">
-  <ds:schemaRefs/>
-</ds:datastoreItem>
-</file>
-
 <file path=customXml/itemProps19.xml><?xml version="1.0" encoding="utf-8"?>
-<ds:datastoreItem xmlns:ds="http://schemas.openxmlformats.org/officeDocument/2006/customXml" ds:itemID="{85D77EE6-52B7-48BE-9EDB-748F1EBB53DE}">
-  <ds:schemaRefs/>
-</ds:datastoreItem>
-</file>
-
-<file path=customXml/itemProps2.xml><?xml version="1.0" encoding="utf-8"?>
-<ds:datastoreItem xmlns:ds="http://schemas.openxmlformats.org/officeDocument/2006/customXml" ds:itemID="{1666F4C2-68F5-4840-A44A-1A646C0925A1}">
-  <ds:schemaRefs/>
-</ds:datastoreItem>
-</file>
-
-<file path=customXml/itemProps20.xml><?xml version="1.0" encoding="utf-8"?>
-<ds:datastoreItem xmlns:ds="http://schemas.openxmlformats.org/officeDocument/2006/customXml" ds:itemID="{D8012CC6-878B-4C38-B168-EE497B6E93B8}">
-  <ds:schemaRefs/>
-</ds:datastoreItem>
-</file>
-
-<file path=customXml/itemProps21.xml><?xml version="1.0" encoding="utf-8"?>
-<ds:datastoreItem xmlns:ds="http://schemas.openxmlformats.org/officeDocument/2006/customXml" ds:itemID="{1581BFFB-B4CE-47A8-BE77-DC1339B1E5A7}">
-  <ds:schemaRefs/>
-</ds:datastoreItem>
-</file>
-
-<file path=customXml/itemProps22.xml><?xml version="1.0" encoding="utf-8"?>
 <ds:datastoreItem xmlns:ds="http://schemas.openxmlformats.org/officeDocument/2006/customXml" ds:itemID="{1EFA8CC0-2677-47E3-BDB7-7DD3ABF3506A}">
   <ds:schemaRefs>
     <ds:schemaRef ds:uri="http://schemas.microsoft.com/office/2006/metadata/contentType"/>
@@ -27786,140 +28823,140 @@
 </ds:datastoreItem>
 </file>
 
+<file path=customXml/itemProps2.xml><?xml version="1.0" encoding="utf-8"?>
+<ds:datastoreItem xmlns:ds="http://schemas.openxmlformats.org/officeDocument/2006/customXml" ds:itemID="{E61E7C23-4E7C-478D-8B18-BE677EBCAA1C}">
+  <ds:schemaRefs/>
+</ds:datastoreItem>
+</file>
+
+<file path=customXml/itemProps20.xml><?xml version="1.0" encoding="utf-8"?>
+<ds:datastoreItem xmlns:ds="http://schemas.openxmlformats.org/officeDocument/2006/customXml" ds:itemID="{D7BABA95-BFFE-422B-8591-3271669EEA88}">
+  <ds:schemaRefs/>
+</ds:datastoreItem>
+</file>
+
+<file path=customXml/itemProps21.xml><?xml version="1.0" encoding="utf-8"?>
+<ds:datastoreItem xmlns:ds="http://schemas.openxmlformats.org/officeDocument/2006/customXml" ds:itemID="{7E35FEDB-1F0E-4D67-A313-4AC59C26FF29}">
+  <ds:schemaRefs/>
+</ds:datastoreItem>
+</file>
+
+<file path=customXml/itemProps22.xml><?xml version="1.0" encoding="utf-8"?>
+<ds:datastoreItem xmlns:ds="http://schemas.openxmlformats.org/officeDocument/2006/customXml" ds:itemID="{942A64EE-5710-40BB-A0D8-0DE05E0377CB}">
+  <ds:schemaRefs/>
+</ds:datastoreItem>
+</file>
+
 <file path=customXml/itemProps23.xml><?xml version="1.0" encoding="utf-8"?>
+<ds:datastoreItem xmlns:ds="http://schemas.openxmlformats.org/officeDocument/2006/customXml" ds:itemID="{15CF3461-70D1-4B54-AFAB-DAFDA0A238CD}">
+  <ds:schemaRefs/>
+</ds:datastoreItem>
+</file>
+
+<file path=customXml/itemProps24.xml><?xml version="1.0" encoding="utf-8"?>
+<ds:datastoreItem xmlns:ds="http://schemas.openxmlformats.org/officeDocument/2006/customXml" ds:itemID="{B27F640E-84DF-4F97-BC70-D045F1E6594F}">
+  <ds:schemaRefs/>
+</ds:datastoreItem>
+</file>
+
+<file path=customXml/itemProps25.xml><?xml version="1.0" encoding="utf-8"?>
+<ds:datastoreItem xmlns:ds="http://schemas.openxmlformats.org/officeDocument/2006/customXml" ds:itemID="{7CC5F709-E74B-4E5F-A728-923D5062EBEF}">
+  <ds:schemaRefs/>
+</ds:datastoreItem>
+</file>
+
+<file path=customXml/itemProps26.xml><?xml version="1.0" encoding="utf-8"?>
+<ds:datastoreItem xmlns:ds="http://schemas.openxmlformats.org/officeDocument/2006/customXml" ds:itemID="{6C79E4F8-DCFB-483C-880A-AEEC6AAFC838}">
+  <ds:schemaRefs/>
+</ds:datastoreItem>
+</file>
+
+<file path=customXml/itemProps27.xml><?xml version="1.0" encoding="utf-8"?>
+<ds:datastoreItem xmlns:ds="http://schemas.openxmlformats.org/officeDocument/2006/customXml" ds:itemID="{4BCA24BB-19EE-465A-B0DC-8C7C0F3BA692}">
+  <ds:schemaRefs/>
+</ds:datastoreItem>
+</file>
+
+<file path=customXml/itemProps28.xml><?xml version="1.0" encoding="utf-8"?>
+<ds:datastoreItem xmlns:ds="http://schemas.openxmlformats.org/officeDocument/2006/customXml" ds:itemID="{D8012CC6-878B-4C38-B168-EE497B6E93B8}">
+  <ds:schemaRefs/>
+</ds:datastoreItem>
+</file>
+
+<file path=customXml/itemProps29.xml><?xml version="1.0" encoding="utf-8"?>
+<ds:datastoreItem xmlns:ds="http://schemas.openxmlformats.org/officeDocument/2006/customXml" ds:itemID="{80661B8B-A327-44F9-823B-4D9EE0B3EC78}">
+  <ds:schemaRefs/>
+</ds:datastoreItem>
+</file>
+
+<file path=customXml/itemProps3.xml><?xml version="1.0" encoding="utf-8"?>
+<ds:datastoreItem xmlns:ds="http://schemas.openxmlformats.org/officeDocument/2006/customXml" ds:itemID="{1581BFFB-B4CE-47A8-BE77-DC1339B1E5A7}">
+  <ds:schemaRefs/>
+</ds:datastoreItem>
+</file>
+
+<file path=customXml/itemProps30.xml><?xml version="1.0" encoding="utf-8"?>
+<ds:datastoreItem xmlns:ds="http://schemas.openxmlformats.org/officeDocument/2006/customXml" ds:itemID="{6D22917E-DCE3-4442-BED2-9536B0D89CAC}">
+  <ds:schemaRefs/>
+</ds:datastoreItem>
+</file>
+
+<file path=customXml/itemProps31.xml><?xml version="1.0" encoding="utf-8"?>
+<ds:datastoreItem xmlns:ds="http://schemas.openxmlformats.org/officeDocument/2006/customXml" ds:itemID="{BE61B242-EB28-4EA0-B0AC-E7F1D9AA3117}">
+  <ds:schemaRefs/>
+</ds:datastoreItem>
+</file>
+
+<file path=customXml/itemProps32.xml><?xml version="1.0" encoding="utf-8"?>
 <ds:datastoreItem xmlns:ds="http://schemas.openxmlformats.org/officeDocument/2006/customXml" ds:itemID="{38AB8DE4-FD9B-4166-BEC3-3F1753596133}">
   <ds:schemaRefs/>
 </ds:datastoreItem>
 </file>
 
-<file path=customXml/itemProps24.xml><?xml version="1.0" encoding="utf-8"?>
-<ds:datastoreItem xmlns:ds="http://schemas.openxmlformats.org/officeDocument/2006/customXml" ds:itemID="{369D73DA-3AF1-442B-84BB-0B3932E5BC81}">
-  <ds:schemaRefs>
-    <ds:schemaRef ds:uri="http://schemas.microsoft.com/office/2006/documentManagement/types"/>
-    <ds:schemaRef ds:uri="http://schemas.microsoft.com/office/2006/metadata/properties"/>
-    <ds:schemaRef ds:uri="http://schemas.microsoft.com/sharepoint/v3/fields"/>
-    <ds:schemaRef ds:uri="a4142d59-2d25-4234-9648-b19dcffae1a1"/>
-    <ds:schemaRef ds:uri="http://purl.org/dc/elements/1.1/"/>
-    <ds:schemaRef ds:uri="http://purl.org/dc/dcmitype/"/>
-    <ds:schemaRef ds:uri="http://purl.org/dc/terms/"/>
-    <ds:schemaRef ds:uri="http://schemas.openxmlformats.org/package/2006/metadata/core-properties"/>
-    <ds:schemaRef ds:uri="http://schemas.microsoft.com/sharepoint/v3"/>
-    <ds:schemaRef ds:uri="http://www.w3.org/XML/1998/namespace"/>
-  </ds:schemaRefs>
-</ds:datastoreItem>
-</file>
-
-<file path=customXml/itemProps25.xml><?xml version="1.0" encoding="utf-8"?>
-<ds:datastoreItem xmlns:ds="http://schemas.openxmlformats.org/officeDocument/2006/customXml" ds:itemID="{6C79E4F8-DCFB-483C-880A-AEEC6AAFC838}">
-  <ds:schemaRefs/>
-</ds:datastoreItem>
-</file>
-
-<file path=customXml/itemProps26.xml><?xml version="1.0" encoding="utf-8"?>
-<ds:datastoreItem xmlns:ds="http://schemas.openxmlformats.org/officeDocument/2006/customXml" ds:itemID="{E61E7C23-4E7C-478D-8B18-BE677EBCAA1C}">
-  <ds:schemaRefs/>
-</ds:datastoreItem>
-</file>
-
-<file path=customXml/itemProps27.xml><?xml version="1.0" encoding="utf-8"?>
-<ds:datastoreItem xmlns:ds="http://schemas.openxmlformats.org/officeDocument/2006/customXml" ds:itemID="{D7BABA95-BFFE-422B-8591-3271669EEA88}">
-  <ds:schemaRefs/>
-</ds:datastoreItem>
-</file>
-
-<file path=customXml/itemProps28.xml><?xml version="1.0" encoding="utf-8"?>
+<file path=customXml/itemProps33.xml><?xml version="1.0" encoding="utf-8"?>
 <ds:datastoreItem xmlns:ds="http://schemas.openxmlformats.org/officeDocument/2006/customXml" ds:itemID="{BF61B7A4-6F51-4861-9C76-6E232A82C9C4}">
   <ds:schemaRefs/>
 </ds:datastoreItem>
 </file>
 
-<file path=customXml/itemProps29.xml><?xml version="1.0" encoding="utf-8"?>
+<file path=customXml/itemProps34.xml><?xml version="1.0" encoding="utf-8"?>
+<ds:datastoreItem xmlns:ds="http://schemas.openxmlformats.org/officeDocument/2006/customXml" ds:itemID="{D9FE249F-833E-4CF0-BECB-552D01D7DC9E}">
+  <ds:schemaRefs/>
+</ds:datastoreItem>
+</file>
+
+<file path=customXml/itemProps4.xml><?xml version="1.0" encoding="utf-8"?>
+<ds:datastoreItem xmlns:ds="http://schemas.openxmlformats.org/officeDocument/2006/customXml" ds:itemID="{A9A85CAE-E791-477A-BED7-447CA2FC15B5}">
+  <ds:schemaRefs/>
+</ds:datastoreItem>
+</file>
+
+<file path=customXml/itemProps5.xml><?xml version="1.0" encoding="utf-8"?>
+<ds:datastoreItem xmlns:ds="http://schemas.openxmlformats.org/officeDocument/2006/customXml" ds:itemID="{71AC68EF-2E05-4E46-A5C3-FD22551581FA}">
+  <ds:schemaRefs/>
+</ds:datastoreItem>
+</file>
+
+<file path=customXml/itemProps6.xml><?xml version="1.0" encoding="utf-8"?>
+<ds:datastoreItem xmlns:ds="http://schemas.openxmlformats.org/officeDocument/2006/customXml" ds:itemID="{1666F4C2-68F5-4840-A44A-1A646C0925A1}">
+  <ds:schemaRefs/>
+</ds:datastoreItem>
+</file>
+
+<file path=customXml/itemProps7.xml><?xml version="1.0" encoding="utf-8"?>
+<ds:datastoreItem xmlns:ds="http://schemas.openxmlformats.org/officeDocument/2006/customXml" ds:itemID="{0684A5BE-930B-48F4-B66C-8EB0F7C11D0A}">
+  <ds:schemaRefs/>
+</ds:datastoreItem>
+</file>
+
+<file path=customXml/itemProps8.xml><?xml version="1.0" encoding="utf-8"?>
 <ds:datastoreItem xmlns:ds="http://schemas.openxmlformats.org/officeDocument/2006/customXml" ds:itemID="{268D5741-D976-441B-A6D4-C72A9F2BA881}">
   <ds:schemaRefs/>
 </ds:datastoreItem>
 </file>
 
-<file path=customXml/itemProps3.xml><?xml version="1.0" encoding="utf-8"?>
-<ds:datastoreItem xmlns:ds="http://schemas.openxmlformats.org/officeDocument/2006/customXml" ds:itemID="{15CF3461-70D1-4B54-AFAB-DAFDA0A238CD}">
-  <ds:schemaRefs/>
-</ds:datastoreItem>
-</file>
-
-<file path=customXml/itemProps30.xml><?xml version="1.0" encoding="utf-8"?>
-<ds:datastoreItem xmlns:ds="http://schemas.openxmlformats.org/officeDocument/2006/customXml" ds:itemID="{7E35FEDB-1F0E-4D67-A313-4AC59C26FF29}">
-  <ds:schemaRefs/>
-</ds:datastoreItem>
-</file>
-
-<file path=customXml/itemProps31.xml><?xml version="1.0" encoding="utf-8"?>
-<ds:datastoreItem xmlns:ds="http://schemas.openxmlformats.org/officeDocument/2006/customXml" ds:itemID="{6E742ABC-4D28-48FA-84D9-8A980532EFA0}">
-  <ds:schemaRefs>
-    <ds:schemaRef ds:uri="http://schemas.microsoft.com/office/2006/metadata/contentType"/>
-    <ds:schemaRef ds:uri="http://schemas.microsoft.com/office/2006/metadata/properties/metaAttributes"/>
-    <ds:schemaRef ds:uri="http://www.w3.org/2001/XMLSchema"/>
-    <ds:schemaRef ds:uri="http://schemas.microsoft.com/office/2006/metadata/properties"/>
-    <ds:schemaRef ds:uri="http://schemas.microsoft.com/sharepoint/v3"/>
-    <ds:schemaRef ds:uri="http://schemas.microsoft.com/sharepoint/v3/fields"/>
-    <ds:schemaRef ds:uri="a4142d59-2d25-4234-9648-b19dcffae1a1"/>
-    <ds:schemaRef ds:uri="http://schemas.microsoft.com/office/2006/documentManagement/types"/>
-    <ds:schemaRef ds:uri="http://schemas.openxmlformats.org/package/2006/metadata/core-properties"/>
-    <ds:schemaRef ds:uri="http://purl.org/dc/elements/1.1/"/>
-    <ds:schemaRef ds:uri="http://purl.org/dc/terms/"/>
-    <ds:schemaRef ds:uri="http://schemas.microsoft.com/office/internal/2005/internalDocumentation"/>
-  </ds:schemaRefs>
-</ds:datastoreItem>
-</file>
-
-<file path=customXml/itemProps32.xml><?xml version="1.0" encoding="utf-8"?>
-<ds:datastoreItem xmlns:ds="http://schemas.openxmlformats.org/officeDocument/2006/customXml" ds:itemID="{572FBA73-6DBF-45DA-8282-9342320CFAB0}">
-  <ds:schemaRefs/>
-</ds:datastoreItem>
-</file>
-
-<file path=customXml/itemProps33.xml><?xml version="1.0" encoding="utf-8"?>
-<ds:datastoreItem xmlns:ds="http://schemas.openxmlformats.org/officeDocument/2006/customXml" ds:itemID="{4BCA24BB-19EE-465A-B0DC-8C7C0F3BA692}">
-  <ds:schemaRefs/>
-</ds:datastoreItem>
-</file>
-
-<file path=customXml/itemProps34.xml><?xml version="1.0" encoding="utf-8"?>
-<ds:datastoreItem xmlns:ds="http://schemas.openxmlformats.org/officeDocument/2006/customXml" ds:itemID="{A9A85CAE-E791-477A-BED7-447CA2FC15B5}">
-  <ds:schemaRefs/>
-</ds:datastoreItem>
-</file>
-
-<file path=customXml/itemProps4.xml><?xml version="1.0" encoding="utf-8"?>
-<ds:datastoreItem xmlns:ds="http://schemas.openxmlformats.org/officeDocument/2006/customXml" ds:itemID="{0C3C0EEE-1B5B-419D-AB4E-EEE58B1D7250}">
-  <ds:schemaRefs/>
-</ds:datastoreItem>
-</file>
-
-<file path=customXml/itemProps5.xml><?xml version="1.0" encoding="utf-8"?>
-<ds:datastoreItem xmlns:ds="http://schemas.openxmlformats.org/officeDocument/2006/customXml" ds:itemID="{F3AEA2C2-F674-4CE9-836B-E0FB514D9CE2}">
-  <ds:schemaRefs/>
-</ds:datastoreItem>
-</file>
-
-<file path=customXml/itemProps6.xml><?xml version="1.0" encoding="utf-8"?>
-<ds:datastoreItem xmlns:ds="http://schemas.openxmlformats.org/officeDocument/2006/customXml" ds:itemID="{6D22917E-DCE3-4442-BED2-9536B0D89CAC}">
-  <ds:schemaRefs/>
-</ds:datastoreItem>
-</file>
-
-<file path=customXml/itemProps7.xml><?xml version="1.0" encoding="utf-8"?>
-<ds:datastoreItem xmlns:ds="http://schemas.openxmlformats.org/officeDocument/2006/customXml" ds:itemID="{71AC68EF-2E05-4E46-A5C3-FD22551581FA}">
-  <ds:schemaRefs/>
-</ds:datastoreItem>
-</file>
-
-<file path=customXml/itemProps8.xml><?xml version="1.0" encoding="utf-8"?>
-<ds:datastoreItem xmlns:ds="http://schemas.openxmlformats.org/officeDocument/2006/customXml" ds:itemID="{942A64EE-5710-40BB-A0D8-0DE05E0377CB}">
-  <ds:schemaRefs/>
-</ds:datastoreItem>
-</file>
-
 <file path=customXml/itemProps9.xml><?xml version="1.0" encoding="utf-8"?>
-<ds:datastoreItem xmlns:ds="http://schemas.openxmlformats.org/officeDocument/2006/customXml" ds:itemID="{1618AA06-B22E-4D19-9680-0D7830426729}">
+<ds:datastoreItem xmlns:ds="http://schemas.openxmlformats.org/officeDocument/2006/customXml" ds:itemID="{D8097D0C-BE3E-4AEC-9593-65CFCCB19297}">
   <ds:schemaRefs/>
 </ds:datastoreItem>
 </file>